--- a/PowerShell Scripting.pptx
+++ b/PowerShell Scripting.pptx
@@ -5,7 +5,7 @@
     <p:sldMasterId id="2147483648" r:id="rId1"/>
   </p:sldMasterIdLst>
   <p:notesMasterIdLst>
-    <p:notesMasterId r:id="rId78"/>
+    <p:notesMasterId r:id="rId85"/>
   </p:notesMasterIdLst>
   <p:sldIdLst>
     <p:sldId id="256" r:id="rId2"/>
@@ -62,28 +62,35 @@
     <p:sldId id="307" r:id="rId53"/>
     <p:sldId id="308" r:id="rId54"/>
     <p:sldId id="309" r:id="rId55"/>
-    <p:sldId id="326" r:id="rId56"/>
-    <p:sldId id="310" r:id="rId57"/>
-    <p:sldId id="311" r:id="rId58"/>
-    <p:sldId id="312" r:id="rId59"/>
-    <p:sldId id="313" r:id="rId60"/>
-    <p:sldId id="314" r:id="rId61"/>
-    <p:sldId id="330" r:id="rId62"/>
-    <p:sldId id="315" r:id="rId63"/>
+    <p:sldId id="310" r:id="rId56"/>
+    <p:sldId id="311" r:id="rId57"/>
+    <p:sldId id="312" r:id="rId58"/>
+    <p:sldId id="313" r:id="rId59"/>
+    <p:sldId id="314" r:id="rId60"/>
+    <p:sldId id="330" r:id="rId61"/>
+    <p:sldId id="315" r:id="rId62"/>
+    <p:sldId id="333" r:id="rId63"/>
     <p:sldId id="316" r:id="rId64"/>
     <p:sldId id="317" r:id="rId65"/>
     <p:sldId id="318" r:id="rId66"/>
-    <p:sldId id="319" r:id="rId67"/>
-    <p:sldId id="320" r:id="rId68"/>
-    <p:sldId id="321" r:id="rId69"/>
-    <p:sldId id="322" r:id="rId70"/>
-    <p:sldId id="323" r:id="rId71"/>
-    <p:sldId id="324" r:id="rId72"/>
-    <p:sldId id="327" r:id="rId73"/>
-    <p:sldId id="328" r:id="rId74"/>
-    <p:sldId id="329" r:id="rId75"/>
-    <p:sldId id="331" r:id="rId76"/>
-    <p:sldId id="332" r:id="rId77"/>
+    <p:sldId id="334" r:id="rId67"/>
+    <p:sldId id="335" r:id="rId68"/>
+    <p:sldId id="336" r:id="rId69"/>
+    <p:sldId id="337" r:id="rId70"/>
+    <p:sldId id="338" r:id="rId71"/>
+    <p:sldId id="319" r:id="rId72"/>
+    <p:sldId id="320" r:id="rId73"/>
+    <p:sldId id="321" r:id="rId74"/>
+    <p:sldId id="322" r:id="rId75"/>
+    <p:sldId id="339" r:id="rId76"/>
+    <p:sldId id="323" r:id="rId77"/>
+    <p:sldId id="324" r:id="rId78"/>
+    <p:sldId id="340" r:id="rId79"/>
+    <p:sldId id="327" r:id="rId80"/>
+    <p:sldId id="328" r:id="rId81"/>
+    <p:sldId id="329" r:id="rId82"/>
+    <p:sldId id="331" r:id="rId83"/>
+    <p:sldId id="332" r:id="rId84"/>
   </p:sldIdLst>
   <p:sldSz cx="12192000" cy="6858000"/>
   <p:notesSz cx="6858000" cy="9144000"/>
@@ -272,7 +279,7 @@
           <a:p>
             <a:fld id="{BC33E6A4-0F54-46E0-9300-0DF324C91C10}" type="datetimeFigureOut">
               <a:rPr lang="es-PE" smtClean="0"/>
-              <a:t>26/06/2024</a:t>
+              <a:t>2/07/2024</a:t>
             </a:fld>
             <a:endParaRPr lang="es-PE"/>
           </a:p>
@@ -792,6 +799,90 @@
 </p:notes>
 </file>
 
+<file path=ppt/notesSlides/notesSlide4.xml><?xml version="1.0" encoding="utf-8"?>
+<p:notes xmlns:a="http://schemas.openxmlformats.org/drawingml/2006/main" xmlns:r="http://schemas.openxmlformats.org/officeDocument/2006/relationships" xmlns:p="http://schemas.openxmlformats.org/presentationml/2006/main">
+  <p:cSld>
+    <p:spTree>
+      <p:nvGrpSpPr>
+        <p:cNvPr id="1" name=""/>
+        <p:cNvGrpSpPr/>
+        <p:nvPr/>
+      </p:nvGrpSpPr>
+      <p:grpSpPr>
+        <a:xfrm>
+          <a:off x="0" y="0"/>
+          <a:ext cx="0" cy="0"/>
+          <a:chOff x="0" y="0"/>
+          <a:chExt cx="0" cy="0"/>
+        </a:xfrm>
+      </p:grpSpPr>
+      <p:sp>
+        <p:nvSpPr>
+          <p:cNvPr id="2" name="Marcador de imagen de diapositiva 1"/>
+          <p:cNvSpPr>
+            <a:spLocks noGrp="1" noRot="1" noChangeAspect="1"/>
+          </p:cNvSpPr>
+          <p:nvPr>
+            <p:ph type="sldImg"/>
+          </p:nvPr>
+        </p:nvSpPr>
+        <p:spPr/>
+      </p:sp>
+      <p:sp>
+        <p:nvSpPr>
+          <p:cNvPr id="3" name="Marcador de notas 2"/>
+          <p:cNvSpPr>
+            <a:spLocks noGrp="1"/>
+          </p:cNvSpPr>
+          <p:nvPr>
+            <p:ph type="body" idx="1"/>
+          </p:nvPr>
+        </p:nvSpPr>
+        <p:spPr/>
+        <p:txBody>
+          <a:bodyPr/>
+          <a:lstStyle/>
+          <a:p>
+            <a:endParaRPr lang="es-PE"/>
+          </a:p>
+        </p:txBody>
+      </p:sp>
+      <p:sp>
+        <p:nvSpPr>
+          <p:cNvPr id="4" name="Marcador de número de diapositiva 3"/>
+          <p:cNvSpPr>
+            <a:spLocks noGrp="1"/>
+          </p:cNvSpPr>
+          <p:nvPr>
+            <p:ph type="sldNum" sz="quarter" idx="5"/>
+          </p:nvPr>
+        </p:nvSpPr>
+        <p:spPr/>
+        <p:txBody>
+          <a:bodyPr/>
+          <a:lstStyle/>
+          <a:p>
+            <a:fld id="{0B35D34D-59DB-405B-BC7B-F53D8958F433}" type="slidenum">
+              <a:rPr lang="es-PE" smtClean="0"/>
+              <a:t>61</a:t>
+            </a:fld>
+            <a:endParaRPr lang="es-PE"/>
+          </a:p>
+        </p:txBody>
+      </p:sp>
+    </p:spTree>
+    <p:extLst>
+      <p:ext uri="{BB962C8B-B14F-4D97-AF65-F5344CB8AC3E}">
+        <p14:creationId xmlns:p14="http://schemas.microsoft.com/office/powerpoint/2010/main" val="3821411017"/>
+      </p:ext>
+    </p:extLst>
+  </p:cSld>
+  <p:clrMapOvr>
+    <a:masterClrMapping/>
+  </p:clrMapOvr>
+</p:notes>
+</file>
+
 <file path=ppt/slideLayouts/slideLayout1.xml><?xml version="1.0" encoding="utf-8"?>
 <p:sldLayout xmlns:a="http://schemas.openxmlformats.org/drawingml/2006/main" xmlns:r="http://schemas.openxmlformats.org/officeDocument/2006/relationships" xmlns:p="http://schemas.openxmlformats.org/presentationml/2006/main" type="title" preserve="1">
   <p:cSld name="Diapositiva de título">
@@ -957,7 +1048,7 @@
           <a:p>
             <a:fld id="{F59CBB31-E19A-4DF6-9D2F-A7B774557DA5}" type="datetimeFigureOut">
               <a:rPr lang="es-PE" smtClean="0"/>
-              <a:t>26/06/2024</a:t>
+              <a:t>2/07/2024</a:t>
             </a:fld>
             <a:endParaRPr lang="es-PE"/>
           </a:p>
@@ -1157,7 +1248,7 @@
           <a:p>
             <a:fld id="{F59CBB31-E19A-4DF6-9D2F-A7B774557DA5}" type="datetimeFigureOut">
               <a:rPr lang="es-PE" smtClean="0"/>
-              <a:t>26/06/2024</a:t>
+              <a:t>2/07/2024</a:t>
             </a:fld>
             <a:endParaRPr lang="es-PE"/>
           </a:p>
@@ -1367,7 +1458,7 @@
           <a:p>
             <a:fld id="{F59CBB31-E19A-4DF6-9D2F-A7B774557DA5}" type="datetimeFigureOut">
               <a:rPr lang="es-PE" smtClean="0"/>
-              <a:t>26/06/2024</a:t>
+              <a:t>2/07/2024</a:t>
             </a:fld>
             <a:endParaRPr lang="es-PE"/>
           </a:p>
@@ -1619,7 +1710,7 @@
           <a:p>
             <a:fld id="{F59CBB31-E19A-4DF6-9D2F-A7B774557DA5}" type="datetimeFigureOut">
               <a:rPr lang="es-PE" smtClean="0"/>
-              <a:t>26/06/2024</a:t>
+              <a:t>2/07/2024</a:t>
             </a:fld>
             <a:endParaRPr lang="es-PE"/>
           </a:p>
@@ -1947,7 +2038,7 @@
           <a:p>
             <a:fld id="{F59CBB31-E19A-4DF6-9D2F-A7B774557DA5}" type="datetimeFigureOut">
               <a:rPr lang="es-PE" smtClean="0"/>
-              <a:t>26/06/2024</a:t>
+              <a:t>2/07/2024</a:t>
             </a:fld>
             <a:endParaRPr lang="es-PE"/>
           </a:p>
@@ -2215,7 +2306,7 @@
           <a:p>
             <a:fld id="{F59CBB31-E19A-4DF6-9D2F-A7B774557DA5}" type="datetimeFigureOut">
               <a:rPr lang="es-PE" smtClean="0"/>
-              <a:t>26/06/2024</a:t>
+              <a:t>2/07/2024</a:t>
             </a:fld>
             <a:endParaRPr lang="es-PE"/>
           </a:p>
@@ -2630,7 +2721,7 @@
           <a:p>
             <a:fld id="{F59CBB31-E19A-4DF6-9D2F-A7B774557DA5}" type="datetimeFigureOut">
               <a:rPr lang="es-PE" smtClean="0"/>
-              <a:t>26/06/2024</a:t>
+              <a:t>2/07/2024</a:t>
             </a:fld>
             <a:endParaRPr lang="es-PE"/>
           </a:p>
@@ -2772,7 +2863,7 @@
           <a:p>
             <a:fld id="{F59CBB31-E19A-4DF6-9D2F-A7B774557DA5}" type="datetimeFigureOut">
               <a:rPr lang="es-PE" smtClean="0"/>
-              <a:t>26/06/2024</a:t>
+              <a:t>2/07/2024</a:t>
             </a:fld>
             <a:endParaRPr lang="es-PE"/>
           </a:p>
@@ -2885,7 +2976,7 @@
           <a:p>
             <a:fld id="{F59CBB31-E19A-4DF6-9D2F-A7B774557DA5}" type="datetimeFigureOut">
               <a:rPr lang="es-PE" smtClean="0"/>
-              <a:t>26/06/2024</a:t>
+              <a:t>2/07/2024</a:t>
             </a:fld>
             <a:endParaRPr lang="es-PE"/>
           </a:p>
@@ -3198,7 +3289,7 @@
           <a:p>
             <a:fld id="{F59CBB31-E19A-4DF6-9D2F-A7B774557DA5}" type="datetimeFigureOut">
               <a:rPr lang="es-PE" smtClean="0"/>
-              <a:t>26/06/2024</a:t>
+              <a:t>2/07/2024</a:t>
             </a:fld>
             <a:endParaRPr lang="es-PE"/>
           </a:p>
@@ -3487,7 +3578,7 @@
           <a:p>
             <a:fld id="{F59CBB31-E19A-4DF6-9D2F-A7B774557DA5}" type="datetimeFigureOut">
               <a:rPr lang="es-PE" smtClean="0"/>
-              <a:t>26/06/2024</a:t>
+              <a:t>2/07/2024</a:t>
             </a:fld>
             <a:endParaRPr lang="es-PE"/>
           </a:p>
@@ -3730,7 +3821,7 @@
           <a:p>
             <a:fld id="{F59CBB31-E19A-4DF6-9D2F-A7B774557DA5}" type="datetimeFigureOut">
               <a:rPr lang="es-PE" smtClean="0"/>
-              <a:t>26/06/2024</a:t>
+              <a:t>2/07/2024</a:t>
             </a:fld>
             <a:endParaRPr lang="es-PE"/>
           </a:p>
@@ -6385,23 +6476,7 @@
                   <a:srgbClr val="FFC000"/>
                 </a:solidFill>
               </a:rPr>
-              <a:t>[</a:t>
-            </a:r>
-            <a:r>
-              <a:rPr lang="es-ES" dirty="0" err="1">
-                <a:solidFill>
-                  <a:srgbClr val="FFC000"/>
-                </a:solidFill>
-              </a:rPr>
-              <a:t>float</a:t>
-            </a:r>
-            <a:r>
-              <a:rPr lang="es-ES" dirty="0">
-                <a:solidFill>
-                  <a:srgbClr val="FFC000"/>
-                </a:solidFill>
-              </a:rPr>
-              <a:t>] $</a:t>
+              <a:t>[single] $</a:t>
             </a:r>
             <a:r>
               <a:rPr lang="es-ES" dirty="0" err="1">
@@ -13264,7 +13339,7 @@
           <p:cNvPr id="2" name="Título 1">
             <a:extLst>
               <a:ext uri="{FF2B5EF4-FFF2-40B4-BE49-F238E27FC236}">
-                <a16:creationId xmlns:a16="http://schemas.microsoft.com/office/drawing/2014/main" id="{2A36C13C-C77A-D235-9A85-A5D69D3A6B3E}"/>
+                <a16:creationId xmlns:a16="http://schemas.microsoft.com/office/drawing/2014/main" id="{8F2E8647-CFB4-4230-6030-B601893991EC}"/>
               </a:ext>
             </a:extLst>
           </p:cNvPr>
@@ -13282,7 +13357,7 @@
           <a:p>
             <a:r>
               <a:rPr lang="es-ES" dirty="0"/>
-              <a:t>Recursos</a:t>
+              <a:t>Sentencias de Bucles</a:t>
             </a:r>
             <a:endParaRPr lang="es-PE" dirty="0"/>
           </a:p>
@@ -13293,7 +13368,7 @@
           <p:cNvPr id="3" name="Marcador de contenido 2">
             <a:extLst>
               <a:ext uri="{FF2B5EF4-FFF2-40B4-BE49-F238E27FC236}">
-                <a16:creationId xmlns:a16="http://schemas.microsoft.com/office/drawing/2014/main" id="{D74696DE-7573-4D7C-C061-A478DC4CE809}"/>
+                <a16:creationId xmlns:a16="http://schemas.microsoft.com/office/drawing/2014/main" id="{71E175F0-9698-46EB-9ABB-BE2A9DF5CCCD}"/>
               </a:ext>
             </a:extLst>
           </p:cNvPr>
@@ -13310,16 +13385,29 @@
           <a:lstStyle/>
           <a:p>
             <a:r>
-              <a:rPr lang="es-PE" dirty="0"/>
-              <a:t>https://github.com/carloscarreno/shellscripting</a:t>
-            </a:r>
+              <a:rPr lang="es-ES" dirty="0"/>
+              <a:t>For </a:t>
+            </a:r>
+          </a:p>
+          <a:p>
+            <a:r>
+              <a:rPr lang="es-ES" dirty="0"/>
+              <a:t>While</a:t>
+            </a:r>
+          </a:p>
+          <a:p>
+            <a:r>
+              <a:rPr lang="es-ES" dirty="0"/>
+              <a:t>Do while</a:t>
+            </a:r>
+            <a:endParaRPr lang="es-PE" dirty="0"/>
           </a:p>
         </p:txBody>
       </p:sp>
     </p:spTree>
     <p:extLst>
       <p:ext uri="{BB962C8B-B14F-4D97-AF65-F5344CB8AC3E}">
-        <p14:creationId xmlns:p14="http://schemas.microsoft.com/office/powerpoint/2010/main" val="3198158096"/>
+        <p14:creationId xmlns:p14="http://schemas.microsoft.com/office/powerpoint/2010/main" val="1937921168"/>
       </p:ext>
     </p:extLst>
   </p:cSld>
@@ -13351,7 +13439,7 @@
           <p:cNvPr id="2" name="Título 1">
             <a:extLst>
               <a:ext uri="{FF2B5EF4-FFF2-40B4-BE49-F238E27FC236}">
-                <a16:creationId xmlns:a16="http://schemas.microsoft.com/office/drawing/2014/main" id="{8F2E8647-CFB4-4230-6030-B601893991EC}"/>
+                <a16:creationId xmlns:a16="http://schemas.microsoft.com/office/drawing/2014/main" id="{7D6932BC-0850-BD79-F99C-5999716557B1}"/>
               </a:ext>
             </a:extLst>
           </p:cNvPr>
@@ -13366,52 +13454,165 @@
         <p:txBody>
           <a:bodyPr/>
           <a:lstStyle/>
-          <a:p>
-            <a:r>
-              <a:rPr lang="es-ES" dirty="0"/>
-              <a:t>Sentencias de Bucles</a:t>
-            </a:r>
-            <a:endParaRPr lang="es-PE" dirty="0"/>
-          </a:p>
-        </p:txBody>
-      </p:sp>
-      <p:sp>
-        <p:nvSpPr>
-          <p:cNvPr id="3" name="Marcador de contenido 2">
-            <a:extLst>
-              <a:ext uri="{FF2B5EF4-FFF2-40B4-BE49-F238E27FC236}">
-                <a16:creationId xmlns:a16="http://schemas.microsoft.com/office/drawing/2014/main" id="{71E175F0-9698-46EB-9ABB-BE2A9DF5CCCD}"/>
-              </a:ext>
-            </a:extLst>
-          </p:cNvPr>
-          <p:cNvSpPr>
-            <a:spLocks noGrp="1"/>
-          </p:cNvSpPr>
-          <p:nvPr>
-            <p:ph idx="1"/>
-          </p:nvPr>
-        </p:nvSpPr>
-        <p:spPr/>
-        <p:txBody>
-          <a:bodyPr/>
-          <a:lstStyle/>
-          <a:p>
-            <a:r>
-              <a:rPr lang="es-ES" dirty="0"/>
-              <a:t>For </a:t>
-            </a:r>
-          </a:p>
           <a:p>
             <a:r>
               <a:rPr lang="es-ES" dirty="0"/>
               <a:t>While</a:t>
             </a:r>
-          </a:p>
+            <a:endParaRPr lang="es-PE" dirty="0"/>
+          </a:p>
+        </p:txBody>
+      </p:sp>
+      <p:sp>
+        <p:nvSpPr>
+          <p:cNvPr id="3" name="Marcador de contenido 2">
+            <a:extLst>
+              <a:ext uri="{FF2B5EF4-FFF2-40B4-BE49-F238E27FC236}">
+                <a16:creationId xmlns:a16="http://schemas.microsoft.com/office/drawing/2014/main" id="{585D6A21-9404-1104-FC2B-382AA340A2DA}"/>
+              </a:ext>
+            </a:extLst>
+          </p:cNvPr>
+          <p:cNvSpPr>
+            <a:spLocks noGrp="1"/>
+          </p:cNvSpPr>
+          <p:nvPr>
+            <p:ph idx="1"/>
+          </p:nvPr>
+        </p:nvSpPr>
+        <p:spPr/>
+        <p:txBody>
+          <a:bodyPr/>
+          <a:lstStyle/>
           <a:p>
             <a:r>
               <a:rPr lang="es-ES" dirty="0"/>
-              <a:t>Do while</a:t>
-            </a:r>
+              <a:t>Mientras la condición es verdadera se ejecuta el bucle</a:t>
+            </a:r>
+          </a:p>
+          <a:p>
+            <a:pPr marL="0" indent="0">
+              <a:buNone/>
+            </a:pPr>
+            <a:r>
+              <a:rPr lang="es-PE" dirty="0">
+                <a:solidFill>
+                  <a:srgbClr val="FFC000"/>
+                </a:solidFill>
+              </a:rPr>
+              <a:t> </a:t>
+            </a:r>
+            <a:r>
+              <a:rPr lang="es-PE" sz="1800" dirty="0">
+                <a:solidFill>
+                  <a:srgbClr val="FFC000"/>
+                </a:solidFill>
+                <a:latin typeface="Lucida Console" panose="020B0609040504020204" pitchFamily="49" charset="0"/>
+              </a:rPr>
+              <a:t>$veces=0</a:t>
+            </a:r>
+          </a:p>
+          <a:p>
+            <a:pPr marL="0" indent="0">
+              <a:buNone/>
+            </a:pPr>
+            <a:r>
+              <a:rPr lang="es-PE" sz="1800" dirty="0">
+                <a:solidFill>
+                  <a:srgbClr val="FFFF00"/>
+                </a:solidFill>
+                <a:latin typeface="Lucida Console" panose="020B0609040504020204" pitchFamily="49" charset="0"/>
+              </a:rPr>
+              <a:t>while</a:t>
+            </a:r>
+            <a:r>
+              <a:rPr lang="es-PE" sz="1800" dirty="0">
+                <a:solidFill>
+                  <a:srgbClr val="FFC000"/>
+                </a:solidFill>
+                <a:latin typeface="Lucida Console" panose="020B0609040504020204" pitchFamily="49" charset="0"/>
+              </a:rPr>
+              <a:t> ($veces -</a:t>
+            </a:r>
+            <a:r>
+              <a:rPr lang="es-PE" sz="1800" dirty="0" err="1">
+                <a:solidFill>
+                  <a:srgbClr val="FFC000"/>
+                </a:solidFill>
+                <a:latin typeface="Lucida Console" panose="020B0609040504020204" pitchFamily="49" charset="0"/>
+              </a:rPr>
+              <a:t>lt</a:t>
+            </a:r>
+            <a:r>
+              <a:rPr lang="es-PE" sz="1800" dirty="0">
+                <a:solidFill>
+                  <a:srgbClr val="FFC000"/>
+                </a:solidFill>
+                <a:latin typeface="Lucida Console" panose="020B0609040504020204" pitchFamily="49" charset="0"/>
+              </a:rPr>
+              <a:t> 100) {</a:t>
+            </a:r>
+          </a:p>
+          <a:p>
+            <a:pPr marL="0" indent="0">
+              <a:buNone/>
+            </a:pPr>
+            <a:r>
+              <a:rPr lang="es-ES" sz="1800" dirty="0">
+                <a:solidFill>
+                  <a:srgbClr val="FFC000"/>
+                </a:solidFill>
+                <a:latin typeface="Lucida Console" panose="020B0609040504020204" pitchFamily="49" charset="0"/>
+              </a:rPr>
+              <a:t>   Write-Host "Intentando la </a:t>
+            </a:r>
+            <a:r>
+              <a:rPr lang="es-ES" sz="1800" dirty="0" err="1">
+                <a:solidFill>
+                  <a:srgbClr val="FFC000"/>
+                </a:solidFill>
+                <a:latin typeface="Lucida Console" panose="020B0609040504020204" pitchFamily="49" charset="0"/>
+              </a:rPr>
+              <a:t>reconexion</a:t>
+            </a:r>
+            <a:r>
+              <a:rPr lang="es-ES" sz="1800" dirty="0">
+                <a:solidFill>
+                  <a:srgbClr val="FFC000"/>
+                </a:solidFill>
+                <a:latin typeface="Lucida Console" panose="020B0609040504020204" pitchFamily="49" charset="0"/>
+              </a:rPr>
+              <a:t> " $veces "veces"</a:t>
+            </a:r>
+          </a:p>
+          <a:p>
+            <a:pPr marL="0" indent="0">
+              <a:buNone/>
+            </a:pPr>
+            <a:r>
+              <a:rPr lang="es-PE" sz="1800" dirty="0">
+                <a:solidFill>
+                  <a:srgbClr val="FFC000"/>
+                </a:solidFill>
+                <a:latin typeface="Lucida Console" panose="020B0609040504020204" pitchFamily="49" charset="0"/>
+              </a:rPr>
+              <a:t>   $veces++ </a:t>
+            </a:r>
+          </a:p>
+          <a:p>
+            <a:pPr marL="0" indent="0">
+              <a:buNone/>
+            </a:pPr>
+            <a:r>
+              <a:rPr lang="es-PE" sz="1800" dirty="0">
+                <a:solidFill>
+                  <a:srgbClr val="FFC000"/>
+                </a:solidFill>
+                <a:latin typeface="Lucida Console" panose="020B0609040504020204" pitchFamily="49" charset="0"/>
+              </a:rPr>
+              <a:t>} </a:t>
+            </a:r>
+          </a:p>
+          <a:p>
             <a:endParaRPr lang="es-PE" dirty="0"/>
           </a:p>
         </p:txBody>
@@ -13419,7 +13620,7 @@
     </p:spTree>
     <p:extLst>
       <p:ext uri="{BB962C8B-B14F-4D97-AF65-F5344CB8AC3E}">
-        <p14:creationId xmlns:p14="http://schemas.microsoft.com/office/powerpoint/2010/main" val="1937921168"/>
+        <p14:creationId xmlns:p14="http://schemas.microsoft.com/office/powerpoint/2010/main" val="2910431598"/>
       </p:ext>
     </p:extLst>
   </p:cSld>
@@ -13451,7 +13652,7 @@
           <p:cNvPr id="2" name="Título 1">
             <a:extLst>
               <a:ext uri="{FF2B5EF4-FFF2-40B4-BE49-F238E27FC236}">
-                <a16:creationId xmlns:a16="http://schemas.microsoft.com/office/drawing/2014/main" id="{7D6932BC-0850-BD79-F99C-5999716557B1}"/>
+                <a16:creationId xmlns:a16="http://schemas.microsoft.com/office/drawing/2014/main" id="{D7EC1526-704D-68B5-ABE0-B0DD98AB3131}"/>
               </a:ext>
             </a:extLst>
           </p:cNvPr>
@@ -13469,7 +13670,7 @@
           <a:p>
             <a:r>
               <a:rPr lang="es-ES" dirty="0"/>
-              <a:t>While</a:t>
+              <a:t>Do while</a:t>
             </a:r>
             <a:endParaRPr lang="es-PE" dirty="0"/>
           </a:p>
@@ -13480,7 +13681,7 @@
           <p:cNvPr id="3" name="Marcador de contenido 2">
             <a:extLst>
               <a:ext uri="{FF2B5EF4-FFF2-40B4-BE49-F238E27FC236}">
-                <a16:creationId xmlns:a16="http://schemas.microsoft.com/office/drawing/2014/main" id="{585D6A21-9404-1104-FC2B-382AA340A2DA}"/>
+                <a16:creationId xmlns:a16="http://schemas.microsoft.com/office/drawing/2014/main" id="{A163D847-5F76-C9C2-9B50-1229AC190956}"/>
               </a:ext>
             </a:extLst>
           </p:cNvPr>
@@ -13498,7 +13699,7 @@
           <a:p>
             <a:r>
               <a:rPr lang="es-ES" dirty="0"/>
-              <a:t>Mientras la condición es verdadera se ejecuta el bucle</a:t>
+              <a:t>Ejecuta el bucle al menos una vez</a:t>
             </a:r>
           </a:p>
           <a:p>
@@ -13534,6 +13735,84 @@
                 </a:solidFill>
                 <a:latin typeface="Lucida Console" panose="020B0609040504020204" pitchFamily="49" charset="0"/>
               </a:rPr>
+              <a:t>do</a:t>
+            </a:r>
+            <a:r>
+              <a:rPr lang="es-PE" sz="1800" dirty="0">
+                <a:solidFill>
+                  <a:srgbClr val="FFC000"/>
+                </a:solidFill>
+                <a:latin typeface="Lucida Console" panose="020B0609040504020204" pitchFamily="49" charset="0"/>
+              </a:rPr>
+              <a:t>{</a:t>
+            </a:r>
+          </a:p>
+          <a:p>
+            <a:pPr marL="0" indent="0">
+              <a:buNone/>
+            </a:pPr>
+            <a:r>
+              <a:rPr lang="es-PE" sz="1800" dirty="0">
+                <a:solidFill>
+                  <a:srgbClr val="FFC000"/>
+                </a:solidFill>
+                <a:latin typeface="Lucida Console" panose="020B0609040504020204" pitchFamily="49" charset="0"/>
+              </a:rPr>
+              <a:t> $veces++</a:t>
+            </a:r>
+          </a:p>
+          <a:p>
+            <a:pPr marL="0" indent="0">
+              <a:buNone/>
+            </a:pPr>
+            <a:r>
+              <a:rPr lang="es-ES" sz="1800" dirty="0">
+                <a:solidFill>
+                  <a:srgbClr val="FFC000"/>
+                </a:solidFill>
+                <a:latin typeface="Lucida Console" panose="020B0609040504020204" pitchFamily="49" charset="0"/>
+              </a:rPr>
+              <a:t> Write-Host "Intentando la </a:t>
+            </a:r>
+            <a:r>
+              <a:rPr lang="es-ES" sz="1800" dirty="0" err="1">
+                <a:solidFill>
+                  <a:srgbClr val="FFC000"/>
+                </a:solidFill>
+                <a:latin typeface="Lucida Console" panose="020B0609040504020204" pitchFamily="49" charset="0"/>
+              </a:rPr>
+              <a:t>reconexion</a:t>
+            </a:r>
+            <a:r>
+              <a:rPr lang="es-ES" sz="1800" dirty="0">
+                <a:solidFill>
+                  <a:srgbClr val="FFC000"/>
+                </a:solidFill>
+                <a:latin typeface="Lucida Console" panose="020B0609040504020204" pitchFamily="49" charset="0"/>
+              </a:rPr>
+              <a:t> " $veces "veces"  </a:t>
+            </a:r>
+          </a:p>
+          <a:p>
+            <a:pPr marL="0" indent="0">
+              <a:buNone/>
+            </a:pPr>
+            <a:r>
+              <a:rPr lang="es-PE" sz="1800" dirty="0">
+                <a:solidFill>
+                  <a:srgbClr val="FFC000"/>
+                </a:solidFill>
+                <a:latin typeface="Lucida Console" panose="020B0609040504020204" pitchFamily="49" charset="0"/>
+              </a:rPr>
+              <a:t>}</a:t>
+            </a:r>
+            <a:r>
+              <a:rPr lang="es-PE" sz="1800" dirty="0">
+                <a:solidFill>
+                  <a:srgbClr val="FFFF00"/>
+                </a:solidFill>
+                <a:latin typeface="Lucida Console" panose="020B0609040504020204" pitchFamily="49" charset="0"/>
+              </a:rPr>
               <a:t>while</a:t>
             </a:r>
             <a:r>
@@ -13543,7 +13822,7 @@
                 </a:solidFill>
                 <a:latin typeface="Lucida Console" panose="020B0609040504020204" pitchFamily="49" charset="0"/>
               </a:rPr>
-              <a:t> ($veces -</a:t>
+              <a:t>($veces -</a:t>
             </a:r>
             <a:r>
               <a:rPr lang="es-PE" sz="1800" dirty="0" err="1">
@@ -13561,67 +13840,7 @@
                 </a:solidFill>
                 <a:latin typeface="Lucida Console" panose="020B0609040504020204" pitchFamily="49" charset="0"/>
               </a:rPr>
-              <a:t> 100) {</a:t>
-            </a:r>
-          </a:p>
-          <a:p>
-            <a:pPr marL="0" indent="0">
-              <a:buNone/>
-            </a:pPr>
-            <a:r>
-              <a:rPr lang="es-ES" sz="1800" dirty="0">
-                <a:solidFill>
-                  <a:srgbClr val="FFC000"/>
-                </a:solidFill>
-                <a:latin typeface="Lucida Console" panose="020B0609040504020204" pitchFamily="49" charset="0"/>
-              </a:rPr>
-              <a:t>   Write-Host "Intentando la </a:t>
-            </a:r>
-            <a:r>
-              <a:rPr lang="es-ES" sz="1800" dirty="0" err="1">
-                <a:solidFill>
-                  <a:srgbClr val="FFC000"/>
-                </a:solidFill>
-                <a:latin typeface="Lucida Console" panose="020B0609040504020204" pitchFamily="49" charset="0"/>
-              </a:rPr>
-              <a:t>reconexion</a:t>
-            </a:r>
-            <a:r>
-              <a:rPr lang="es-ES" sz="1800" dirty="0">
-                <a:solidFill>
-                  <a:srgbClr val="FFC000"/>
-                </a:solidFill>
-                <a:latin typeface="Lucida Console" panose="020B0609040504020204" pitchFamily="49" charset="0"/>
-              </a:rPr>
-              <a:t> " $veces "veces"</a:t>
-            </a:r>
-          </a:p>
-          <a:p>
-            <a:pPr marL="0" indent="0">
-              <a:buNone/>
-            </a:pPr>
-            <a:r>
-              <a:rPr lang="es-PE" sz="1800" dirty="0">
-                <a:solidFill>
-                  <a:srgbClr val="FFC000"/>
-                </a:solidFill>
-                <a:latin typeface="Lucida Console" panose="020B0609040504020204" pitchFamily="49" charset="0"/>
-              </a:rPr>
-              <a:t>   $veces++ </a:t>
-            </a:r>
-          </a:p>
-          <a:p>
-            <a:pPr marL="0" indent="0">
-              <a:buNone/>
-            </a:pPr>
-            <a:r>
-              <a:rPr lang="es-PE" sz="1800" dirty="0">
-                <a:solidFill>
-                  <a:srgbClr val="FFC000"/>
-                </a:solidFill>
-                <a:latin typeface="Lucida Console" panose="020B0609040504020204" pitchFamily="49" charset="0"/>
-              </a:rPr>
-              <a:t>} </a:t>
+              <a:t> 100) </a:t>
             </a:r>
           </a:p>
           <a:p>
@@ -13632,7 +13851,7 @@
     </p:spTree>
     <p:extLst>
       <p:ext uri="{BB962C8B-B14F-4D97-AF65-F5344CB8AC3E}">
-        <p14:creationId xmlns:p14="http://schemas.microsoft.com/office/powerpoint/2010/main" val="2910431598"/>
+        <p14:creationId xmlns:p14="http://schemas.microsoft.com/office/powerpoint/2010/main" val="1475694097"/>
       </p:ext>
     </p:extLst>
   </p:cSld>
@@ -13664,7 +13883,7 @@
           <p:cNvPr id="2" name="Título 1">
             <a:extLst>
               <a:ext uri="{FF2B5EF4-FFF2-40B4-BE49-F238E27FC236}">
-                <a16:creationId xmlns:a16="http://schemas.microsoft.com/office/drawing/2014/main" id="{D7EC1526-704D-68B5-ABE0-B0DD98AB3131}"/>
+                <a16:creationId xmlns:a16="http://schemas.microsoft.com/office/drawing/2014/main" id="{E2471E8F-BDBC-03D5-EB77-7C97C5A7C374}"/>
               </a:ext>
             </a:extLst>
           </p:cNvPr>
@@ -13682,7 +13901,7 @@
           <a:p>
             <a:r>
               <a:rPr lang="es-ES" dirty="0"/>
-              <a:t>Do while</a:t>
+              <a:t>ForEach</a:t>
             </a:r>
             <a:endParaRPr lang="es-PE" dirty="0"/>
           </a:p>
@@ -13693,7 +13912,7 @@
           <p:cNvPr id="3" name="Marcador de contenido 2">
             <a:extLst>
               <a:ext uri="{FF2B5EF4-FFF2-40B4-BE49-F238E27FC236}">
-                <a16:creationId xmlns:a16="http://schemas.microsoft.com/office/drawing/2014/main" id="{A163D847-5F76-C9C2-9B50-1229AC190956}"/>
+                <a16:creationId xmlns:a16="http://schemas.microsoft.com/office/drawing/2014/main" id="{8DE813C3-F7B3-CC63-4620-50F3FBA84AB4}"/>
               </a:ext>
             </a:extLst>
           </p:cNvPr>
@@ -13709,12 +13928,6 @@
           <a:bodyPr/>
           <a:lstStyle/>
           <a:p>
-            <a:r>
-              <a:rPr lang="es-ES" dirty="0"/>
-              <a:t>Ejecuta el bucle al menos una vez</a:t>
-            </a:r>
-          </a:p>
-          <a:p>
             <a:pPr marL="0" indent="0">
               <a:buNone/>
             </a:pPr>
@@ -13733,21 +13946,53 @@
                 </a:solidFill>
                 <a:latin typeface="Lucida Console" panose="020B0609040504020204" pitchFamily="49" charset="0"/>
               </a:rPr>
-              <a:t>$veces=0</a:t>
-            </a:r>
-          </a:p>
-          <a:p>
-            <a:pPr marL="0" indent="0">
-              <a:buNone/>
-            </a:pPr>
+              <a:t>$hosts = @("10.0.0.1", "10.0.0.2", "10.0.0.3" )</a:t>
+            </a:r>
+          </a:p>
+          <a:p>
+            <a:pPr marL="0" indent="0">
+              <a:buNone/>
+            </a:pPr>
+            <a:r>
+              <a:rPr lang="es-PE" sz="1800" dirty="0" err="1">
+                <a:solidFill>
+                  <a:srgbClr val="FFFF00"/>
+                </a:solidFill>
+                <a:latin typeface="Lucida Console" panose="020B0609040504020204" pitchFamily="49" charset="0"/>
+              </a:rPr>
+              <a:t>foreach</a:t>
+            </a:r>
             <a:r>
               <a:rPr lang="es-PE" sz="1800" dirty="0">
                 <a:solidFill>
+                  <a:srgbClr val="FFC000"/>
+                </a:solidFill>
+                <a:latin typeface="Lucida Console" panose="020B0609040504020204" pitchFamily="49" charset="0"/>
+              </a:rPr>
+              <a:t> ($nodo in $hosts){</a:t>
+            </a:r>
+          </a:p>
+          <a:p>
+            <a:pPr marL="0" indent="0">
+              <a:buNone/>
+            </a:pPr>
+            <a:r>
+              <a:rPr lang="es-PE" sz="1800" dirty="0">
+                <a:solidFill>
+                  <a:srgbClr val="FFC000"/>
+                </a:solidFill>
+                <a:latin typeface="Lucida Console" panose="020B0609040504020204" pitchFamily="49" charset="0"/>
+              </a:rPr>
+              <a:t>  </a:t>
+            </a:r>
+            <a:r>
+              <a:rPr lang="es-PE" sz="1800" dirty="0">
+                <a:solidFill>
                   <a:srgbClr val="FFFF00"/>
                 </a:solidFill>
                 <a:latin typeface="Lucida Console" panose="020B0609040504020204" pitchFamily="49" charset="0"/>
               </a:rPr>
-              <a:t>do</a:t>
+              <a:t>Write-Host</a:t>
             </a:r>
             <a:r>
               <a:rPr lang="es-PE" sz="1800" dirty="0">
@@ -13756,13 +14001,17 @@
                 </a:solidFill>
                 <a:latin typeface="Lucida Console" panose="020B0609040504020204" pitchFamily="49" charset="0"/>
               </a:rPr>
-              <a:t>{</a:t>
-            </a:r>
-          </a:p>
-          <a:p>
-            <a:pPr marL="0" indent="0">
-              <a:buNone/>
-            </a:pPr>
+              <a:t> '</a:t>
+            </a:r>
+            <a:r>
+              <a:rPr lang="es-PE" sz="1800" dirty="0" err="1">
+                <a:solidFill>
+                  <a:srgbClr val="FFC000"/>
+                </a:solidFill>
+                <a:latin typeface="Lucida Console" panose="020B0609040504020204" pitchFamily="49" charset="0"/>
+              </a:rPr>
+              <a:t>Testing</a:t>
+            </a:r>
             <a:r>
               <a:rPr lang="es-PE" sz="1800" dirty="0">
                 <a:solidFill>
@@ -13770,39 +14019,7 @@
                 </a:solidFill>
                 <a:latin typeface="Lucida Console" panose="020B0609040504020204" pitchFamily="49" charset="0"/>
               </a:rPr>
-              <a:t> $veces++</a:t>
-            </a:r>
-          </a:p>
-          <a:p>
-            <a:pPr marL="0" indent="0">
-              <a:buNone/>
-            </a:pPr>
-            <a:r>
-              <a:rPr lang="es-ES" sz="1800" dirty="0">
-                <a:solidFill>
-                  <a:srgbClr val="FFC000"/>
-                </a:solidFill>
-                <a:latin typeface="Lucida Console" panose="020B0609040504020204" pitchFamily="49" charset="0"/>
-              </a:rPr>
-              <a:t> Write-Host "Intentando la </a:t>
-            </a:r>
-            <a:r>
-              <a:rPr lang="es-ES" sz="1800" dirty="0" err="1">
-                <a:solidFill>
-                  <a:srgbClr val="FFC000"/>
-                </a:solidFill>
-                <a:latin typeface="Lucida Console" panose="020B0609040504020204" pitchFamily="49" charset="0"/>
-              </a:rPr>
-              <a:t>reconexion</a:t>
-            </a:r>
-            <a:r>
-              <a:rPr lang="es-ES" sz="1800" dirty="0">
-                <a:solidFill>
-                  <a:srgbClr val="FFC000"/>
-                </a:solidFill>
-                <a:latin typeface="Lucida Console" panose="020B0609040504020204" pitchFamily="49" charset="0"/>
-              </a:rPr>
-              <a:t> " $veces "veces"  </a:t>
+              <a:t> del Nodo:' $nodo</a:t>
             </a:r>
           </a:p>
           <a:p>
@@ -13816,17 +14033,22 @@
                 </a:solidFill>
                 <a:latin typeface="Lucida Console" panose="020B0609040504020204" pitchFamily="49" charset="0"/>
               </a:rPr>
-              <a:t>}</a:t>
+              <a:t>  </a:t>
             </a:r>
             <a:r>
               <a:rPr lang="es-PE" sz="1800" dirty="0">
                 <a:solidFill>
-                  <a:srgbClr val="FFFF00"/>
-                </a:solidFill>
-                <a:latin typeface="Lucida Console" panose="020B0609040504020204" pitchFamily="49" charset="0"/>
-              </a:rPr>
-              <a:t>while</a:t>
-            </a:r>
+                  <a:srgbClr val="92D050"/>
+                </a:solidFill>
+                <a:latin typeface="Lucida Console" panose="020B0609040504020204" pitchFamily="49" charset="0"/>
+              </a:rPr>
+              <a:t>ping /n 2 $nodo</a:t>
+            </a:r>
+          </a:p>
+          <a:p>
+            <a:pPr marL="0" indent="0">
+              <a:buNone/>
+            </a:pPr>
             <a:r>
               <a:rPr lang="es-PE" sz="1800" dirty="0">
                 <a:solidFill>
@@ -13834,25 +14056,7 @@
                 </a:solidFill>
                 <a:latin typeface="Lucida Console" panose="020B0609040504020204" pitchFamily="49" charset="0"/>
               </a:rPr>
-              <a:t>($veces -</a:t>
-            </a:r>
-            <a:r>
-              <a:rPr lang="es-PE" sz="1800" dirty="0" err="1">
-                <a:solidFill>
-                  <a:srgbClr val="FFC000"/>
-                </a:solidFill>
-                <a:latin typeface="Lucida Console" panose="020B0609040504020204" pitchFamily="49" charset="0"/>
-              </a:rPr>
-              <a:t>lt</a:t>
-            </a:r>
-            <a:r>
-              <a:rPr lang="es-PE" sz="1800" dirty="0">
-                <a:solidFill>
-                  <a:srgbClr val="FFC000"/>
-                </a:solidFill>
-                <a:latin typeface="Lucida Console" panose="020B0609040504020204" pitchFamily="49" charset="0"/>
-              </a:rPr>
-              <a:t> 100) </a:t>
+              <a:t>} </a:t>
             </a:r>
           </a:p>
           <a:p>
@@ -13863,7 +14067,7 @@
     </p:spTree>
     <p:extLst>
       <p:ext uri="{BB962C8B-B14F-4D97-AF65-F5344CB8AC3E}">
-        <p14:creationId xmlns:p14="http://schemas.microsoft.com/office/powerpoint/2010/main" val="1475694097"/>
+        <p14:creationId xmlns:p14="http://schemas.microsoft.com/office/powerpoint/2010/main" val="1442427135"/>
       </p:ext>
     </p:extLst>
   </p:cSld>
@@ -13895,7 +14099,7 @@
           <p:cNvPr id="2" name="Título 1">
             <a:extLst>
               <a:ext uri="{FF2B5EF4-FFF2-40B4-BE49-F238E27FC236}">
-                <a16:creationId xmlns:a16="http://schemas.microsoft.com/office/drawing/2014/main" id="{E2471E8F-BDBC-03D5-EB77-7C97C5A7C374}"/>
+                <a16:creationId xmlns:a16="http://schemas.microsoft.com/office/drawing/2014/main" id="{A907B903-9445-C6D0-A5B7-1414CC3D244A}"/>
               </a:ext>
             </a:extLst>
           </p:cNvPr>
@@ -13913,7 +14117,7 @@
           <a:p>
             <a:r>
               <a:rPr lang="es-ES" dirty="0"/>
-              <a:t>ForEach</a:t>
+              <a:t>For</a:t>
             </a:r>
             <a:endParaRPr lang="es-PE" dirty="0"/>
           </a:p>
@@ -13924,7 +14128,7 @@
           <p:cNvPr id="3" name="Marcador de contenido 2">
             <a:extLst>
               <a:ext uri="{FF2B5EF4-FFF2-40B4-BE49-F238E27FC236}">
-                <a16:creationId xmlns:a16="http://schemas.microsoft.com/office/drawing/2014/main" id="{8DE813C3-F7B3-CC63-4620-50F3FBA84AB4}"/>
+                <a16:creationId xmlns:a16="http://schemas.microsoft.com/office/drawing/2014/main" id="{7DD39D63-6DC8-E648-2866-A84D3420CDA6}"/>
               </a:ext>
             </a:extLst>
           </p:cNvPr>
@@ -13937,14 +14141,22 @@
         </p:nvSpPr>
         <p:spPr/>
         <p:txBody>
-          <a:bodyPr/>
-          <a:lstStyle/>
-          <a:p>
-            <a:pPr marL="0" indent="0">
-              <a:buNone/>
-            </a:pPr>
-            <a:r>
-              <a:rPr lang="es-PE" dirty="0">
+          <a:bodyPr>
+            <a:normAutofit fontScale="92500" lnSpcReduction="10000"/>
+          </a:bodyPr>
+          <a:lstStyle/>
+          <a:p>
+            <a:r>
+              <a:rPr lang="es-ES" dirty="0"/>
+              <a:t>Cuando sabemos el número de ejecuciones del bucle</a:t>
+            </a:r>
+          </a:p>
+          <a:p>
+            <a:pPr marL="0" indent="0">
+              <a:buNone/>
+            </a:pPr>
+            <a:r>
+              <a:rPr lang="es-ES" dirty="0">
                 <a:solidFill>
                   <a:srgbClr val="FFC000"/>
                 </a:solidFill>
@@ -13952,27 +14164,213 @@
               <a:t> </a:t>
             </a:r>
             <a:r>
+              <a:rPr lang="es-ES" sz="1800" dirty="0">
+                <a:solidFill>
+                  <a:srgbClr val="FFC000"/>
+                </a:solidFill>
+                <a:latin typeface="Lucida Console" panose="020B0609040504020204" pitchFamily="49" charset="0"/>
+              </a:rPr>
+              <a:t>[</a:t>
+            </a:r>
+            <a:r>
+              <a:rPr lang="es-ES" sz="1800" dirty="0" err="1">
+                <a:solidFill>
+                  <a:srgbClr val="FFC000"/>
+                </a:solidFill>
+                <a:latin typeface="Lucida Console" panose="020B0609040504020204" pitchFamily="49" charset="0"/>
+              </a:rPr>
+              <a:t>string</a:t>
+            </a:r>
+            <a:r>
+              <a:rPr lang="es-ES" sz="1800" dirty="0">
+                <a:solidFill>
+                  <a:srgbClr val="FFC000"/>
+                </a:solidFill>
+                <a:latin typeface="Lucida Console" panose="020B0609040504020204" pitchFamily="49" charset="0"/>
+              </a:rPr>
+              <a:t>]$</a:t>
+            </a:r>
+            <a:r>
+              <a:rPr lang="es-ES" sz="1800" dirty="0" err="1">
+                <a:solidFill>
+                  <a:srgbClr val="FFC000"/>
+                </a:solidFill>
+                <a:latin typeface="Lucida Console" panose="020B0609040504020204" pitchFamily="49" charset="0"/>
+              </a:rPr>
+              <a:t>raiz</a:t>
+            </a:r>
+            <a:r>
+              <a:rPr lang="es-ES" sz="1800" dirty="0">
+                <a:solidFill>
+                  <a:srgbClr val="FFC000"/>
+                </a:solidFill>
+                <a:latin typeface="Lucida Console" panose="020B0609040504020204" pitchFamily="49" charset="0"/>
+              </a:rPr>
+              <a:t> = </a:t>
+            </a:r>
+            <a:r>
+              <a:rPr lang="es-ES" sz="1800" dirty="0" err="1">
+                <a:solidFill>
+                  <a:srgbClr val="FFC000"/>
+                </a:solidFill>
+                <a:latin typeface="Lucida Console" panose="020B0609040504020204" pitchFamily="49" charset="0"/>
+              </a:rPr>
+              <a:t>Read</a:t>
+            </a:r>
+            <a:r>
+              <a:rPr lang="es-ES" sz="1800" dirty="0">
+                <a:solidFill>
+                  <a:srgbClr val="FFC000"/>
+                </a:solidFill>
+                <a:latin typeface="Lucida Console" panose="020B0609040504020204" pitchFamily="49" charset="0"/>
+              </a:rPr>
+              <a:t>-Host "Ingresa el directorio </a:t>
+            </a:r>
+            <a:r>
+              <a:rPr lang="es-ES" sz="1800" dirty="0" err="1">
+                <a:solidFill>
+                  <a:srgbClr val="FFC000"/>
+                </a:solidFill>
+                <a:latin typeface="Lucida Console" panose="020B0609040504020204" pitchFamily="49" charset="0"/>
+              </a:rPr>
+              <a:t>raiz</a:t>
+            </a:r>
+            <a:r>
+              <a:rPr lang="es-ES" sz="1800" dirty="0">
+                <a:solidFill>
+                  <a:srgbClr val="FFC000"/>
+                </a:solidFill>
+                <a:latin typeface="Lucida Console" panose="020B0609040504020204" pitchFamily="49" charset="0"/>
+              </a:rPr>
+              <a:t> de la practica"</a:t>
+            </a:r>
+          </a:p>
+          <a:p>
+            <a:pPr marL="0" indent="0">
+              <a:buNone/>
+            </a:pPr>
+            <a:endParaRPr lang="es-PE" sz="1800" dirty="0">
+              <a:solidFill>
+                <a:srgbClr val="FFC000"/>
+              </a:solidFill>
+              <a:latin typeface="Lucida Console" panose="020B0609040504020204" pitchFamily="49" charset="0"/>
+            </a:endParaRPr>
+          </a:p>
+          <a:p>
+            <a:pPr marL="0" indent="0">
+              <a:buNone/>
+            </a:pPr>
+            <a:r>
+              <a:rPr lang="en-US" sz="1800" dirty="0">
+                <a:solidFill>
+                  <a:srgbClr val="00B0F0"/>
+                </a:solidFill>
+                <a:latin typeface="Lucida Console" panose="020B0609040504020204" pitchFamily="49" charset="0"/>
+              </a:rPr>
+              <a:t>New-Item</a:t>
+            </a:r>
+            <a:r>
+              <a:rPr lang="en-US" sz="1800" dirty="0">
+                <a:solidFill>
+                  <a:srgbClr val="FFC000"/>
+                </a:solidFill>
+                <a:latin typeface="Lucida Console" panose="020B0609040504020204" pitchFamily="49" charset="0"/>
+              </a:rPr>
+              <a:t> </a:t>
+            </a:r>
+            <a:r>
+              <a:rPr lang="en-US" sz="1800" dirty="0">
+                <a:solidFill>
+                  <a:schemeClr val="accent6">
+                    <a:lumMod val="40000"/>
+                    <a:lumOff val="60000"/>
+                  </a:schemeClr>
+                </a:solidFill>
+                <a:latin typeface="Lucida Console" panose="020B0609040504020204" pitchFamily="49" charset="0"/>
+              </a:rPr>
+              <a:t>-Path </a:t>
+            </a:r>
+            <a:r>
+              <a:rPr lang="en-US" sz="1800" dirty="0">
+                <a:solidFill>
+                  <a:srgbClr val="FFC000"/>
+                </a:solidFill>
+                <a:latin typeface="Lucida Console" panose="020B0609040504020204" pitchFamily="49" charset="0"/>
+              </a:rPr>
+              <a:t>$</a:t>
+            </a:r>
+            <a:r>
+              <a:rPr lang="en-US" sz="1800" dirty="0" err="1">
+                <a:solidFill>
+                  <a:srgbClr val="FFC000"/>
+                </a:solidFill>
+                <a:latin typeface="Lucida Console" panose="020B0609040504020204" pitchFamily="49" charset="0"/>
+              </a:rPr>
+              <a:t>raiz</a:t>
+            </a:r>
+            <a:r>
+              <a:rPr lang="en-US" sz="1800" dirty="0">
+                <a:solidFill>
+                  <a:srgbClr val="FFC000"/>
+                </a:solidFill>
+                <a:latin typeface="Lucida Console" panose="020B0609040504020204" pitchFamily="49" charset="0"/>
+              </a:rPr>
+              <a:t> </a:t>
+            </a:r>
+            <a:r>
+              <a:rPr lang="en-US" sz="1800" dirty="0">
+                <a:solidFill>
+                  <a:schemeClr val="accent6">
+                    <a:lumMod val="40000"/>
+                    <a:lumOff val="60000"/>
+                  </a:schemeClr>
+                </a:solidFill>
+                <a:latin typeface="Lucida Console" panose="020B0609040504020204" pitchFamily="49" charset="0"/>
+              </a:rPr>
+              <a:t>-ItemType </a:t>
+            </a:r>
+            <a:r>
+              <a:rPr lang="en-US" sz="1800" dirty="0">
+                <a:solidFill>
+                  <a:srgbClr val="FFC000"/>
+                </a:solidFill>
+                <a:latin typeface="Lucida Console" panose="020B0609040504020204" pitchFamily="49" charset="0"/>
+              </a:rPr>
+              <a:t>Directory</a:t>
+            </a:r>
+          </a:p>
+          <a:p>
+            <a:pPr marL="0" indent="0">
+              <a:buNone/>
+            </a:pPr>
+            <a:endParaRPr lang="es-PE" sz="1800" dirty="0">
+              <a:solidFill>
+                <a:srgbClr val="FFC000"/>
+              </a:solidFill>
+              <a:latin typeface="Lucida Console" panose="020B0609040504020204" pitchFamily="49" charset="0"/>
+            </a:endParaRPr>
+          </a:p>
+          <a:p>
+            <a:pPr marL="0" indent="0">
+              <a:buNone/>
+            </a:pPr>
+            <a:r>
               <a:rPr lang="es-PE" sz="1800" dirty="0">
                 <a:solidFill>
                   <a:srgbClr val="FFC000"/>
                 </a:solidFill>
                 <a:latin typeface="Lucida Console" panose="020B0609040504020204" pitchFamily="49" charset="0"/>
               </a:rPr>
-              <a:t>$hosts = @("10.0.0.1", "10.0.0.2", "10.0.0.3" )</a:t>
-            </a:r>
-          </a:p>
-          <a:p>
-            <a:pPr marL="0" indent="0">
-              <a:buNone/>
-            </a:pPr>
+              <a:t>[</a:t>
+            </a:r>
             <a:r>
               <a:rPr lang="es-PE" sz="1800" dirty="0" err="1">
                 <a:solidFill>
-                  <a:srgbClr val="FFFF00"/>
-                </a:solidFill>
-                <a:latin typeface="Lucida Console" panose="020B0609040504020204" pitchFamily="49" charset="0"/>
-              </a:rPr>
-              <a:t>foreach</a:t>
+                  <a:srgbClr val="FFC000"/>
+                </a:solidFill>
+                <a:latin typeface="Lucida Console" panose="020B0609040504020204" pitchFamily="49" charset="0"/>
+              </a:rPr>
+              <a:t>int</a:t>
             </a:r>
             <a:r>
               <a:rPr lang="es-PE" sz="1800" dirty="0">
@@ -13981,7 +14379,32 @@
                 </a:solidFill>
                 <a:latin typeface="Lucida Console" panose="020B0609040504020204" pitchFamily="49" charset="0"/>
               </a:rPr>
-              <a:t> ($nodo in $hosts){</a:t>
+              <a:t>] $N=3</a:t>
+            </a:r>
+          </a:p>
+          <a:p>
+            <a:pPr marL="0" indent="0">
+              <a:buNone/>
+            </a:pPr>
+            <a:endParaRPr lang="es-PE" sz="1800" dirty="0">
+              <a:solidFill>
+                <a:srgbClr val="FFC000"/>
+              </a:solidFill>
+              <a:latin typeface="Lucida Console" panose="020B0609040504020204" pitchFamily="49" charset="0"/>
+            </a:endParaRPr>
+          </a:p>
+          <a:p>
+            <a:pPr marL="0" indent="0">
+              <a:buNone/>
+            </a:pPr>
+            <a:r>
+              <a:rPr lang="nn-NO" sz="1800" dirty="0">
+                <a:solidFill>
+                  <a:srgbClr val="FFC000"/>
+                </a:solidFill>
+                <a:latin typeface="Lucida Console" panose="020B0609040504020204" pitchFamily="49" charset="0"/>
+              </a:rPr>
+              <a:t>for($i=1; $i -le $N; $i++){</a:t>
             </a:r>
           </a:p>
           <a:p>
@@ -13995,66 +14418,140 @@
                 </a:solidFill>
                 <a:latin typeface="Lucida Console" panose="020B0609040504020204" pitchFamily="49" charset="0"/>
               </a:rPr>
-              <a:t>  </a:t>
+              <a:t>    </a:t>
             </a:r>
             <a:r>
               <a:rPr lang="es-PE" sz="1800" dirty="0">
                 <a:solidFill>
-                  <a:srgbClr val="FFFF00"/>
+                  <a:schemeClr val="accent2">
+                    <a:lumMod val="75000"/>
+                  </a:schemeClr>
+                </a:solidFill>
+                <a:latin typeface="Lucida Console" panose="020B0609040504020204" pitchFamily="49" charset="0"/>
+              </a:rPr>
+              <a:t>$directorio = $</a:t>
+            </a:r>
+            <a:r>
+              <a:rPr lang="es-PE" sz="1800" dirty="0" err="1">
+                <a:solidFill>
+                  <a:schemeClr val="accent2">
+                    <a:lumMod val="75000"/>
+                  </a:schemeClr>
+                </a:solidFill>
+                <a:latin typeface="Lucida Console" panose="020B0609040504020204" pitchFamily="49" charset="0"/>
+              </a:rPr>
+              <a:t>raiz</a:t>
+            </a:r>
+            <a:r>
+              <a:rPr lang="es-PE" sz="1800" dirty="0">
+                <a:solidFill>
+                  <a:schemeClr val="accent2">
+                    <a:lumMod val="75000"/>
+                  </a:schemeClr>
+                </a:solidFill>
+                <a:latin typeface="Lucida Console" panose="020B0609040504020204" pitchFamily="49" charset="0"/>
+              </a:rPr>
+              <a:t>+'\'+"practica-"+$i</a:t>
+            </a:r>
+          </a:p>
+          <a:p>
+            <a:pPr marL="0" indent="0">
+              <a:buNone/>
+            </a:pPr>
+            <a:r>
+              <a:rPr lang="en-US" sz="1800" dirty="0">
+                <a:solidFill>
+                  <a:srgbClr val="FFC000"/>
+                </a:solidFill>
+                <a:latin typeface="Lucida Console" panose="020B0609040504020204" pitchFamily="49" charset="0"/>
+              </a:rPr>
+              <a:t>    </a:t>
+            </a:r>
+            <a:r>
+              <a:rPr lang="en-US" sz="1800" dirty="0">
+                <a:solidFill>
+                  <a:srgbClr val="00B0F0"/>
+                </a:solidFill>
+                <a:latin typeface="Lucida Console" panose="020B0609040504020204" pitchFamily="49" charset="0"/>
+              </a:rPr>
+              <a:t>New-Item</a:t>
+            </a:r>
+            <a:r>
+              <a:rPr lang="en-US" sz="1800" dirty="0">
+                <a:solidFill>
+                  <a:srgbClr val="FFC000"/>
+                </a:solidFill>
+                <a:latin typeface="Lucida Console" panose="020B0609040504020204" pitchFamily="49" charset="0"/>
+              </a:rPr>
+              <a:t> -Path $</a:t>
+            </a:r>
+            <a:r>
+              <a:rPr lang="en-US" sz="1800" dirty="0" err="1">
+                <a:solidFill>
+                  <a:srgbClr val="FFC000"/>
+                </a:solidFill>
+                <a:latin typeface="Lucida Console" panose="020B0609040504020204" pitchFamily="49" charset="0"/>
+              </a:rPr>
+              <a:t>directorio</a:t>
+            </a:r>
+            <a:r>
+              <a:rPr lang="en-US" sz="1800" dirty="0">
+                <a:solidFill>
+                  <a:srgbClr val="FFC000"/>
+                </a:solidFill>
+                <a:latin typeface="Lucida Console" panose="020B0609040504020204" pitchFamily="49" charset="0"/>
+              </a:rPr>
+              <a:t> -ItemType Directory </a:t>
+            </a:r>
+          </a:p>
+          <a:p>
+            <a:pPr marL="0" indent="0">
+              <a:buNone/>
+            </a:pPr>
+            <a:r>
+              <a:rPr lang="es-ES" sz="1800" dirty="0">
+                <a:solidFill>
+                  <a:srgbClr val="FFC000"/>
+                </a:solidFill>
+                <a:latin typeface="Lucida Console" panose="020B0609040504020204" pitchFamily="49" charset="0"/>
+              </a:rPr>
+              <a:t>    </a:t>
+            </a:r>
+            <a:r>
+              <a:rPr lang="es-ES" sz="1800" dirty="0">
+                <a:solidFill>
+                  <a:srgbClr val="00B0F0"/>
                 </a:solidFill>
                 <a:latin typeface="Lucida Console" panose="020B0609040504020204" pitchFamily="49" charset="0"/>
               </a:rPr>
               <a:t>Write-Host</a:t>
             </a:r>
             <a:r>
-              <a:rPr lang="es-PE" sz="1800" dirty="0">
-                <a:solidFill>
-                  <a:srgbClr val="FFC000"/>
-                </a:solidFill>
-                <a:latin typeface="Lucida Console" panose="020B0609040504020204" pitchFamily="49" charset="0"/>
-              </a:rPr>
-              <a:t> '</a:t>
-            </a:r>
-            <a:r>
-              <a:rPr lang="es-PE" sz="1800" dirty="0" err="1">
-                <a:solidFill>
-                  <a:srgbClr val="FFC000"/>
-                </a:solidFill>
-                <a:latin typeface="Lucida Console" panose="020B0609040504020204" pitchFamily="49" charset="0"/>
-              </a:rPr>
-              <a:t>Testing</a:t>
-            </a:r>
-            <a:r>
-              <a:rPr lang="es-PE" sz="1800" dirty="0">
-                <a:solidFill>
-                  <a:srgbClr val="FFC000"/>
-                </a:solidFill>
-                <a:latin typeface="Lucida Console" panose="020B0609040504020204" pitchFamily="49" charset="0"/>
-              </a:rPr>
-              <a:t> del Nodo:' $nodo</a:t>
-            </a:r>
-          </a:p>
-          <a:p>
-            <a:pPr marL="0" indent="0">
-              <a:buNone/>
-            </a:pPr>
-            <a:r>
-              <a:rPr lang="es-PE" sz="1800" dirty="0">
-                <a:solidFill>
-                  <a:srgbClr val="FFC000"/>
-                </a:solidFill>
-                <a:latin typeface="Lucida Console" panose="020B0609040504020204" pitchFamily="49" charset="0"/>
-              </a:rPr>
-              <a:t>  </a:t>
-            </a:r>
-            <a:r>
-              <a:rPr lang="es-PE" sz="1800" dirty="0">
-                <a:solidFill>
-                  <a:srgbClr val="92D050"/>
-                </a:solidFill>
-                <a:latin typeface="Lucida Console" panose="020B0609040504020204" pitchFamily="49" charset="0"/>
-              </a:rPr>
-              <a:t>ping /n 2 $nodo</a:t>
+              <a:rPr lang="es-ES" sz="1800" dirty="0">
+                <a:solidFill>
+                  <a:srgbClr val="FFC000"/>
+                </a:solidFill>
+                <a:latin typeface="Lucida Console" panose="020B0609040504020204" pitchFamily="49" charset="0"/>
+              </a:rPr>
+              <a:t> 'Directorio' $directorio 'creado con </a:t>
+            </a:r>
+            <a:r>
+              <a:rPr lang="es-ES" sz="1800" dirty="0" err="1">
+                <a:solidFill>
+                  <a:srgbClr val="FFC000"/>
+                </a:solidFill>
+                <a:latin typeface="Lucida Console" panose="020B0609040504020204" pitchFamily="49" charset="0"/>
+              </a:rPr>
+              <a:t>exito</a:t>
+            </a:r>
+            <a:r>
+              <a:rPr lang="es-ES" sz="1800" dirty="0">
+                <a:solidFill>
+                  <a:srgbClr val="FFC000"/>
+                </a:solidFill>
+                <a:latin typeface="Lucida Console" panose="020B0609040504020204" pitchFamily="49" charset="0"/>
+              </a:rPr>
+              <a:t>!' </a:t>
             </a:r>
           </a:p>
           <a:p>
@@ -14079,7 +14576,7 @@
     </p:spTree>
     <p:extLst>
       <p:ext uri="{BB962C8B-B14F-4D97-AF65-F5344CB8AC3E}">
-        <p14:creationId xmlns:p14="http://schemas.microsoft.com/office/powerpoint/2010/main" val="1442427135"/>
+        <p14:creationId xmlns:p14="http://schemas.microsoft.com/office/powerpoint/2010/main" val="1047591754"/>
       </p:ext>
     </p:extLst>
   </p:cSld>
@@ -14221,7 +14718,7 @@
           <p:cNvPr id="2" name="Título 1">
             <a:extLst>
               <a:ext uri="{FF2B5EF4-FFF2-40B4-BE49-F238E27FC236}">
-                <a16:creationId xmlns:a16="http://schemas.microsoft.com/office/drawing/2014/main" id="{A907B903-9445-C6D0-A5B7-1414CC3D244A}"/>
+                <a16:creationId xmlns:a16="http://schemas.microsoft.com/office/drawing/2014/main" id="{5FD98EB3-3C68-24B1-4595-F2857958DFDE}"/>
               </a:ext>
             </a:extLst>
           </p:cNvPr>
@@ -14239,7 +14736,7 @@
           <a:p>
             <a:r>
               <a:rPr lang="es-ES" dirty="0"/>
-              <a:t>For</a:t>
+              <a:t>Parámetros en PowerShell</a:t>
             </a:r>
             <a:endParaRPr lang="es-PE" dirty="0"/>
           </a:p>
@@ -14250,7 +14747,7 @@
           <p:cNvPr id="3" name="Marcador de contenido 2">
             <a:extLst>
               <a:ext uri="{FF2B5EF4-FFF2-40B4-BE49-F238E27FC236}">
-                <a16:creationId xmlns:a16="http://schemas.microsoft.com/office/drawing/2014/main" id="{7DD39D63-6DC8-E648-2866-A84D3420CDA6}"/>
+                <a16:creationId xmlns:a16="http://schemas.microsoft.com/office/drawing/2014/main" id="{276033CC-A834-3883-BAFB-27836F75A01E}"/>
               </a:ext>
             </a:extLst>
           </p:cNvPr>
@@ -14264,21 +14761,15 @@
         <p:spPr/>
         <p:txBody>
           <a:bodyPr>
-            <a:normAutofit fontScale="92500" lnSpcReduction="10000"/>
+            <a:normAutofit lnSpcReduction="10000"/>
           </a:bodyPr>
           <a:lstStyle/>
           <a:p>
-            <a:r>
-              <a:rPr lang="es-ES" dirty="0"/>
-              <a:t>Cuando sabemos el número de ejecuciones del bucle</a:t>
-            </a:r>
-          </a:p>
-          <a:p>
-            <a:pPr marL="0" indent="0">
-              <a:buNone/>
-            </a:pPr>
-            <a:r>
-              <a:rPr lang="es-ES" dirty="0">
+            <a:pPr marL="0" indent="0">
+              <a:buNone/>
+            </a:pPr>
+            <a:r>
+              <a:rPr lang="es-PE" dirty="0">
                 <a:solidFill>
                   <a:srgbClr val="FFC000"/>
                 </a:solidFill>
@@ -14286,16 +14777,39 @@
               <a:t> </a:t>
             </a:r>
             <a:r>
-              <a:rPr lang="es-ES" sz="1800" dirty="0">
-                <a:solidFill>
-                  <a:srgbClr val="FFC000"/>
-                </a:solidFill>
-                <a:latin typeface="Lucida Console" panose="020B0609040504020204" pitchFamily="49" charset="0"/>
-              </a:rPr>
-              <a:t>[</a:t>
-            </a:r>
-            <a:r>
-              <a:rPr lang="es-ES" sz="1800" dirty="0" err="1">
+              <a:rPr lang="es-PE" sz="1800" dirty="0" err="1">
+                <a:solidFill>
+                  <a:srgbClr val="FFC000"/>
+                </a:solidFill>
+                <a:latin typeface="Lucida Console" panose="020B0609040504020204" pitchFamily="49" charset="0"/>
+              </a:rPr>
+              <a:t>Param</a:t>
+            </a:r>
+            <a:r>
+              <a:rPr lang="es-PE" sz="1800" dirty="0">
+                <a:solidFill>
+                  <a:srgbClr val="FFC000"/>
+                </a:solidFill>
+                <a:latin typeface="Lucida Console" panose="020B0609040504020204" pitchFamily="49" charset="0"/>
+              </a:rPr>
+              <a:t>(</a:t>
+            </a:r>
+          </a:p>
+          <a:p>
+            <a:pPr marL="0" indent="0">
+              <a:buNone/>
+            </a:pPr>
+            <a:r>
+              <a:rPr lang="es-PE" sz="1800" dirty="0">
+                <a:solidFill>
+                  <a:srgbClr val="FFC000"/>
+                </a:solidFill>
+                <a:latin typeface="Lucida Console" panose="020B0609040504020204" pitchFamily="49" charset="0"/>
+              </a:rPr>
+              <a:t>    [</a:t>
+            </a:r>
+            <a:r>
+              <a:rPr lang="es-PE" sz="1800" dirty="0" err="1">
                 <a:solidFill>
                   <a:srgbClr val="FFC000"/>
                 </a:solidFill>
@@ -14304,186 +14818,27 @@
               <a:t>string</a:t>
             </a:r>
             <a:r>
-              <a:rPr lang="es-ES" sz="1800" dirty="0">
-                <a:solidFill>
-                  <a:srgbClr val="FFC000"/>
-                </a:solidFill>
-                <a:latin typeface="Lucida Console" panose="020B0609040504020204" pitchFamily="49" charset="0"/>
-              </a:rPr>
-              <a:t>]$</a:t>
-            </a:r>
-            <a:r>
-              <a:rPr lang="es-ES" sz="1800" dirty="0" err="1">
-                <a:solidFill>
-                  <a:srgbClr val="FFC000"/>
-                </a:solidFill>
-                <a:latin typeface="Lucida Console" panose="020B0609040504020204" pitchFamily="49" charset="0"/>
-              </a:rPr>
-              <a:t>raiz</a:t>
-            </a:r>
-            <a:r>
-              <a:rPr lang="es-ES" sz="1800" dirty="0">
-                <a:solidFill>
-                  <a:srgbClr val="FFC000"/>
-                </a:solidFill>
-                <a:latin typeface="Lucida Console" panose="020B0609040504020204" pitchFamily="49" charset="0"/>
-              </a:rPr>
-              <a:t> = </a:t>
-            </a:r>
-            <a:r>
-              <a:rPr lang="es-ES" sz="1800" dirty="0" err="1">
-                <a:solidFill>
-                  <a:srgbClr val="FFC000"/>
-                </a:solidFill>
-                <a:latin typeface="Lucida Console" panose="020B0609040504020204" pitchFamily="49" charset="0"/>
-              </a:rPr>
-              <a:t>Read</a:t>
-            </a:r>
-            <a:r>
-              <a:rPr lang="es-ES" sz="1800" dirty="0">
-                <a:solidFill>
-                  <a:srgbClr val="FFC000"/>
-                </a:solidFill>
-                <a:latin typeface="Lucida Console" panose="020B0609040504020204" pitchFamily="49" charset="0"/>
-              </a:rPr>
-              <a:t>-Host "Ingresa el directorio </a:t>
-            </a:r>
-            <a:r>
-              <a:rPr lang="es-ES" sz="1800" dirty="0" err="1">
-                <a:solidFill>
-                  <a:srgbClr val="FFC000"/>
-                </a:solidFill>
-                <a:latin typeface="Lucida Console" panose="020B0609040504020204" pitchFamily="49" charset="0"/>
-              </a:rPr>
-              <a:t>raiz</a:t>
-            </a:r>
-            <a:r>
-              <a:rPr lang="es-ES" sz="1800" dirty="0">
-                <a:solidFill>
-                  <a:srgbClr val="FFC000"/>
-                </a:solidFill>
-                <a:latin typeface="Lucida Console" panose="020B0609040504020204" pitchFamily="49" charset="0"/>
-              </a:rPr>
-              <a:t> de la practica"</a:t>
-            </a:r>
-          </a:p>
-          <a:p>
-            <a:pPr marL="0" indent="0">
-              <a:buNone/>
-            </a:pPr>
-            <a:endParaRPr lang="es-PE" sz="1800" dirty="0">
-              <a:solidFill>
-                <a:srgbClr val="FFC000"/>
-              </a:solidFill>
-              <a:latin typeface="Lucida Console" panose="020B0609040504020204" pitchFamily="49" charset="0"/>
-            </a:endParaRPr>
-          </a:p>
-          <a:p>
-            <a:pPr marL="0" indent="0">
-              <a:buNone/>
-            </a:pPr>
-            <a:r>
-              <a:rPr lang="en-US" sz="1800" dirty="0">
-                <a:solidFill>
-                  <a:srgbClr val="00B0F0"/>
-                </a:solidFill>
-                <a:latin typeface="Lucida Console" panose="020B0609040504020204" pitchFamily="49" charset="0"/>
-              </a:rPr>
-              <a:t>New-Item</a:t>
-            </a:r>
-            <a:r>
-              <a:rPr lang="en-US" sz="1800" dirty="0">
-                <a:solidFill>
-                  <a:srgbClr val="FFC000"/>
-                </a:solidFill>
-                <a:latin typeface="Lucida Console" panose="020B0609040504020204" pitchFamily="49" charset="0"/>
-              </a:rPr>
-              <a:t> </a:t>
-            </a:r>
-            <a:r>
-              <a:rPr lang="en-US" sz="1800" dirty="0">
-                <a:solidFill>
-                  <a:schemeClr val="accent6">
-                    <a:lumMod val="40000"/>
-                    <a:lumOff val="60000"/>
-                  </a:schemeClr>
-                </a:solidFill>
-                <a:latin typeface="Lucida Console" panose="020B0609040504020204" pitchFamily="49" charset="0"/>
-              </a:rPr>
-              <a:t>-Path </a:t>
-            </a:r>
-            <a:r>
-              <a:rPr lang="en-US" sz="1800" dirty="0">
-                <a:solidFill>
-                  <a:srgbClr val="FFC000"/>
-                </a:solidFill>
-                <a:latin typeface="Lucida Console" panose="020B0609040504020204" pitchFamily="49" charset="0"/>
-              </a:rPr>
-              <a:t>$</a:t>
-            </a:r>
-            <a:r>
-              <a:rPr lang="en-US" sz="1800" dirty="0" err="1">
-                <a:solidFill>
-                  <a:srgbClr val="FFC000"/>
-                </a:solidFill>
-                <a:latin typeface="Lucida Console" panose="020B0609040504020204" pitchFamily="49" charset="0"/>
-              </a:rPr>
-              <a:t>raiz</a:t>
-            </a:r>
-            <a:r>
-              <a:rPr lang="en-US" sz="1800" dirty="0">
-                <a:solidFill>
-                  <a:srgbClr val="FFC000"/>
-                </a:solidFill>
-                <a:latin typeface="Lucida Console" panose="020B0609040504020204" pitchFamily="49" charset="0"/>
-              </a:rPr>
-              <a:t> </a:t>
-            </a:r>
-            <a:r>
-              <a:rPr lang="en-US" sz="1800" dirty="0">
-                <a:solidFill>
-                  <a:schemeClr val="accent6">
-                    <a:lumMod val="40000"/>
-                    <a:lumOff val="60000"/>
-                  </a:schemeClr>
-                </a:solidFill>
-                <a:latin typeface="Lucida Console" panose="020B0609040504020204" pitchFamily="49" charset="0"/>
-              </a:rPr>
-              <a:t>-ItemType </a:t>
-            </a:r>
-            <a:r>
-              <a:rPr lang="en-US" sz="1800" dirty="0">
-                <a:solidFill>
-                  <a:srgbClr val="FFC000"/>
-                </a:solidFill>
-                <a:latin typeface="Lucida Console" panose="020B0609040504020204" pitchFamily="49" charset="0"/>
-              </a:rPr>
-              <a:t>Directory</a:t>
-            </a:r>
-          </a:p>
-          <a:p>
-            <a:pPr marL="0" indent="0">
-              <a:buNone/>
-            </a:pPr>
-            <a:endParaRPr lang="es-PE" sz="1800" dirty="0">
-              <a:solidFill>
-                <a:srgbClr val="FFC000"/>
-              </a:solidFill>
-              <a:latin typeface="Lucida Console" panose="020B0609040504020204" pitchFamily="49" charset="0"/>
-            </a:endParaRPr>
-          </a:p>
-          <a:p>
-            <a:pPr marL="0" indent="0">
-              <a:buNone/>
-            </a:pPr>
-            <a:r>
               <a:rPr lang="es-PE" sz="1800" dirty="0">
                 <a:solidFill>
                   <a:srgbClr val="FFC000"/>
                 </a:solidFill>
                 <a:latin typeface="Lucida Console" panose="020B0609040504020204" pitchFamily="49" charset="0"/>
               </a:rPr>
-              <a:t>[</a:t>
+              <a:t>] $Primero,</a:t>
+            </a:r>
+          </a:p>
+          <a:p>
+            <a:pPr marL="0" indent="0">
+              <a:buNone/>
+            </a:pPr>
+            <a:r>
+              <a:rPr lang="es-PE" sz="1800" dirty="0">
+                <a:solidFill>
+                  <a:srgbClr val="FFC000"/>
+                </a:solidFill>
+                <a:latin typeface="Lucida Console" panose="020B0609040504020204" pitchFamily="49" charset="0"/>
+              </a:rPr>
+              <a:t>    [</a:t>
             </a:r>
             <a:r>
               <a:rPr lang="es-PE" sz="1800" dirty="0" err="1">
@@ -14492,6 +14847,84 @@
                 </a:solidFill>
                 <a:latin typeface="Lucida Console" panose="020B0609040504020204" pitchFamily="49" charset="0"/>
               </a:rPr>
+              <a:t>string</a:t>
+            </a:r>
+            <a:r>
+              <a:rPr lang="es-PE" sz="1800" dirty="0">
+                <a:solidFill>
+                  <a:srgbClr val="FFC000"/>
+                </a:solidFill>
+                <a:latin typeface="Lucida Console" panose="020B0609040504020204" pitchFamily="49" charset="0"/>
+              </a:rPr>
+              <a:t>] $Segundo = "valor por defecto",</a:t>
+            </a:r>
+          </a:p>
+          <a:p>
+            <a:pPr marL="0" indent="0">
+              <a:buNone/>
+            </a:pPr>
+            <a:r>
+              <a:rPr lang="es-PE" sz="1800" dirty="0">
+                <a:solidFill>
+                  <a:srgbClr val="FFC000"/>
+                </a:solidFill>
+                <a:latin typeface="Lucida Console" panose="020B0609040504020204" pitchFamily="49" charset="0"/>
+              </a:rPr>
+              <a:t>    [switch] $Tercero = $false,</a:t>
+            </a:r>
+          </a:p>
+          <a:p>
+            <a:pPr marL="0" indent="0">
+              <a:buNone/>
+            </a:pPr>
+            <a:r>
+              <a:rPr lang="es-PE" sz="1800" dirty="0">
+                <a:solidFill>
+                  <a:srgbClr val="FFC000"/>
+                </a:solidFill>
+                <a:latin typeface="Lucida Console" panose="020B0609040504020204" pitchFamily="49" charset="0"/>
+              </a:rPr>
+              <a:t>    [</a:t>
+            </a:r>
+            <a:r>
+              <a:rPr lang="es-PE" sz="1800" dirty="0" err="1">
+                <a:solidFill>
+                  <a:srgbClr val="FFC000"/>
+                </a:solidFill>
+                <a:latin typeface="Lucida Console" panose="020B0609040504020204" pitchFamily="49" charset="0"/>
+              </a:rPr>
+              <a:t>bool</a:t>
+            </a:r>
+            <a:r>
+              <a:rPr lang="es-PE" sz="1800" dirty="0">
+                <a:solidFill>
+                  <a:srgbClr val="FFC000"/>
+                </a:solidFill>
+                <a:latin typeface="Lucida Console" panose="020B0609040504020204" pitchFamily="49" charset="0"/>
+              </a:rPr>
+              <a:t>] $Cuarto,</a:t>
+            </a:r>
+          </a:p>
+          <a:p>
+            <a:pPr marL="0" indent="0">
+              <a:buNone/>
+            </a:pPr>
+            <a:r>
+              <a:rPr lang="es-PE" sz="1800" dirty="0">
+                <a:solidFill>
+                  <a:srgbClr val="FFC000"/>
+                </a:solidFill>
+                <a:latin typeface="Lucida Console" panose="020B0609040504020204" pitchFamily="49" charset="0"/>
+              </a:rPr>
+              <a:t>    [</a:t>
+            </a:r>
+            <a:r>
+              <a:rPr lang="es-PE" sz="1800" dirty="0" err="1">
+                <a:solidFill>
+                  <a:srgbClr val="FFC000"/>
+                </a:solidFill>
+                <a:latin typeface="Lucida Console" panose="020B0609040504020204" pitchFamily="49" charset="0"/>
+              </a:rPr>
               <a:t>int</a:t>
             </a:r>
             <a:r>
@@ -14501,32 +14934,7 @@
                 </a:solidFill>
                 <a:latin typeface="Lucida Console" panose="020B0609040504020204" pitchFamily="49" charset="0"/>
               </a:rPr>
-              <a:t>] $N=3</a:t>
-            </a:r>
-          </a:p>
-          <a:p>
-            <a:pPr marL="0" indent="0">
-              <a:buNone/>
-            </a:pPr>
-            <a:endParaRPr lang="es-PE" sz="1800" dirty="0">
-              <a:solidFill>
-                <a:srgbClr val="FFC000"/>
-              </a:solidFill>
-              <a:latin typeface="Lucida Console" panose="020B0609040504020204" pitchFamily="49" charset="0"/>
-            </a:endParaRPr>
-          </a:p>
-          <a:p>
-            <a:pPr marL="0" indent="0">
-              <a:buNone/>
-            </a:pPr>
-            <a:r>
-              <a:rPr lang="nn-NO" sz="1800" dirty="0">
-                <a:solidFill>
-                  <a:srgbClr val="FFC000"/>
-                </a:solidFill>
-                <a:latin typeface="Lucida Console" panose="020B0609040504020204" pitchFamily="49" charset="0"/>
-              </a:rPr>
-              <a:t>for($i=1; $i -le $N; $i++){</a:t>
+              <a:t>] $Quinto</a:t>
             </a:r>
           </a:p>
           <a:p>
@@ -14540,140 +14948,27 @@
                 </a:solidFill>
                 <a:latin typeface="Lucida Console" panose="020B0609040504020204" pitchFamily="49" charset="0"/>
               </a:rPr>
-              <a:t>    </a:t>
-            </a:r>
+              <a:t>)</a:t>
+            </a:r>
+          </a:p>
+          <a:p>
+            <a:pPr marL="0" indent="0">
+              <a:buNone/>
+            </a:pPr>
             <a:r>
               <a:rPr lang="es-PE" sz="1800" dirty="0">
-                <a:solidFill>
-                  <a:schemeClr val="accent2">
-                    <a:lumMod val="75000"/>
-                  </a:schemeClr>
-                </a:solidFill>
-                <a:latin typeface="Lucida Console" panose="020B0609040504020204" pitchFamily="49" charset="0"/>
-              </a:rPr>
-              <a:t>$directorio = $</a:t>
-            </a:r>
-            <a:r>
-              <a:rPr lang="es-PE" sz="1800" dirty="0" err="1">
-                <a:solidFill>
-                  <a:schemeClr val="accent2">
-                    <a:lumMod val="75000"/>
-                  </a:schemeClr>
-                </a:solidFill>
-                <a:latin typeface="Lucida Console" panose="020B0609040504020204" pitchFamily="49" charset="0"/>
-              </a:rPr>
-              <a:t>raiz</a:t>
+                <a:latin typeface="Lucida Console" panose="020B0609040504020204" pitchFamily="49" charset="0"/>
+              </a:rPr>
+              <a:t>Write-Host </a:t>
             </a:r>
             <a:r>
               <a:rPr lang="es-PE" sz="1800" dirty="0">
                 <a:solidFill>
-                  <a:schemeClr val="accent2">
-                    <a:lumMod val="75000"/>
-                  </a:schemeClr>
-                </a:solidFill>
-                <a:latin typeface="Lucida Console" panose="020B0609040504020204" pitchFamily="49" charset="0"/>
-              </a:rPr>
-              <a:t>+'\'+"practica-"+$i</a:t>
-            </a:r>
-          </a:p>
-          <a:p>
-            <a:pPr marL="0" indent="0">
-              <a:buNone/>
-            </a:pPr>
-            <a:r>
-              <a:rPr lang="en-US" sz="1800" dirty="0">
-                <a:solidFill>
-                  <a:srgbClr val="FFC000"/>
-                </a:solidFill>
-                <a:latin typeface="Lucida Console" panose="020B0609040504020204" pitchFamily="49" charset="0"/>
-              </a:rPr>
-              <a:t>    </a:t>
-            </a:r>
-            <a:r>
-              <a:rPr lang="en-US" sz="1800" dirty="0">
-                <a:solidFill>
-                  <a:srgbClr val="00B0F0"/>
-                </a:solidFill>
-                <a:latin typeface="Lucida Console" panose="020B0609040504020204" pitchFamily="49" charset="0"/>
-              </a:rPr>
-              <a:t>New-Item</a:t>
-            </a:r>
-            <a:r>
-              <a:rPr lang="en-US" sz="1800" dirty="0">
-                <a:solidFill>
-                  <a:srgbClr val="FFC000"/>
-                </a:solidFill>
-                <a:latin typeface="Lucida Console" panose="020B0609040504020204" pitchFamily="49" charset="0"/>
-              </a:rPr>
-              <a:t> -Path $</a:t>
-            </a:r>
-            <a:r>
-              <a:rPr lang="en-US" sz="1800" dirty="0" err="1">
-                <a:solidFill>
-                  <a:srgbClr val="FFC000"/>
-                </a:solidFill>
-                <a:latin typeface="Lucida Console" panose="020B0609040504020204" pitchFamily="49" charset="0"/>
-              </a:rPr>
-              <a:t>directorio</a:t>
-            </a:r>
-            <a:r>
-              <a:rPr lang="en-US" sz="1800" dirty="0">
-                <a:solidFill>
-                  <a:srgbClr val="FFC000"/>
-                </a:solidFill>
-                <a:latin typeface="Lucida Console" panose="020B0609040504020204" pitchFamily="49" charset="0"/>
-              </a:rPr>
-              <a:t> -ItemType Directory </a:t>
-            </a:r>
-          </a:p>
-          <a:p>
-            <a:pPr marL="0" indent="0">
-              <a:buNone/>
-            </a:pPr>
-            <a:r>
-              <a:rPr lang="es-ES" sz="1800" dirty="0">
-                <a:solidFill>
-                  <a:srgbClr val="FFC000"/>
-                </a:solidFill>
-                <a:latin typeface="Lucida Console" panose="020B0609040504020204" pitchFamily="49" charset="0"/>
-              </a:rPr>
-              <a:t>    </a:t>
-            </a:r>
-            <a:r>
-              <a:rPr lang="es-ES" sz="1800" dirty="0">
-                <a:solidFill>
-                  <a:srgbClr val="00B0F0"/>
-                </a:solidFill>
-                <a:latin typeface="Lucida Console" panose="020B0609040504020204" pitchFamily="49" charset="0"/>
-              </a:rPr>
-              <a:t>Write-Host</a:t>
-            </a:r>
-            <a:r>
-              <a:rPr lang="es-ES" sz="1800" dirty="0">
-                <a:solidFill>
-                  <a:srgbClr val="FFC000"/>
-                </a:solidFill>
-                <a:latin typeface="Lucida Console" panose="020B0609040504020204" pitchFamily="49" charset="0"/>
-              </a:rPr>
-              <a:t> 'Directorio' $directorio 'creado con </a:t>
-            </a:r>
-            <a:r>
-              <a:rPr lang="es-ES" sz="1800" dirty="0" err="1">
-                <a:solidFill>
-                  <a:srgbClr val="FFC000"/>
-                </a:solidFill>
-                <a:latin typeface="Lucida Console" panose="020B0609040504020204" pitchFamily="49" charset="0"/>
-              </a:rPr>
-              <a:t>exito</a:t>
-            </a:r>
-            <a:r>
-              <a:rPr lang="es-ES" sz="1800" dirty="0">
-                <a:solidFill>
-                  <a:srgbClr val="FFC000"/>
-                </a:solidFill>
-                <a:latin typeface="Lucida Console" panose="020B0609040504020204" pitchFamily="49" charset="0"/>
-              </a:rPr>
-              <a:t>!' </a:t>
+                  <a:srgbClr val="92D050"/>
+                </a:solidFill>
+                <a:latin typeface="Lucida Console" panose="020B0609040504020204" pitchFamily="49" charset="0"/>
+              </a:rPr>
+              <a:t>$Primero</a:t>
             </a:r>
           </a:p>
           <a:p>
@@ -14682,12 +14977,78 @@
             </a:pPr>
             <a:r>
               <a:rPr lang="es-PE" sz="1800" dirty="0">
-                <a:solidFill>
-                  <a:srgbClr val="FFC000"/>
-                </a:solidFill>
-                <a:latin typeface="Lucida Console" panose="020B0609040504020204" pitchFamily="49" charset="0"/>
-              </a:rPr>
-              <a:t>} </a:t>
+                <a:latin typeface="Lucida Console" panose="020B0609040504020204" pitchFamily="49" charset="0"/>
+              </a:rPr>
+              <a:t>Write-Host </a:t>
+            </a:r>
+            <a:r>
+              <a:rPr lang="es-PE" sz="1800" dirty="0">
+                <a:solidFill>
+                  <a:srgbClr val="92D050"/>
+                </a:solidFill>
+                <a:latin typeface="Lucida Console" panose="020B0609040504020204" pitchFamily="49" charset="0"/>
+              </a:rPr>
+              <a:t>$Segundo</a:t>
+            </a:r>
+          </a:p>
+          <a:p>
+            <a:pPr marL="0" indent="0">
+              <a:buNone/>
+            </a:pPr>
+            <a:r>
+              <a:rPr lang="es-PE" sz="1800" dirty="0">
+                <a:latin typeface="Lucida Console" panose="020B0609040504020204" pitchFamily="49" charset="0"/>
+              </a:rPr>
+              <a:t>Write-Host </a:t>
+            </a:r>
+            <a:r>
+              <a:rPr lang="es-PE" sz="1800" dirty="0">
+                <a:solidFill>
+                  <a:srgbClr val="92D050"/>
+                </a:solidFill>
+                <a:latin typeface="Lucida Console" panose="020B0609040504020204" pitchFamily="49" charset="0"/>
+              </a:rPr>
+              <a:t>$Tercero</a:t>
+            </a:r>
+          </a:p>
+          <a:p>
+            <a:pPr marL="0" indent="0">
+              <a:buNone/>
+            </a:pPr>
+            <a:r>
+              <a:rPr lang="es-PE" sz="1800" dirty="0">
+                <a:latin typeface="Lucida Console" panose="020B0609040504020204" pitchFamily="49" charset="0"/>
+              </a:rPr>
+              <a:t>Write-Host </a:t>
+            </a:r>
+            <a:r>
+              <a:rPr lang="es-PE" sz="1800" dirty="0">
+                <a:solidFill>
+                  <a:srgbClr val="92D050"/>
+                </a:solidFill>
+                <a:latin typeface="Lucida Console" panose="020B0609040504020204" pitchFamily="49" charset="0"/>
+              </a:rPr>
+              <a:t>$Cuarto</a:t>
+            </a:r>
+          </a:p>
+          <a:p>
+            <a:pPr marL="0" indent="0">
+              <a:buNone/>
+            </a:pPr>
+            <a:r>
+              <a:rPr lang="es-PE" sz="1800" dirty="0">
+                <a:latin typeface="Lucida Console" panose="020B0609040504020204" pitchFamily="49" charset="0"/>
+              </a:rPr>
+              <a:t>Write-Host </a:t>
+            </a:r>
+            <a:r>
+              <a:rPr lang="es-PE" sz="1800" dirty="0">
+                <a:solidFill>
+                  <a:srgbClr val="92D050"/>
+                </a:solidFill>
+                <a:latin typeface="Lucida Console" panose="020B0609040504020204" pitchFamily="49" charset="0"/>
+              </a:rPr>
+              <a:t>$Quinto </a:t>
             </a:r>
           </a:p>
           <a:p>
@@ -14698,7 +15059,7 @@
     </p:spTree>
     <p:extLst>
       <p:ext uri="{BB962C8B-B14F-4D97-AF65-F5344CB8AC3E}">
-        <p14:creationId xmlns:p14="http://schemas.microsoft.com/office/powerpoint/2010/main" val="1047591754"/>
+        <p14:creationId xmlns:p14="http://schemas.microsoft.com/office/powerpoint/2010/main" val="1451379313"/>
       </p:ext>
     </p:extLst>
   </p:cSld>
@@ -14730,7 +15091,7 @@
           <p:cNvPr id="2" name="Título 1">
             <a:extLst>
               <a:ext uri="{FF2B5EF4-FFF2-40B4-BE49-F238E27FC236}">
-                <a16:creationId xmlns:a16="http://schemas.microsoft.com/office/drawing/2014/main" id="{5FD98EB3-3C68-24B1-4595-F2857958DFDE}"/>
+                <a16:creationId xmlns:a16="http://schemas.microsoft.com/office/drawing/2014/main" id="{0466DBE2-B6EC-3CB0-1D62-2CEB9C8A9CAE}"/>
               </a:ext>
             </a:extLst>
           </p:cNvPr>
@@ -14748,7 +15109,7 @@
           <a:p>
             <a:r>
               <a:rPr lang="es-ES" dirty="0"/>
-              <a:t>Parámetros en PowerShell</a:t>
+              <a:t>Funciones</a:t>
             </a:r>
             <a:endParaRPr lang="es-PE" dirty="0"/>
           </a:p>
@@ -14759,7 +15120,7 @@
           <p:cNvPr id="3" name="Marcador de contenido 2">
             <a:extLst>
               <a:ext uri="{FF2B5EF4-FFF2-40B4-BE49-F238E27FC236}">
-                <a16:creationId xmlns:a16="http://schemas.microsoft.com/office/drawing/2014/main" id="{276033CC-A834-3883-BAFB-27836F75A01E}"/>
+                <a16:creationId xmlns:a16="http://schemas.microsoft.com/office/drawing/2014/main" id="{CE4728FF-3B3C-814C-3B3B-A36120971DC9}"/>
               </a:ext>
             </a:extLst>
           </p:cNvPr>
@@ -14772,10 +15133,14 @@
         </p:nvSpPr>
         <p:spPr/>
         <p:txBody>
-          <a:bodyPr>
-            <a:normAutofit lnSpcReduction="10000"/>
-          </a:bodyPr>
-          <a:lstStyle/>
+          <a:bodyPr/>
+          <a:lstStyle/>
+          <a:p>
+            <a:r>
+              <a:rPr lang="es-ES" dirty="0"/>
+              <a:t>Un función es un bloque de código reutilizable que realiza una tarea especifica. Pueden aceptar parámetros.</a:t>
+            </a:r>
+          </a:p>
           <a:p>
             <a:pPr marL="0" indent="0">
               <a:buNone/>
@@ -14789,13 +15154,104 @@
               <a:t> </a:t>
             </a:r>
             <a:r>
+              <a:rPr lang="es-PE" sz="1800" dirty="0">
+                <a:solidFill>
+                  <a:srgbClr val="00B0F0"/>
+                </a:solidFill>
+                <a:latin typeface="Lucida Console" panose="020B0609040504020204" pitchFamily="49" charset="0"/>
+              </a:rPr>
+              <a:t>function</a:t>
+            </a:r>
+            <a:r>
+              <a:rPr lang="es-PE" sz="1800" dirty="0">
+                <a:solidFill>
+                  <a:srgbClr val="FFC000"/>
+                </a:solidFill>
+                <a:latin typeface="Lucida Console" panose="020B0609040504020204" pitchFamily="49" charset="0"/>
+              </a:rPr>
+              <a:t> </a:t>
+            </a:r>
+            <a:r>
+              <a:rPr lang="es-PE" sz="1800" dirty="0">
+                <a:solidFill>
+                  <a:schemeClr val="accent2">
+                    <a:lumMod val="75000"/>
+                  </a:schemeClr>
+                </a:solidFill>
+                <a:latin typeface="Lucida Console" panose="020B0609040504020204" pitchFamily="49" charset="0"/>
+              </a:rPr>
+              <a:t>saludar</a:t>
+            </a:r>
+            <a:r>
+              <a:rPr lang="es-PE" sz="1800" dirty="0">
+                <a:solidFill>
+                  <a:srgbClr val="FFC000"/>
+                </a:solidFill>
+                <a:latin typeface="Lucida Console" panose="020B0609040504020204" pitchFamily="49" charset="0"/>
+              </a:rPr>
+              <a:t>($nombre){</a:t>
+            </a:r>
+          </a:p>
+          <a:p>
+            <a:pPr marL="0" indent="0">
+              <a:buNone/>
+            </a:pPr>
+            <a:r>
+              <a:rPr lang="es-PE" sz="1800" dirty="0">
+                <a:solidFill>
+                  <a:srgbClr val="FFC000"/>
+                </a:solidFill>
+                <a:latin typeface="Lucida Console" panose="020B0609040504020204" pitchFamily="49" charset="0"/>
+              </a:rPr>
+              <a:t>   "Bienvenido, $nombre " </a:t>
+            </a:r>
+          </a:p>
+          <a:p>
+            <a:pPr marL="0" indent="0">
+              <a:buNone/>
+            </a:pPr>
+            <a:r>
+              <a:rPr lang="es-PE" sz="1800" dirty="0">
+                <a:solidFill>
+                  <a:srgbClr val="FFC000"/>
+                </a:solidFill>
+                <a:latin typeface="Lucida Console" panose="020B0609040504020204" pitchFamily="49" charset="0"/>
+              </a:rPr>
+              <a:t>}</a:t>
+            </a:r>
+          </a:p>
+          <a:p>
+            <a:pPr marL="0" indent="0">
+              <a:buNone/>
+            </a:pPr>
+            <a:endParaRPr lang="es-PE" sz="1800" dirty="0">
+              <a:solidFill>
+                <a:srgbClr val="FFC000"/>
+              </a:solidFill>
+              <a:latin typeface="Lucida Console" panose="020B0609040504020204" pitchFamily="49" charset="0"/>
+            </a:endParaRPr>
+          </a:p>
+          <a:p>
+            <a:pPr marL="0" indent="0">
+              <a:buNone/>
+            </a:pPr>
+            <a:r>
+              <a:rPr lang="es-PE" sz="1800" dirty="0">
+                <a:solidFill>
+                  <a:srgbClr val="FFC000"/>
+                </a:solidFill>
+                <a:latin typeface="Lucida Console" panose="020B0609040504020204" pitchFamily="49" charset="0"/>
+              </a:rPr>
+              <a:t>saludar -nombre "</a:t>
+            </a:r>
+            <a:r>
               <a:rPr lang="es-PE" sz="1800" dirty="0" err="1">
                 <a:solidFill>
                   <a:srgbClr val="FFC000"/>
                 </a:solidFill>
                 <a:latin typeface="Lucida Console" panose="020B0609040504020204" pitchFamily="49" charset="0"/>
               </a:rPr>
-              <a:t>Param</a:t>
+              <a:t>Administrator</a:t>
             </a:r>
             <a:r>
               <a:rPr lang="es-PE" sz="1800" dirty="0">
@@ -14804,263 +15260,7 @@
                 </a:solidFill>
                 <a:latin typeface="Lucida Console" panose="020B0609040504020204" pitchFamily="49" charset="0"/>
               </a:rPr>
-              <a:t>(</a:t>
-            </a:r>
-          </a:p>
-          <a:p>
-            <a:pPr marL="0" indent="0">
-              <a:buNone/>
-            </a:pPr>
-            <a:r>
-              <a:rPr lang="es-PE" sz="1800" dirty="0">
-                <a:solidFill>
-                  <a:srgbClr val="FFC000"/>
-                </a:solidFill>
-                <a:latin typeface="Lucida Console" panose="020B0609040504020204" pitchFamily="49" charset="0"/>
-              </a:rPr>
-              <a:t>    [</a:t>
-            </a:r>
-            <a:r>
-              <a:rPr lang="es-PE" sz="1800" dirty="0" err="1">
-                <a:solidFill>
-                  <a:srgbClr val="FFC000"/>
-                </a:solidFill>
-                <a:latin typeface="Lucida Console" panose="020B0609040504020204" pitchFamily="49" charset="0"/>
-              </a:rPr>
-              <a:t>string</a:t>
-            </a:r>
-            <a:r>
-              <a:rPr lang="es-PE" sz="1800" dirty="0">
-                <a:solidFill>
-                  <a:srgbClr val="FFC000"/>
-                </a:solidFill>
-                <a:latin typeface="Lucida Console" panose="020B0609040504020204" pitchFamily="49" charset="0"/>
-              </a:rPr>
-              <a:t>] $Primero,</a:t>
-            </a:r>
-          </a:p>
-          <a:p>
-            <a:pPr marL="0" indent="0">
-              <a:buNone/>
-            </a:pPr>
-            <a:r>
-              <a:rPr lang="es-PE" sz="1800" dirty="0">
-                <a:solidFill>
-                  <a:srgbClr val="FFC000"/>
-                </a:solidFill>
-                <a:latin typeface="Lucida Console" panose="020B0609040504020204" pitchFamily="49" charset="0"/>
-              </a:rPr>
-              <a:t>    [</a:t>
-            </a:r>
-            <a:r>
-              <a:rPr lang="es-PE" sz="1800" dirty="0" err="1">
-                <a:solidFill>
-                  <a:srgbClr val="FFC000"/>
-                </a:solidFill>
-                <a:latin typeface="Lucida Console" panose="020B0609040504020204" pitchFamily="49" charset="0"/>
-              </a:rPr>
-              <a:t>string</a:t>
-            </a:r>
-            <a:r>
-              <a:rPr lang="es-PE" sz="1800" dirty="0">
-                <a:solidFill>
-                  <a:srgbClr val="FFC000"/>
-                </a:solidFill>
-                <a:latin typeface="Lucida Console" panose="020B0609040504020204" pitchFamily="49" charset="0"/>
-              </a:rPr>
-              <a:t>] $Segundo = "valor por defecto",</a:t>
-            </a:r>
-          </a:p>
-          <a:p>
-            <a:pPr marL="0" indent="0">
-              <a:buNone/>
-            </a:pPr>
-            <a:r>
-              <a:rPr lang="es-PE" sz="1800" dirty="0">
-                <a:solidFill>
-                  <a:srgbClr val="FFC000"/>
-                </a:solidFill>
-                <a:latin typeface="Lucida Console" panose="020B0609040504020204" pitchFamily="49" charset="0"/>
-              </a:rPr>
-              <a:t>    [switch] $Tercero = $false,</a:t>
-            </a:r>
-          </a:p>
-          <a:p>
-            <a:pPr marL="0" indent="0">
-              <a:buNone/>
-            </a:pPr>
-            <a:r>
-              <a:rPr lang="es-PE" sz="1800" dirty="0">
-                <a:solidFill>
-                  <a:srgbClr val="FFC000"/>
-                </a:solidFill>
-                <a:latin typeface="Lucida Console" panose="020B0609040504020204" pitchFamily="49" charset="0"/>
-              </a:rPr>
-              <a:t>    [</a:t>
-            </a:r>
-            <a:r>
-              <a:rPr lang="es-PE" sz="1800" dirty="0" err="1">
-                <a:solidFill>
-                  <a:srgbClr val="FFC000"/>
-                </a:solidFill>
-                <a:latin typeface="Lucida Console" panose="020B0609040504020204" pitchFamily="49" charset="0"/>
-              </a:rPr>
-              <a:t>bool</a:t>
-            </a:r>
-            <a:r>
-              <a:rPr lang="es-PE" sz="1800" dirty="0">
-                <a:solidFill>
-                  <a:srgbClr val="FFC000"/>
-                </a:solidFill>
-                <a:latin typeface="Lucida Console" panose="020B0609040504020204" pitchFamily="49" charset="0"/>
-              </a:rPr>
-              <a:t>] $Cuarto,</a:t>
-            </a:r>
-          </a:p>
-          <a:p>
-            <a:pPr marL="0" indent="0">
-              <a:buNone/>
-            </a:pPr>
-            <a:r>
-              <a:rPr lang="es-PE" sz="1800" dirty="0">
-                <a:solidFill>
-                  <a:srgbClr val="FFC000"/>
-                </a:solidFill>
-                <a:latin typeface="Lucida Console" panose="020B0609040504020204" pitchFamily="49" charset="0"/>
-              </a:rPr>
-              <a:t>    [</a:t>
-            </a:r>
-            <a:r>
-              <a:rPr lang="es-PE" sz="1800" dirty="0" err="1">
-                <a:solidFill>
-                  <a:srgbClr val="FFC000"/>
-                </a:solidFill>
-                <a:latin typeface="Lucida Console" panose="020B0609040504020204" pitchFamily="49" charset="0"/>
-              </a:rPr>
-              <a:t>int</a:t>
-            </a:r>
-            <a:r>
-              <a:rPr lang="es-PE" sz="1800" dirty="0">
-                <a:solidFill>
-                  <a:srgbClr val="FFC000"/>
-                </a:solidFill>
-                <a:latin typeface="Lucida Console" panose="020B0609040504020204" pitchFamily="49" charset="0"/>
-              </a:rPr>
-              <a:t>] $Quinto</a:t>
-            </a:r>
-          </a:p>
-          <a:p>
-            <a:pPr marL="0" indent="0">
-              <a:buNone/>
-            </a:pPr>
-            <a:r>
-              <a:rPr lang="es-PE" sz="1800" dirty="0">
-                <a:solidFill>
-                  <a:srgbClr val="FFC000"/>
-                </a:solidFill>
-                <a:latin typeface="Lucida Console" panose="020B0609040504020204" pitchFamily="49" charset="0"/>
-              </a:rPr>
-              <a:t>)</a:t>
-            </a:r>
-          </a:p>
-          <a:p>
-            <a:pPr marL="0" indent="0">
-              <a:buNone/>
-            </a:pPr>
-            <a:r>
-              <a:rPr lang="es-PE" sz="1800" dirty="0">
-                <a:latin typeface="Lucida Console" panose="020B0609040504020204" pitchFamily="49" charset="0"/>
-              </a:rPr>
-              <a:t>Write-Host </a:t>
-            </a:r>
-            <a:r>
-              <a:rPr lang="es-PE" sz="1800" dirty="0">
-                <a:solidFill>
-                  <a:srgbClr val="92D050"/>
-                </a:solidFill>
-                <a:latin typeface="Lucida Console" panose="020B0609040504020204" pitchFamily="49" charset="0"/>
-              </a:rPr>
-              <a:t>$Primero</a:t>
-            </a:r>
-          </a:p>
-          <a:p>
-            <a:pPr marL="0" indent="0">
-              <a:buNone/>
-            </a:pPr>
-            <a:r>
-              <a:rPr lang="es-PE" sz="1800" dirty="0">
-                <a:latin typeface="Lucida Console" panose="020B0609040504020204" pitchFamily="49" charset="0"/>
-              </a:rPr>
-              <a:t>Write-Host </a:t>
-            </a:r>
-            <a:r>
-              <a:rPr lang="es-PE" sz="1800" dirty="0">
-                <a:solidFill>
-                  <a:srgbClr val="92D050"/>
-                </a:solidFill>
-                <a:latin typeface="Lucida Console" panose="020B0609040504020204" pitchFamily="49" charset="0"/>
-              </a:rPr>
-              <a:t>$Segundo</a:t>
-            </a:r>
-          </a:p>
-          <a:p>
-            <a:pPr marL="0" indent="0">
-              <a:buNone/>
-            </a:pPr>
-            <a:r>
-              <a:rPr lang="es-PE" sz="1800" dirty="0">
-                <a:latin typeface="Lucida Console" panose="020B0609040504020204" pitchFamily="49" charset="0"/>
-              </a:rPr>
-              <a:t>Write-Host </a:t>
-            </a:r>
-            <a:r>
-              <a:rPr lang="es-PE" sz="1800" dirty="0">
-                <a:solidFill>
-                  <a:srgbClr val="92D050"/>
-                </a:solidFill>
-                <a:latin typeface="Lucida Console" panose="020B0609040504020204" pitchFamily="49" charset="0"/>
-              </a:rPr>
-              <a:t>$Tercero</a:t>
-            </a:r>
-          </a:p>
-          <a:p>
-            <a:pPr marL="0" indent="0">
-              <a:buNone/>
-            </a:pPr>
-            <a:r>
-              <a:rPr lang="es-PE" sz="1800" dirty="0">
-                <a:latin typeface="Lucida Console" panose="020B0609040504020204" pitchFamily="49" charset="0"/>
-              </a:rPr>
-              <a:t>Write-Host </a:t>
-            </a:r>
-            <a:r>
-              <a:rPr lang="es-PE" sz="1800" dirty="0">
-                <a:solidFill>
-                  <a:srgbClr val="92D050"/>
-                </a:solidFill>
-                <a:latin typeface="Lucida Console" panose="020B0609040504020204" pitchFamily="49" charset="0"/>
-              </a:rPr>
-              <a:t>$Cuarto</a:t>
-            </a:r>
-          </a:p>
-          <a:p>
-            <a:pPr marL="0" indent="0">
-              <a:buNone/>
-            </a:pPr>
-            <a:r>
-              <a:rPr lang="es-PE" sz="1800" dirty="0">
-                <a:latin typeface="Lucida Console" panose="020B0609040504020204" pitchFamily="49" charset="0"/>
-              </a:rPr>
-              <a:t>Write-Host </a:t>
-            </a:r>
-            <a:r>
-              <a:rPr lang="es-PE" sz="1800" dirty="0">
-                <a:solidFill>
-                  <a:srgbClr val="92D050"/>
-                </a:solidFill>
-                <a:latin typeface="Lucida Console" panose="020B0609040504020204" pitchFamily="49" charset="0"/>
-              </a:rPr>
-              <a:t>$Quinto </a:t>
+              <a:t>" </a:t>
             </a:r>
           </a:p>
           <a:p>
@@ -15071,7 +15271,7 @@
     </p:spTree>
     <p:extLst>
       <p:ext uri="{BB962C8B-B14F-4D97-AF65-F5344CB8AC3E}">
-        <p14:creationId xmlns:p14="http://schemas.microsoft.com/office/powerpoint/2010/main" val="1451379313"/>
+        <p14:creationId xmlns:p14="http://schemas.microsoft.com/office/powerpoint/2010/main" val="34068004"/>
       </p:ext>
     </p:extLst>
   </p:cSld>
@@ -15103,7 +15303,7 @@
           <p:cNvPr id="2" name="Título 1">
             <a:extLst>
               <a:ext uri="{FF2B5EF4-FFF2-40B4-BE49-F238E27FC236}">
-                <a16:creationId xmlns:a16="http://schemas.microsoft.com/office/drawing/2014/main" id="{0466DBE2-B6EC-3CB0-1D62-2CEB9C8A9CAE}"/>
+                <a16:creationId xmlns:a16="http://schemas.microsoft.com/office/drawing/2014/main" id="{7BE9E496-8CD3-06B5-9F5F-2601A75685EF}"/>
               </a:ext>
             </a:extLst>
           </p:cNvPr>
@@ -15121,7 +15321,7 @@
           <a:p>
             <a:r>
               <a:rPr lang="es-ES" dirty="0"/>
-              <a:t>Funciones</a:t>
+              <a:t>Filtros</a:t>
             </a:r>
             <a:endParaRPr lang="es-PE" dirty="0"/>
           </a:p>
@@ -15132,7 +15332,7 @@
           <p:cNvPr id="3" name="Marcador de contenido 2">
             <a:extLst>
               <a:ext uri="{FF2B5EF4-FFF2-40B4-BE49-F238E27FC236}">
-                <a16:creationId xmlns:a16="http://schemas.microsoft.com/office/drawing/2014/main" id="{CE4728FF-3B3C-814C-3B3B-A36120971DC9}"/>
+                <a16:creationId xmlns:a16="http://schemas.microsoft.com/office/drawing/2014/main" id="{2451C395-5199-ECDB-391B-C72490E30D14}"/>
               </a:ext>
             </a:extLst>
           </p:cNvPr>
@@ -15143,104 +15343,210 @@
             <p:ph idx="1"/>
           </p:nvPr>
         </p:nvSpPr>
-        <p:spPr/>
+        <p:spPr>
+          <a:xfrm>
+            <a:off x="674254" y="1807153"/>
+            <a:ext cx="11416145" cy="4351338"/>
+          </a:xfrm>
+        </p:spPr>
         <p:txBody>
           <a:bodyPr/>
           <a:lstStyle/>
           <a:p>
-            <a:r>
-              <a:rPr lang="es-ES" dirty="0"/>
-              <a:t>Un función es un bloque de código reutilizable que realiza una tarea especifica. Pueden aceptar parámetros.</a:t>
-            </a:r>
-          </a:p>
-          <a:p>
-            <a:pPr marL="0" indent="0">
-              <a:buNone/>
-            </a:pPr>
-            <a:r>
-              <a:rPr lang="es-PE" dirty="0">
-                <a:solidFill>
-                  <a:srgbClr val="FFC000"/>
-                </a:solidFill>
+            <a:pPr marL="0" indent="0">
+              <a:buNone/>
+            </a:pPr>
+            <a:r>
+              <a:rPr lang="en-US" sz="2400" b="0" dirty="0">
+                <a:solidFill>
+                  <a:srgbClr val="66D9EF"/>
+                </a:solidFill>
+                <a:effectLst/>
+                <a:highlight>
+                  <a:srgbClr val="272822"/>
+                </a:highlight>
+                <a:latin typeface="Consolas" panose="020B0609020204030204" pitchFamily="49" charset="0"/>
+              </a:rPr>
+              <a:t>Get-</a:t>
+            </a:r>
+            <a:r>
+              <a:rPr lang="en-US" sz="2400" b="0" dirty="0" err="1">
+                <a:solidFill>
+                  <a:srgbClr val="66D9EF"/>
+                </a:solidFill>
+                <a:effectLst/>
+                <a:highlight>
+                  <a:srgbClr val="272822"/>
+                </a:highlight>
+                <a:latin typeface="Consolas" panose="020B0609020204030204" pitchFamily="49" charset="0"/>
+              </a:rPr>
+              <a:t>ChildItem</a:t>
+            </a:r>
+            <a:r>
+              <a:rPr lang="en-US" sz="2400" b="0" dirty="0">
+                <a:solidFill>
+                  <a:srgbClr val="F8F8F2"/>
+                </a:solidFill>
+                <a:effectLst/>
+                <a:highlight>
+                  <a:srgbClr val="272822"/>
+                </a:highlight>
+                <a:latin typeface="Consolas" panose="020B0609020204030204" pitchFamily="49" charset="0"/>
               </a:rPr>
               <a:t> </a:t>
             </a:r>
             <a:r>
-              <a:rPr lang="es-PE" sz="1800" dirty="0">
-                <a:solidFill>
-                  <a:srgbClr val="00B0F0"/>
-                </a:solidFill>
-                <a:latin typeface="Lucida Console" panose="020B0609040504020204" pitchFamily="49" charset="0"/>
-              </a:rPr>
-              <a:t>function</a:t>
-            </a:r>
-            <a:r>
-              <a:rPr lang="es-PE" sz="1800" dirty="0">
-                <a:solidFill>
-                  <a:srgbClr val="FFC000"/>
-                </a:solidFill>
-                <a:latin typeface="Lucida Console" panose="020B0609040504020204" pitchFamily="49" charset="0"/>
+              <a:rPr lang="en-US" sz="2400" b="0" dirty="0">
+                <a:solidFill>
+                  <a:srgbClr val="F92672"/>
+                </a:solidFill>
+                <a:effectLst/>
+                <a:highlight>
+                  <a:srgbClr val="272822"/>
+                </a:highlight>
+                <a:latin typeface="Consolas" panose="020B0609020204030204" pitchFamily="49" charset="0"/>
+              </a:rPr>
+              <a:t>-</a:t>
+            </a:r>
+            <a:r>
+              <a:rPr lang="en-US" sz="2400" b="0" dirty="0">
+                <a:solidFill>
+                  <a:srgbClr val="F8F8F2"/>
+                </a:solidFill>
+                <a:effectLst/>
+                <a:highlight>
+                  <a:srgbClr val="272822"/>
+                </a:highlight>
+                <a:latin typeface="Consolas" panose="020B0609020204030204" pitchFamily="49" charset="0"/>
+              </a:rPr>
+              <a:t>Path $</a:t>
+            </a:r>
+            <a:r>
+              <a:rPr lang="en-US" sz="2400" b="0" dirty="0" err="1">
+                <a:solidFill>
+                  <a:srgbClr val="F8F8F2"/>
+                </a:solidFill>
+                <a:effectLst/>
+                <a:highlight>
+                  <a:srgbClr val="272822"/>
+                </a:highlight>
+                <a:latin typeface="Consolas" panose="020B0609020204030204" pitchFamily="49" charset="0"/>
+              </a:rPr>
+              <a:t>env:ProgramFiles</a:t>
+            </a:r>
+            <a:r>
+              <a:rPr lang="en-US" sz="2400" b="0" dirty="0">
+                <a:solidFill>
+                  <a:srgbClr val="F8F8F2"/>
+                </a:solidFill>
+                <a:effectLst/>
+                <a:highlight>
+                  <a:srgbClr val="272822"/>
+                </a:highlight>
+                <a:latin typeface="Consolas" panose="020B0609020204030204" pitchFamily="49" charset="0"/>
               </a:rPr>
               <a:t> </a:t>
             </a:r>
             <a:r>
-              <a:rPr lang="es-PE" sz="1800" dirty="0">
-                <a:solidFill>
-                  <a:schemeClr val="accent2">
-                    <a:lumMod val="75000"/>
-                  </a:schemeClr>
-                </a:solidFill>
-                <a:latin typeface="Lucida Console" panose="020B0609040504020204" pitchFamily="49" charset="0"/>
-              </a:rPr>
-              <a:t>saludar</a:t>
-            </a:r>
-            <a:r>
-              <a:rPr lang="es-PE" sz="1800" dirty="0">
-                <a:solidFill>
-                  <a:srgbClr val="FFC000"/>
-                </a:solidFill>
-                <a:latin typeface="Lucida Console" panose="020B0609040504020204" pitchFamily="49" charset="0"/>
-              </a:rPr>
-              <a:t>($nombre){</a:t>
-            </a:r>
-          </a:p>
-          <a:p>
-            <a:pPr marL="0" indent="0">
-              <a:buNone/>
-            </a:pPr>
-            <a:r>
-              <a:rPr lang="es-PE" sz="1800" dirty="0">
-                <a:solidFill>
-                  <a:srgbClr val="FFC000"/>
-                </a:solidFill>
-                <a:latin typeface="Lucida Console" panose="020B0609040504020204" pitchFamily="49" charset="0"/>
-              </a:rPr>
-              <a:t>   "Bienvenido, $nombre " </a:t>
-            </a:r>
-          </a:p>
-          <a:p>
-            <a:pPr marL="0" indent="0">
-              <a:buNone/>
-            </a:pPr>
-            <a:r>
-              <a:rPr lang="es-PE" sz="1800" dirty="0">
-                <a:solidFill>
-                  <a:srgbClr val="FFC000"/>
-                </a:solidFill>
-                <a:latin typeface="Lucida Console" panose="020B0609040504020204" pitchFamily="49" charset="0"/>
-              </a:rPr>
-              <a:t>}</a:t>
-            </a:r>
-          </a:p>
-          <a:p>
-            <a:pPr marL="0" indent="0">
-              <a:buNone/>
-            </a:pPr>
-            <a:endParaRPr lang="es-PE" sz="1800" dirty="0">
+              <a:rPr lang="en-US" sz="2400" b="0" dirty="0">
+                <a:solidFill>
+                  <a:srgbClr val="F92672"/>
+                </a:solidFill>
+                <a:effectLst/>
+                <a:highlight>
+                  <a:srgbClr val="272822"/>
+                </a:highlight>
+                <a:latin typeface="Consolas" panose="020B0609020204030204" pitchFamily="49" charset="0"/>
+              </a:rPr>
+              <a:t>-</a:t>
+            </a:r>
+            <a:r>
+              <a:rPr lang="en-US" sz="2400" b="0" dirty="0">
+                <a:solidFill>
+                  <a:srgbClr val="F8F8F2"/>
+                </a:solidFill>
+                <a:effectLst/>
+                <a:highlight>
+                  <a:srgbClr val="272822"/>
+                </a:highlight>
+                <a:latin typeface="Consolas" panose="020B0609020204030204" pitchFamily="49" charset="0"/>
+              </a:rPr>
+              <a:t>Recurse </a:t>
+            </a:r>
+            <a:r>
+              <a:rPr lang="en-US" sz="2400" b="0" dirty="0">
+                <a:solidFill>
+                  <a:srgbClr val="F92672"/>
+                </a:solidFill>
+                <a:effectLst/>
+                <a:highlight>
+                  <a:srgbClr val="272822"/>
+                </a:highlight>
+                <a:latin typeface="Consolas" panose="020B0609020204030204" pitchFamily="49" charset="0"/>
+              </a:rPr>
+              <a:t>-</a:t>
+            </a:r>
+            <a:r>
+              <a:rPr lang="en-US" sz="2400" b="0" dirty="0">
+                <a:solidFill>
+                  <a:srgbClr val="F8F8F2"/>
+                </a:solidFill>
+                <a:effectLst/>
+                <a:highlight>
+                  <a:srgbClr val="272822"/>
+                </a:highlight>
+                <a:latin typeface="Consolas" panose="020B0609020204030204" pitchFamily="49" charset="0"/>
+              </a:rPr>
+              <a:t>Include </a:t>
+            </a:r>
+            <a:r>
+              <a:rPr lang="en-US" sz="2400" b="0" dirty="0">
+                <a:solidFill>
+                  <a:srgbClr val="F92672"/>
+                </a:solidFill>
+                <a:effectLst/>
+                <a:highlight>
+                  <a:srgbClr val="272822"/>
+                </a:highlight>
+                <a:latin typeface="Consolas" panose="020B0609020204030204" pitchFamily="49" charset="0"/>
+              </a:rPr>
+              <a:t>*</a:t>
+            </a:r>
+            <a:r>
+              <a:rPr lang="en-US" sz="2400" b="0" dirty="0">
+                <a:solidFill>
+                  <a:srgbClr val="F8F8F2"/>
+                </a:solidFill>
+                <a:effectLst/>
+                <a:highlight>
+                  <a:srgbClr val="272822"/>
+                </a:highlight>
+                <a:latin typeface="Consolas" panose="020B0609020204030204" pitchFamily="49" charset="0"/>
+              </a:rPr>
+              <a:t>.exe </a:t>
+            </a:r>
+            <a:r>
+              <a:rPr lang="en-US" sz="2400" b="0" dirty="0">
+                <a:solidFill>
+                  <a:srgbClr val="F92672"/>
+                </a:solidFill>
+                <a:effectLst/>
+                <a:highlight>
+                  <a:srgbClr val="272822"/>
+                </a:highlight>
+                <a:latin typeface="Consolas" panose="020B0609020204030204" pitchFamily="49" charset="0"/>
+              </a:rPr>
+              <a:t>|</a:t>
+            </a:r>
+            <a:endParaRPr lang="en-US" sz="2400" b="0" dirty="0">
               <a:solidFill>
-                <a:srgbClr val="FFC000"/>
+                <a:srgbClr val="F8F8F2"/>
               </a:solidFill>
-              <a:latin typeface="Lucida Console" panose="020B0609040504020204" pitchFamily="49" charset="0"/>
+              <a:effectLst/>
+              <a:highlight>
+                <a:srgbClr val="272822"/>
+              </a:highlight>
+              <a:latin typeface="Consolas" panose="020B0609020204030204" pitchFamily="49" charset="0"/>
             </a:endParaRPr>
           </a:p>
           <a:p>
@@ -15248,32 +15554,529 @@
               <a:buNone/>
             </a:pPr>
             <a:r>
-              <a:rPr lang="es-PE" sz="1800" dirty="0">
-                <a:solidFill>
-                  <a:srgbClr val="FFC000"/>
-                </a:solidFill>
-                <a:latin typeface="Lucida Console" panose="020B0609040504020204" pitchFamily="49" charset="0"/>
-              </a:rPr>
-              <a:t>saludar -nombre "</a:t>
-            </a:r>
-            <a:r>
-              <a:rPr lang="es-PE" sz="1800" dirty="0" err="1">
-                <a:solidFill>
-                  <a:srgbClr val="FFC000"/>
-                </a:solidFill>
-                <a:latin typeface="Lucida Console" panose="020B0609040504020204" pitchFamily="49" charset="0"/>
-              </a:rPr>
-              <a:t>Administrator</a:t>
-            </a:r>
-            <a:r>
-              <a:rPr lang="es-PE" sz="1800" dirty="0">
-                <a:solidFill>
-                  <a:srgbClr val="FFC000"/>
-                </a:solidFill>
-                <a:latin typeface="Lucida Console" panose="020B0609040504020204" pitchFamily="49" charset="0"/>
-              </a:rPr>
-              <a:t>" </a:t>
-            </a:r>
+              <a:rPr lang="en-US" sz="2400" b="0" dirty="0">
+                <a:solidFill>
+                  <a:srgbClr val="F8F8F2"/>
+                </a:solidFill>
+                <a:effectLst/>
+                <a:highlight>
+                  <a:srgbClr val="272822"/>
+                </a:highlight>
+                <a:latin typeface="Consolas" panose="020B0609020204030204" pitchFamily="49" charset="0"/>
+              </a:rPr>
+              <a:t>    </a:t>
+            </a:r>
+            <a:r>
+              <a:rPr lang="en-US" sz="2400" b="0" dirty="0">
+                <a:solidFill>
+                  <a:srgbClr val="66D9EF"/>
+                </a:solidFill>
+                <a:effectLst/>
+                <a:highlight>
+                  <a:srgbClr val="272822"/>
+                </a:highlight>
+                <a:latin typeface="Consolas" panose="020B0609020204030204" pitchFamily="49" charset="0"/>
+              </a:rPr>
+              <a:t>Where-Object</a:t>
+            </a:r>
+            <a:r>
+              <a:rPr lang="en-US" sz="2400" b="0" dirty="0">
+                <a:solidFill>
+                  <a:srgbClr val="F8F8F2"/>
+                </a:solidFill>
+                <a:effectLst/>
+                <a:highlight>
+                  <a:srgbClr val="272822"/>
+                </a:highlight>
+                <a:latin typeface="Consolas" panose="020B0609020204030204" pitchFamily="49" charset="0"/>
+              </a:rPr>
+              <a:t> </a:t>
+            </a:r>
+            <a:r>
+              <a:rPr lang="en-US" sz="2400" b="0" dirty="0">
+                <a:solidFill>
+                  <a:srgbClr val="F92672"/>
+                </a:solidFill>
+                <a:effectLst/>
+                <a:highlight>
+                  <a:srgbClr val="272822"/>
+                </a:highlight>
+                <a:latin typeface="Consolas" panose="020B0609020204030204" pitchFamily="49" charset="0"/>
+              </a:rPr>
+              <a:t>-</a:t>
+            </a:r>
+            <a:r>
+              <a:rPr lang="en-US" sz="2400" b="0" dirty="0" err="1">
+                <a:solidFill>
+                  <a:srgbClr val="F8F8F2"/>
+                </a:solidFill>
+                <a:effectLst/>
+                <a:highlight>
+                  <a:srgbClr val="272822"/>
+                </a:highlight>
+                <a:latin typeface="Consolas" panose="020B0609020204030204" pitchFamily="49" charset="0"/>
+              </a:rPr>
+              <a:t>FilterScript</a:t>
+            </a:r>
+            <a:r>
+              <a:rPr lang="en-US" sz="2400" b="0" dirty="0">
+                <a:solidFill>
+                  <a:srgbClr val="F8F8F2"/>
+                </a:solidFill>
+                <a:effectLst/>
+                <a:highlight>
+                  <a:srgbClr val="272822"/>
+                </a:highlight>
+                <a:latin typeface="Consolas" panose="020B0609020204030204" pitchFamily="49" charset="0"/>
+              </a:rPr>
+              <a:t> {</a:t>
+            </a:r>
+          </a:p>
+          <a:p>
+            <a:pPr marL="0" indent="0">
+              <a:buNone/>
+            </a:pPr>
+            <a:r>
+              <a:rPr lang="en-US" sz="2400" b="0" dirty="0">
+                <a:solidFill>
+                  <a:srgbClr val="F8F8F2"/>
+                </a:solidFill>
+                <a:effectLst/>
+                <a:highlight>
+                  <a:srgbClr val="272822"/>
+                </a:highlight>
+                <a:latin typeface="Consolas" panose="020B0609020204030204" pitchFamily="49" charset="0"/>
+              </a:rPr>
+              <a:t>        ($_.</a:t>
+            </a:r>
+            <a:r>
+              <a:rPr lang="en-US" sz="2400" b="0" dirty="0" err="1">
+                <a:solidFill>
+                  <a:srgbClr val="F8F8F2"/>
+                </a:solidFill>
+                <a:effectLst/>
+                <a:highlight>
+                  <a:srgbClr val="272822"/>
+                </a:highlight>
+                <a:latin typeface="Consolas" panose="020B0609020204030204" pitchFamily="49" charset="0"/>
+              </a:rPr>
+              <a:t>LastWriteTime</a:t>
+            </a:r>
+            <a:r>
+              <a:rPr lang="en-US" sz="2400" b="0" dirty="0">
+                <a:solidFill>
+                  <a:srgbClr val="F8F8F2"/>
+                </a:solidFill>
+                <a:effectLst/>
+                <a:highlight>
+                  <a:srgbClr val="272822"/>
+                </a:highlight>
+                <a:latin typeface="Consolas" panose="020B0609020204030204" pitchFamily="49" charset="0"/>
+              </a:rPr>
+              <a:t> </a:t>
+            </a:r>
+            <a:r>
+              <a:rPr lang="en-US" sz="2400" b="0" dirty="0">
+                <a:solidFill>
+                  <a:srgbClr val="F92672"/>
+                </a:solidFill>
+                <a:effectLst/>
+                <a:highlight>
+                  <a:srgbClr val="272822"/>
+                </a:highlight>
+                <a:latin typeface="Consolas" panose="020B0609020204030204" pitchFamily="49" charset="0"/>
+              </a:rPr>
+              <a:t>-gt</a:t>
+            </a:r>
+            <a:r>
+              <a:rPr lang="en-US" sz="2400" b="0" dirty="0">
+                <a:solidFill>
+                  <a:srgbClr val="F8F8F2"/>
+                </a:solidFill>
+                <a:effectLst/>
+                <a:highlight>
+                  <a:srgbClr val="272822"/>
+                </a:highlight>
+                <a:latin typeface="Consolas" panose="020B0609020204030204" pitchFamily="49" charset="0"/>
+              </a:rPr>
+              <a:t> </a:t>
+            </a:r>
+            <a:r>
+              <a:rPr lang="en-US" sz="2400" b="0" dirty="0">
+                <a:solidFill>
+                  <a:srgbClr val="E6DB74"/>
+                </a:solidFill>
+                <a:effectLst/>
+                <a:highlight>
+                  <a:srgbClr val="272822"/>
+                </a:highlight>
+                <a:latin typeface="Consolas" panose="020B0609020204030204" pitchFamily="49" charset="0"/>
+              </a:rPr>
+              <a:t>'2024-01-01'</a:t>
+            </a:r>
+            <a:r>
+              <a:rPr lang="en-US" sz="2400" b="0" dirty="0">
+                <a:solidFill>
+                  <a:srgbClr val="F8F8F2"/>
+                </a:solidFill>
+                <a:effectLst/>
+                <a:highlight>
+                  <a:srgbClr val="272822"/>
+                </a:highlight>
+                <a:latin typeface="Consolas" panose="020B0609020204030204" pitchFamily="49" charset="0"/>
+              </a:rPr>
+              <a:t>) </a:t>
+            </a:r>
+            <a:r>
+              <a:rPr lang="en-US" sz="2400" b="0" dirty="0">
+                <a:solidFill>
+                  <a:srgbClr val="F92672"/>
+                </a:solidFill>
+                <a:effectLst/>
+                <a:highlight>
+                  <a:srgbClr val="272822"/>
+                </a:highlight>
+                <a:latin typeface="Consolas" panose="020B0609020204030204" pitchFamily="49" charset="0"/>
+              </a:rPr>
+              <a:t>-and</a:t>
+            </a:r>
+            <a:r>
+              <a:rPr lang="en-US" sz="2400" b="0" dirty="0">
+                <a:solidFill>
+                  <a:srgbClr val="F8F8F2"/>
+                </a:solidFill>
+                <a:effectLst/>
+                <a:highlight>
+                  <a:srgbClr val="272822"/>
+                </a:highlight>
+                <a:latin typeface="Consolas" panose="020B0609020204030204" pitchFamily="49" charset="0"/>
+              </a:rPr>
+              <a:t>  </a:t>
+            </a:r>
+          </a:p>
+          <a:p>
+            <a:pPr marL="0" indent="0">
+              <a:buNone/>
+            </a:pPr>
+            <a:r>
+              <a:rPr lang="en-US" sz="2400" dirty="0">
+                <a:solidFill>
+                  <a:srgbClr val="F8F8F2"/>
+                </a:solidFill>
+                <a:highlight>
+                  <a:srgbClr val="272822"/>
+                </a:highlight>
+                <a:latin typeface="Consolas" panose="020B0609020204030204" pitchFamily="49" charset="0"/>
+              </a:rPr>
+              <a:t>        </a:t>
+            </a:r>
+            <a:r>
+              <a:rPr lang="en-US" sz="2400" b="0" dirty="0">
+                <a:solidFill>
+                  <a:srgbClr val="F8F8F2"/>
+                </a:solidFill>
+                <a:effectLst/>
+                <a:highlight>
+                  <a:srgbClr val="272822"/>
+                </a:highlight>
+                <a:latin typeface="Consolas" panose="020B0609020204030204" pitchFamily="49" charset="0"/>
+              </a:rPr>
+              <a:t>($_.Length </a:t>
+            </a:r>
+            <a:r>
+              <a:rPr lang="en-US" sz="2400" b="0" dirty="0">
+                <a:solidFill>
+                  <a:srgbClr val="F92672"/>
+                </a:solidFill>
+                <a:effectLst/>
+                <a:highlight>
+                  <a:srgbClr val="272822"/>
+                </a:highlight>
+                <a:latin typeface="Consolas" panose="020B0609020204030204" pitchFamily="49" charset="0"/>
+              </a:rPr>
+              <a:t>-</a:t>
+            </a:r>
+            <a:r>
+              <a:rPr lang="en-US" sz="2400" b="0" dirty="0" err="1">
+                <a:solidFill>
+                  <a:srgbClr val="F92672"/>
+                </a:solidFill>
+                <a:effectLst/>
+                <a:highlight>
+                  <a:srgbClr val="272822"/>
+                </a:highlight>
+                <a:latin typeface="Consolas" panose="020B0609020204030204" pitchFamily="49" charset="0"/>
+              </a:rPr>
+              <a:t>ge</a:t>
+            </a:r>
+            <a:r>
+              <a:rPr lang="en-US" sz="2400" b="0" dirty="0">
+                <a:solidFill>
+                  <a:srgbClr val="F8F8F2"/>
+                </a:solidFill>
+                <a:effectLst/>
+                <a:highlight>
+                  <a:srgbClr val="272822"/>
+                </a:highlight>
+                <a:latin typeface="Consolas" panose="020B0609020204030204" pitchFamily="49" charset="0"/>
+              </a:rPr>
+              <a:t> </a:t>
+            </a:r>
+            <a:r>
+              <a:rPr lang="en-US" sz="2400" b="0" dirty="0">
+                <a:solidFill>
+                  <a:srgbClr val="AE81FF"/>
+                </a:solidFill>
+                <a:effectLst/>
+                <a:highlight>
+                  <a:srgbClr val="272822"/>
+                </a:highlight>
+                <a:latin typeface="Consolas" panose="020B0609020204030204" pitchFamily="49" charset="0"/>
+              </a:rPr>
+              <a:t>1</a:t>
+            </a:r>
+            <a:r>
+              <a:rPr lang="en-US" sz="2400" b="0" dirty="0">
+                <a:solidFill>
+                  <a:srgbClr val="F92672"/>
+                </a:solidFill>
+                <a:effectLst/>
+                <a:highlight>
+                  <a:srgbClr val="272822"/>
+                </a:highlight>
+                <a:latin typeface="Consolas" panose="020B0609020204030204" pitchFamily="49" charset="0"/>
+              </a:rPr>
+              <a:t>mb</a:t>
+            </a:r>
+            <a:r>
+              <a:rPr lang="en-US" sz="2400" b="0" dirty="0">
+                <a:solidFill>
+                  <a:srgbClr val="F8F8F2"/>
+                </a:solidFill>
+                <a:effectLst/>
+                <a:highlight>
+                  <a:srgbClr val="272822"/>
+                </a:highlight>
+                <a:latin typeface="Consolas" panose="020B0609020204030204" pitchFamily="49" charset="0"/>
+              </a:rPr>
+              <a:t>) </a:t>
+            </a:r>
+            <a:r>
+              <a:rPr lang="en-US" sz="2400" b="0" dirty="0">
+                <a:solidFill>
+                  <a:srgbClr val="F92672"/>
+                </a:solidFill>
+                <a:effectLst/>
+                <a:highlight>
+                  <a:srgbClr val="272822"/>
+                </a:highlight>
+                <a:latin typeface="Consolas" panose="020B0609020204030204" pitchFamily="49" charset="0"/>
+              </a:rPr>
+              <a:t>-and</a:t>
+            </a:r>
+            <a:r>
+              <a:rPr lang="en-US" sz="2400" b="0" dirty="0">
+                <a:solidFill>
+                  <a:srgbClr val="F8F8F2"/>
+                </a:solidFill>
+                <a:effectLst/>
+                <a:highlight>
+                  <a:srgbClr val="272822"/>
+                </a:highlight>
+                <a:latin typeface="Consolas" panose="020B0609020204030204" pitchFamily="49" charset="0"/>
+              </a:rPr>
+              <a:t> ($_.Length </a:t>
+            </a:r>
+            <a:r>
+              <a:rPr lang="en-US" sz="2400" b="0" dirty="0">
+                <a:solidFill>
+                  <a:srgbClr val="F92672"/>
+                </a:solidFill>
+                <a:effectLst/>
+                <a:highlight>
+                  <a:srgbClr val="272822"/>
+                </a:highlight>
+                <a:latin typeface="Consolas" panose="020B0609020204030204" pitchFamily="49" charset="0"/>
+              </a:rPr>
+              <a:t>-le</a:t>
+            </a:r>
+            <a:r>
+              <a:rPr lang="en-US" sz="2400" b="0" dirty="0">
+                <a:solidFill>
+                  <a:srgbClr val="F8F8F2"/>
+                </a:solidFill>
+                <a:effectLst/>
+                <a:highlight>
+                  <a:srgbClr val="272822"/>
+                </a:highlight>
+                <a:latin typeface="Consolas" panose="020B0609020204030204" pitchFamily="49" charset="0"/>
+              </a:rPr>
+              <a:t> </a:t>
+            </a:r>
+            <a:r>
+              <a:rPr lang="en-US" sz="2400" b="0" dirty="0">
+                <a:solidFill>
+                  <a:srgbClr val="AE81FF"/>
+                </a:solidFill>
+                <a:effectLst/>
+                <a:highlight>
+                  <a:srgbClr val="272822"/>
+                </a:highlight>
+                <a:latin typeface="Consolas" panose="020B0609020204030204" pitchFamily="49" charset="0"/>
+              </a:rPr>
+              <a:t>10</a:t>
+            </a:r>
+            <a:r>
+              <a:rPr lang="en-US" sz="2400" b="0" dirty="0">
+                <a:solidFill>
+                  <a:srgbClr val="F92672"/>
+                </a:solidFill>
+                <a:effectLst/>
+                <a:highlight>
+                  <a:srgbClr val="272822"/>
+                </a:highlight>
+                <a:latin typeface="Consolas" panose="020B0609020204030204" pitchFamily="49" charset="0"/>
+              </a:rPr>
+              <a:t>mb</a:t>
+            </a:r>
+            <a:r>
+              <a:rPr lang="en-US" sz="2400" b="0" dirty="0">
+                <a:solidFill>
+                  <a:srgbClr val="F8F8F2"/>
+                </a:solidFill>
+                <a:effectLst/>
+                <a:highlight>
+                  <a:srgbClr val="272822"/>
+                </a:highlight>
+                <a:latin typeface="Consolas" panose="020B0609020204030204" pitchFamily="49" charset="0"/>
+              </a:rPr>
+              <a:t>)</a:t>
+            </a:r>
+          </a:p>
+          <a:p>
+            <a:pPr marL="0" indent="0">
+              <a:buNone/>
+            </a:pPr>
+            <a:r>
+              <a:rPr lang="en-US" sz="2400" b="0" dirty="0">
+                <a:solidFill>
+                  <a:srgbClr val="F8F8F2"/>
+                </a:solidFill>
+                <a:effectLst/>
+                <a:highlight>
+                  <a:srgbClr val="272822"/>
+                </a:highlight>
+                <a:latin typeface="Consolas" panose="020B0609020204030204" pitchFamily="49" charset="0"/>
+              </a:rPr>
+              <a:t>    }</a:t>
+            </a:r>
+          </a:p>
+          <a:p>
+            <a:endParaRPr lang="es-PE" dirty="0"/>
+          </a:p>
+        </p:txBody>
+      </p:sp>
+      <p:sp>
+        <p:nvSpPr>
+          <p:cNvPr id="4" name="CuadroTexto 3">
+            <a:extLst>
+              <a:ext uri="{FF2B5EF4-FFF2-40B4-BE49-F238E27FC236}">
+                <a16:creationId xmlns:a16="http://schemas.microsoft.com/office/drawing/2014/main" id="{B5349289-7747-F6B3-02B2-822C7A342B6F}"/>
+              </a:ext>
+            </a:extLst>
+          </p:cNvPr>
+          <p:cNvSpPr txBox="1"/>
+          <p:nvPr/>
+        </p:nvSpPr>
+        <p:spPr>
+          <a:xfrm>
+            <a:off x="674254" y="4405745"/>
+            <a:ext cx="9809096" cy="1200329"/>
+          </a:xfrm>
+          <a:prstGeom prst="rect">
+            <a:avLst/>
+          </a:prstGeom>
+          <a:noFill/>
+        </p:spPr>
+        <p:txBody>
+          <a:bodyPr wrap="none" rtlCol="0">
+            <a:spAutoFit/>
+          </a:bodyPr>
+          <a:lstStyle/>
+          <a:p>
+            <a:r>
+              <a:rPr lang="es-ES" b="0" dirty="0">
+                <a:solidFill>
+                  <a:srgbClr val="88846F"/>
+                </a:solidFill>
+                <a:effectLst/>
+                <a:highlight>
+                  <a:srgbClr val="272822"/>
+                </a:highlight>
+                <a:latin typeface="Consolas" panose="020B0609020204030204" pitchFamily="49" charset="0"/>
+              </a:rPr>
+              <a:t># Busca todos los ejecutables dentro de la carpeta Archivos de programa que </a:t>
+            </a:r>
+            <a:endParaRPr lang="es-ES" b="0" dirty="0">
+              <a:solidFill>
+                <a:srgbClr val="F8F8F2"/>
+              </a:solidFill>
+              <a:effectLst/>
+              <a:highlight>
+                <a:srgbClr val="272822"/>
+              </a:highlight>
+              <a:latin typeface="Consolas" panose="020B0609020204030204" pitchFamily="49" charset="0"/>
+            </a:endParaRPr>
+          </a:p>
+          <a:p>
+            <a:r>
+              <a:rPr lang="es-ES" b="0" dirty="0">
+                <a:solidFill>
+                  <a:srgbClr val="88846F"/>
+                </a:solidFill>
+                <a:effectLst/>
+                <a:highlight>
+                  <a:srgbClr val="272822"/>
+                </a:highlight>
+                <a:latin typeface="Consolas" panose="020B0609020204030204" pitchFamily="49" charset="0"/>
+              </a:rPr>
+              <a:t># se modificaron por última vez después del 1 de enero de 2024</a:t>
+            </a:r>
+            <a:endParaRPr lang="es-ES" b="0" dirty="0">
+              <a:solidFill>
+                <a:srgbClr val="F8F8F2"/>
+              </a:solidFill>
+              <a:effectLst/>
+              <a:highlight>
+                <a:srgbClr val="272822"/>
+              </a:highlight>
+              <a:latin typeface="Consolas" panose="020B0609020204030204" pitchFamily="49" charset="0"/>
+            </a:endParaRPr>
+          </a:p>
+          <a:p>
+            <a:r>
+              <a:rPr lang="es-ES" b="0" dirty="0">
+                <a:solidFill>
+                  <a:srgbClr val="88846F"/>
+                </a:solidFill>
+                <a:effectLst/>
+                <a:highlight>
+                  <a:srgbClr val="272822"/>
+                </a:highlight>
+                <a:latin typeface="Consolas" panose="020B0609020204030204" pitchFamily="49" charset="0"/>
+              </a:rPr>
+              <a:t># y que no sean menores a 1 megabyte ni mayores a 10 megabytes</a:t>
+            </a:r>
+            <a:endParaRPr lang="es-ES" b="0" dirty="0">
+              <a:solidFill>
+                <a:srgbClr val="F8F8F2"/>
+              </a:solidFill>
+              <a:effectLst/>
+              <a:highlight>
+                <a:srgbClr val="272822"/>
+              </a:highlight>
+              <a:latin typeface="Consolas" panose="020B0609020204030204" pitchFamily="49" charset="0"/>
+            </a:endParaRPr>
           </a:p>
           <a:p>
             <a:endParaRPr lang="es-PE" dirty="0"/>
@@ -15283,7 +16086,7 @@
     </p:spTree>
     <p:extLst>
       <p:ext uri="{BB962C8B-B14F-4D97-AF65-F5344CB8AC3E}">
-        <p14:creationId xmlns:p14="http://schemas.microsoft.com/office/powerpoint/2010/main" val="34068004"/>
+        <p14:creationId xmlns:p14="http://schemas.microsoft.com/office/powerpoint/2010/main" val="4292627159"/>
       </p:ext>
     </p:extLst>
   </p:cSld>
@@ -16090,7 +16893,7 @@
           <p:cNvPr id="2" name="Título 1">
             <a:extLst>
               <a:ext uri="{FF2B5EF4-FFF2-40B4-BE49-F238E27FC236}">
-                <a16:creationId xmlns:a16="http://schemas.microsoft.com/office/drawing/2014/main" id="{9B5454B0-2540-2519-2BE3-14442167B8BC}"/>
+                <a16:creationId xmlns:a16="http://schemas.microsoft.com/office/drawing/2014/main" id="{78D1716C-161C-A5DE-32A4-7741AA94C264}"/>
               </a:ext>
             </a:extLst>
           </p:cNvPr>
@@ -16108,7 +16911,7 @@
           <a:p>
             <a:r>
               <a:rPr lang="es-ES" dirty="0"/>
-              <a:t>Manejo de Archivos y Directorios</a:t>
+              <a:t>Cambiando de directorio</a:t>
             </a:r>
             <a:endParaRPr lang="es-PE" dirty="0"/>
           </a:p>
@@ -16119,7 +16922,7 @@
           <p:cNvPr id="3" name="Marcador de contenido 2">
             <a:extLst>
               <a:ext uri="{FF2B5EF4-FFF2-40B4-BE49-F238E27FC236}">
-                <a16:creationId xmlns:a16="http://schemas.microsoft.com/office/drawing/2014/main" id="{5F7703BF-A9AF-6744-45A3-EA9B68642CBA}"/>
+                <a16:creationId xmlns:a16="http://schemas.microsoft.com/office/drawing/2014/main" id="{3A04CFFA-E1A2-53F6-D0EB-BD14D68BDF8C}"/>
               </a:ext>
             </a:extLst>
           </p:cNvPr>
@@ -16136,39 +16939,32 @@
           <a:lstStyle/>
           <a:p>
             <a:r>
-              <a:rPr lang="es-ES" dirty="0"/>
-              <a:t>Creación de Archivos</a:t>
-            </a:r>
-          </a:p>
-          <a:p>
-            <a:pPr marL="0" indent="0">
-              <a:buNone/>
-            </a:pPr>
-            <a:r>
               <a:rPr lang="en-US" dirty="0">
                 <a:solidFill>
                   <a:srgbClr val="FFC000"/>
                 </a:solidFill>
               </a:rPr>
-              <a:t>New-Item -ItemType File -Path .\nuevoarchivo.txt</a:t>
-            </a:r>
-            <a:endParaRPr lang="es-ES" dirty="0">
-              <a:solidFill>
-                <a:srgbClr val="FFC000"/>
-              </a:solidFill>
-            </a:endParaRPr>
-          </a:p>
-          <a:p>
-            <a:pPr marL="0" indent="0">
-              <a:buNone/>
-            </a:pPr>
+              <a:t>Get-Location</a:t>
+            </a:r>
+          </a:p>
+          <a:p>
             <a:r>
               <a:rPr lang="en-US" dirty="0">
                 <a:solidFill>
                   <a:srgbClr val="FFC000"/>
                 </a:solidFill>
               </a:rPr>
-              <a:t>"Hola, </a:t>
+              <a:t>Set-Location -Path C:\Windows</a:t>
+            </a:r>
+          </a:p>
+          <a:p>
+            <a:r>
+              <a:rPr lang="en-US" dirty="0">
+                <a:solidFill>
+                  <a:srgbClr val="FFC000"/>
+                </a:solidFill>
+              </a:rPr>
+              <a:t>Set-Location -Path C:\Windows -</a:t>
             </a:r>
             <a:r>
               <a:rPr lang="en-US" dirty="0" err="1">
@@ -16176,127 +16972,7 @@
                   <a:srgbClr val="FFC000"/>
                 </a:solidFill>
               </a:rPr>
-              <a:t>mundo</a:t>
-            </a:r>
-            <a:r>
-              <a:rPr lang="en-US" dirty="0">
-                <a:solidFill>
-                  <a:srgbClr val="FFC000"/>
-                </a:solidFill>
-              </a:rPr>
-              <a:t>!" | Out-File -</a:t>
-            </a:r>
-            <a:r>
-              <a:rPr lang="en-US" dirty="0" err="1">
-                <a:solidFill>
-                  <a:srgbClr val="FFC000"/>
-                </a:solidFill>
-              </a:rPr>
-              <a:t>FilePath</a:t>
-            </a:r>
-            <a:r>
-              <a:rPr lang="en-US" dirty="0">
-                <a:solidFill>
-                  <a:srgbClr val="FFC000"/>
-                </a:solidFill>
-              </a:rPr>
-              <a:t> .\archivotexto.txt</a:t>
-            </a:r>
-          </a:p>
-          <a:p>
-            <a:r>
-              <a:rPr lang="en-US" dirty="0" err="1"/>
-              <a:t>Manejo</a:t>
-            </a:r>
-            <a:r>
-              <a:rPr lang="en-US" dirty="0"/>
-              <a:t> de </a:t>
-            </a:r>
-            <a:r>
-              <a:rPr lang="en-US" dirty="0" err="1"/>
-              <a:t>directorios</a:t>
-            </a:r>
-            <a:endParaRPr lang="en-US" dirty="0"/>
-          </a:p>
-          <a:p>
-            <a:pPr marL="0" indent="0">
-              <a:buNone/>
-            </a:pPr>
-            <a:r>
-              <a:rPr lang="en-US" dirty="0">
-                <a:solidFill>
-                  <a:srgbClr val="FFC000"/>
-                </a:solidFill>
-              </a:rPr>
-              <a:t>New-Item -ItemType Directory -Path .\</a:t>
-            </a:r>
-            <a:r>
-              <a:rPr lang="en-US" dirty="0" err="1">
-                <a:solidFill>
-                  <a:srgbClr val="FFC000"/>
-                </a:solidFill>
-              </a:rPr>
-              <a:t>nuevocarpeta</a:t>
-            </a:r>
-            <a:endParaRPr lang="en-US" dirty="0">
-              <a:solidFill>
-                <a:srgbClr val="FFC000"/>
-              </a:solidFill>
-            </a:endParaRPr>
-          </a:p>
-          <a:p>
-            <a:pPr marL="0" indent="0">
-              <a:buNone/>
-            </a:pPr>
-            <a:r>
-              <a:rPr lang="es-PE" dirty="0">
-                <a:solidFill>
-                  <a:srgbClr val="FFC000"/>
-                </a:solidFill>
-              </a:rPr>
-              <a:t>Set-</a:t>
-            </a:r>
-            <a:r>
-              <a:rPr lang="es-PE" dirty="0" err="1">
-                <a:solidFill>
-                  <a:srgbClr val="FFC000"/>
-                </a:solidFill>
-              </a:rPr>
-              <a:t>Location</a:t>
-            </a:r>
-            <a:r>
-              <a:rPr lang="es-PE" dirty="0">
-                <a:solidFill>
-                  <a:srgbClr val="FFC000"/>
-                </a:solidFill>
-              </a:rPr>
-              <a:t> -Path .\</a:t>
-            </a:r>
-            <a:r>
-              <a:rPr lang="es-PE" dirty="0" err="1">
-                <a:solidFill>
-                  <a:srgbClr val="FFC000"/>
-                </a:solidFill>
-              </a:rPr>
-              <a:t>nuevocarpeta</a:t>
-            </a:r>
-            <a:endParaRPr lang="en-US" dirty="0">
-              <a:solidFill>
-                <a:srgbClr val="FFC000"/>
-              </a:solidFill>
-            </a:endParaRPr>
-          </a:p>
-          <a:p>
-            <a:pPr marL="0" indent="0">
-              <a:buNone/>
-            </a:pPr>
-            <a:r>
-              <a:rPr lang="es-PE" dirty="0" err="1">
-                <a:solidFill>
-                  <a:srgbClr val="FFC000"/>
-                </a:solidFill>
-              </a:rPr>
-              <a:t>Get-ChildItem</a:t>
+              <a:t>PassThru</a:t>
             </a:r>
             <a:endParaRPr lang="es-PE" dirty="0">
               <a:solidFill>
@@ -16309,7 +16985,7 @@
     </p:spTree>
     <p:extLst>
       <p:ext uri="{BB962C8B-B14F-4D97-AF65-F5344CB8AC3E}">
-        <p14:creationId xmlns:p14="http://schemas.microsoft.com/office/powerpoint/2010/main" val="3855833691"/>
+        <p14:creationId xmlns:p14="http://schemas.microsoft.com/office/powerpoint/2010/main" val="2800227642"/>
       </p:ext>
     </p:extLst>
   </p:cSld>
@@ -16341,7 +17017,7 @@
           <p:cNvPr id="2" name="Título 1">
             <a:extLst>
               <a:ext uri="{FF2B5EF4-FFF2-40B4-BE49-F238E27FC236}">
-                <a16:creationId xmlns:a16="http://schemas.microsoft.com/office/drawing/2014/main" id="{A12FB951-8456-D5D3-489F-5CE7D2BD428E}"/>
+                <a16:creationId xmlns:a16="http://schemas.microsoft.com/office/drawing/2014/main" id="{5509B401-8E38-FC91-69ED-B4557CBE5A4A}"/>
               </a:ext>
             </a:extLst>
           </p:cNvPr>
@@ -16359,7 +17035,7 @@
           <a:p>
             <a:r>
               <a:rPr lang="es-ES" dirty="0"/>
-              <a:t>Modificación y eliminación de archivos y directorios</a:t>
+              <a:t>Unidades o drives</a:t>
             </a:r>
             <a:endParaRPr lang="es-PE" dirty="0"/>
           </a:p>
@@ -16370,7 +17046,7 @@
           <p:cNvPr id="3" name="Marcador de contenido 2">
             <a:extLst>
               <a:ext uri="{FF2B5EF4-FFF2-40B4-BE49-F238E27FC236}">
-                <a16:creationId xmlns:a16="http://schemas.microsoft.com/office/drawing/2014/main" id="{F40F6B39-DF86-0C9F-C86B-E86703540D73}"/>
+                <a16:creationId xmlns:a16="http://schemas.microsoft.com/office/drawing/2014/main" id="{BEAFA06B-151D-FC40-BB1F-83228BC5E62E}"/>
               </a:ext>
             </a:extLst>
           </p:cNvPr>
@@ -16386,44 +17062,16 @@
           <a:bodyPr/>
           <a:lstStyle/>
           <a:p>
-            <a:r>
-              <a:rPr lang="es-PE" dirty="0"/>
-              <a:t>Agrega contenido al archivo</a:t>
-            </a:r>
-          </a:p>
-          <a:p>
-            <a:pPr marL="0" indent="0">
-              <a:buNone/>
-            </a:pPr>
-            <a:r>
-              <a:rPr lang="es-PE" dirty="0">
-                <a:solidFill>
-                  <a:srgbClr val="FFC000"/>
-                </a:solidFill>
-              </a:rPr>
-              <a:t>"Adiós, mundo!" | </a:t>
-            </a:r>
+            <a:pPr marL="0" indent="0">
+              <a:buNone/>
+            </a:pPr>
             <a:r>
               <a:rPr lang="es-PE" dirty="0" err="1">
                 <a:solidFill>
                   <a:srgbClr val="FFC000"/>
                 </a:solidFill>
               </a:rPr>
-              <a:t>Add</a:t>
-            </a:r>
-            <a:r>
-              <a:rPr lang="es-PE" dirty="0">
-                <a:solidFill>
-                  <a:srgbClr val="FFC000"/>
-                </a:solidFill>
-              </a:rPr>
-              <a:t>-Content -Path .\archivotexto.txt</a:t>
-            </a:r>
-          </a:p>
-          <a:p>
-            <a:r>
-              <a:rPr lang="es-PE" dirty="0"/>
-              <a:t>Elimina el archivo</a:t>
+              <a:t>Get-PSDrive</a:t>
             </a:r>
             <a:endParaRPr lang="es-PE" dirty="0">
               <a:solidFill>
@@ -16432,16 +17080,30 @@
             </a:endParaRPr>
           </a:p>
           <a:p>
-            <a:pPr marL="0" indent="0">
-              <a:buNone/>
-            </a:pPr>
+            <a:r>
+              <a:rPr lang="es-PE" dirty="0"/>
+              <a:t>Mapeando una carpeta a una unidad o drive</a:t>
+            </a:r>
+          </a:p>
+          <a:p>
+            <a:pPr marL="0" indent="0">
+              <a:buNone/>
+            </a:pPr>
+            <a:r>
+              <a:rPr lang="es-PE" dirty="0">
+                <a:solidFill>
+                  <a:srgbClr val="FFC000"/>
+                </a:solidFill>
+              </a:rPr>
+              <a:t>New-</a:t>
+            </a:r>
             <a:r>
               <a:rPr lang="es-PE" dirty="0" err="1">
                 <a:solidFill>
                   <a:srgbClr val="FFC000"/>
                 </a:solidFill>
               </a:rPr>
-              <a:t>Remove-Item</a:t>
+              <a:t>PSDrive</a:t>
             </a:r>
             <a:r>
               <a:rPr lang="es-PE" dirty="0">
@@ -16449,26 +17111,15 @@
                   <a:srgbClr val="FFC000"/>
                 </a:solidFill>
               </a:rPr>
-              <a:t> -Path .\nuevoarchivo.txt</a:t>
-            </a:r>
-          </a:p>
-          <a:p>
-            <a:r>
-              <a:rPr lang="es-PE" dirty="0"/>
-              <a:t>Elimina la carpeta y su contenido</a:t>
-            </a:r>
-          </a:p>
-          <a:p>
-            <a:pPr marL="0" indent="0">
-              <a:buNone/>
-            </a:pPr>
+              <a:t> -</a:t>
+            </a:r>
             <a:r>
               <a:rPr lang="es-PE" dirty="0" err="1">
                 <a:solidFill>
                   <a:srgbClr val="FFC000"/>
                 </a:solidFill>
               </a:rPr>
-              <a:t>Remove-Item</a:t>
+              <a:t>Name</a:t>
             </a:r>
             <a:r>
               <a:rPr lang="es-PE" dirty="0">
@@ -16476,7 +17127,7 @@
                   <a:srgbClr val="FFC000"/>
                 </a:solidFill>
               </a:rPr>
-              <a:t> -Path .\</a:t>
+              <a:t> P -</a:t>
             </a:r>
             <a:r>
               <a:rPr lang="es-PE" dirty="0" err="1">
@@ -16484,7 +17135,7 @@
                   <a:srgbClr val="FFC000"/>
                 </a:solidFill>
               </a:rPr>
-              <a:t>nuevocarpeta</a:t>
+              <a:t>Root</a:t>
             </a:r>
             <a:r>
               <a:rPr lang="es-PE" dirty="0">
@@ -16492,18 +17143,60 @@
                   <a:srgbClr val="FFC000"/>
                 </a:solidFill>
               </a:rPr>
-              <a:t> –Recurse</a:t>
-            </a:r>
-          </a:p>
-          <a:p>
-            <a:endParaRPr lang="es-PE" dirty="0"/>
+              <a:t> $</a:t>
+            </a:r>
+            <a:r>
+              <a:rPr lang="es-PE" dirty="0" err="1">
+                <a:solidFill>
+                  <a:srgbClr val="FFC000"/>
+                </a:solidFill>
+              </a:rPr>
+              <a:t>env:ProgramFiles</a:t>
+            </a:r>
+            <a:r>
+              <a:rPr lang="es-PE" dirty="0">
+                <a:solidFill>
+                  <a:srgbClr val="FFC000"/>
+                </a:solidFill>
+              </a:rPr>
+              <a:t> -</a:t>
+            </a:r>
+            <a:r>
+              <a:rPr lang="es-PE" dirty="0" err="1">
+                <a:solidFill>
+                  <a:srgbClr val="FFC000"/>
+                </a:solidFill>
+              </a:rPr>
+              <a:t>PSProvider</a:t>
+            </a:r>
+            <a:r>
+              <a:rPr lang="es-PE" dirty="0">
+                <a:solidFill>
+                  <a:srgbClr val="FFC000"/>
+                </a:solidFill>
+              </a:rPr>
+              <a:t> </a:t>
+            </a:r>
+            <a:r>
+              <a:rPr lang="es-PE" dirty="0" err="1">
+                <a:solidFill>
+                  <a:srgbClr val="FFC000"/>
+                </a:solidFill>
+              </a:rPr>
+              <a:t>FileSystem</a:t>
+            </a:r>
+            <a:endParaRPr lang="es-PE" dirty="0">
+              <a:solidFill>
+                <a:srgbClr val="FFC000"/>
+              </a:solidFill>
+            </a:endParaRPr>
           </a:p>
         </p:txBody>
       </p:sp>
     </p:spTree>
     <p:extLst>
       <p:ext uri="{BB962C8B-B14F-4D97-AF65-F5344CB8AC3E}">
-        <p14:creationId xmlns:p14="http://schemas.microsoft.com/office/powerpoint/2010/main" val="1487949010"/>
+        <p14:creationId xmlns:p14="http://schemas.microsoft.com/office/powerpoint/2010/main" val="504591289"/>
       </p:ext>
     </p:extLst>
   </p:cSld>
@@ -16535,7 +17228,7 @@
           <p:cNvPr id="2" name="Título 1">
             <a:extLst>
               <a:ext uri="{FF2B5EF4-FFF2-40B4-BE49-F238E27FC236}">
-                <a16:creationId xmlns:a16="http://schemas.microsoft.com/office/drawing/2014/main" id="{6CC750A6-8CF8-5FDA-5BEB-158884F8DF71}"/>
+                <a16:creationId xmlns:a16="http://schemas.microsoft.com/office/drawing/2014/main" id="{FBF50CA0-2C49-D490-5117-32CF5B0B8DE3}"/>
               </a:ext>
             </a:extLst>
           </p:cNvPr>
@@ -16553,7 +17246,7 @@
           <a:p>
             <a:r>
               <a:rPr lang="es-ES" dirty="0"/>
-              <a:t>Copia de archivos y directorios</a:t>
+              <a:t>Mostrando el Contenido del Directorio</a:t>
             </a:r>
             <a:endParaRPr lang="es-PE" dirty="0"/>
           </a:p>
@@ -16564,7 +17257,7 @@
           <p:cNvPr id="3" name="Marcador de contenido 2">
             <a:extLst>
               <a:ext uri="{FF2B5EF4-FFF2-40B4-BE49-F238E27FC236}">
-                <a16:creationId xmlns:a16="http://schemas.microsoft.com/office/drawing/2014/main" id="{607340CE-84AB-09C0-9E06-7B2ADC449208}"/>
+                <a16:creationId xmlns:a16="http://schemas.microsoft.com/office/drawing/2014/main" id="{DEE8CA02-1F4E-EF82-1C83-A36B40408D9A}"/>
               </a:ext>
             </a:extLst>
           </p:cNvPr>
@@ -16577,267 +17270,69 @@
         </p:nvSpPr>
         <p:spPr/>
         <p:txBody>
-          <a:bodyPr>
-            <a:normAutofit fontScale="92500" lnSpcReduction="10000"/>
-          </a:bodyPr>
-          <a:lstStyle/>
-          <a:p>
-            <a:r>
-              <a:rPr lang="es-ES" dirty="0"/>
-              <a:t>Copia de archivos</a:t>
-            </a:r>
-          </a:p>
-          <a:p>
-            <a:pPr marL="0" indent="0">
-              <a:buNone/>
-            </a:pPr>
-            <a:r>
-              <a:rPr lang="es-PE" dirty="0" err="1">
-                <a:solidFill>
-                  <a:srgbClr val="FFC000"/>
-                </a:solidFill>
-              </a:rPr>
-              <a:t>Copy-Item</a:t>
-            </a:r>
-            <a:r>
-              <a:rPr lang="es-PE" dirty="0">
-                <a:solidFill>
-                  <a:srgbClr val="FFC000"/>
-                </a:solidFill>
-              </a:rPr>
-              <a:t> -Path .\archivotexto.txt -</a:t>
-            </a:r>
-            <a:r>
-              <a:rPr lang="es-PE" dirty="0" err="1">
-                <a:solidFill>
-                  <a:srgbClr val="FFC000"/>
-                </a:solidFill>
-              </a:rPr>
-              <a:t>Destination</a:t>
-            </a:r>
-            <a:r>
-              <a:rPr lang="es-PE" dirty="0">
-                <a:solidFill>
-                  <a:srgbClr val="FFC000"/>
-                </a:solidFill>
-              </a:rPr>
-              <a:t> .\archivotextocopia.txt</a:t>
-            </a:r>
-            <a:endParaRPr lang="es-ES" dirty="0">
-              <a:solidFill>
-                <a:srgbClr val="FFC000"/>
-              </a:solidFill>
-            </a:endParaRPr>
-          </a:p>
-          <a:p>
-            <a:r>
-              <a:rPr lang="es-ES" dirty="0"/>
-              <a:t>Mover un archivo</a:t>
-            </a:r>
-          </a:p>
-          <a:p>
-            <a:pPr marL="0" indent="0">
-              <a:buNone/>
-            </a:pPr>
-            <a:r>
-              <a:rPr lang="es-PE" dirty="0" err="1">
-                <a:solidFill>
-                  <a:srgbClr val="FFC000"/>
-                </a:solidFill>
-              </a:rPr>
-              <a:t>Move-Item</a:t>
-            </a:r>
-            <a:r>
-              <a:rPr lang="es-PE" dirty="0">
-                <a:solidFill>
-                  <a:srgbClr val="FFC000"/>
-                </a:solidFill>
-              </a:rPr>
-              <a:t> -Path .\archivotextocopia.txt -</a:t>
-            </a:r>
-            <a:r>
-              <a:rPr lang="es-PE" dirty="0" err="1">
-                <a:solidFill>
-                  <a:srgbClr val="FFC000"/>
-                </a:solidFill>
-              </a:rPr>
-              <a:t>Destination</a:t>
-            </a:r>
-            <a:r>
-              <a:rPr lang="es-PE" dirty="0">
-                <a:solidFill>
-                  <a:srgbClr val="FFC000"/>
-                </a:solidFill>
-              </a:rPr>
-              <a:t> .\archivotextomovido.txt</a:t>
-            </a:r>
-            <a:endParaRPr lang="es-ES" dirty="0">
-              <a:solidFill>
-                <a:srgbClr val="FFC000"/>
-              </a:solidFill>
-            </a:endParaRPr>
-          </a:p>
-          <a:p>
-            <a:r>
-              <a:rPr lang="es-ES" dirty="0"/>
-              <a:t>Copiar el directorio con el contenido</a:t>
-            </a:r>
-          </a:p>
-          <a:p>
-            <a:pPr marL="0" indent="0">
-              <a:buNone/>
-            </a:pPr>
-            <a:r>
-              <a:rPr lang="es-ES" dirty="0" err="1">
-                <a:solidFill>
-                  <a:srgbClr val="FFC000"/>
-                </a:solidFill>
-              </a:rPr>
-              <a:t>Copy-Item</a:t>
-            </a:r>
-            <a:r>
-              <a:rPr lang="es-ES" dirty="0">
-                <a:solidFill>
-                  <a:srgbClr val="FFC000"/>
-                </a:solidFill>
-              </a:rPr>
-              <a:t> -Path .\</a:t>
-            </a:r>
-            <a:r>
-              <a:rPr lang="es-ES" dirty="0" err="1">
-                <a:solidFill>
-                  <a:srgbClr val="FFC000"/>
-                </a:solidFill>
-              </a:rPr>
-              <a:t>nuevocarpeta</a:t>
-            </a:r>
-            <a:r>
-              <a:rPr lang="es-ES" dirty="0">
-                <a:solidFill>
-                  <a:srgbClr val="FFC000"/>
-                </a:solidFill>
-              </a:rPr>
-              <a:t> -</a:t>
-            </a:r>
-            <a:r>
-              <a:rPr lang="es-ES" dirty="0" err="1">
-                <a:solidFill>
-                  <a:srgbClr val="FFC000"/>
-                </a:solidFill>
-              </a:rPr>
-              <a:t>Destination</a:t>
-            </a:r>
-            <a:r>
-              <a:rPr lang="es-ES" dirty="0">
-                <a:solidFill>
-                  <a:srgbClr val="FFC000"/>
-                </a:solidFill>
-              </a:rPr>
-              <a:t> .\</a:t>
-            </a:r>
-            <a:r>
-              <a:rPr lang="es-ES" dirty="0" err="1">
-                <a:solidFill>
-                  <a:srgbClr val="FFC000"/>
-                </a:solidFill>
-              </a:rPr>
-              <a:t>nuevocarpetacopia</a:t>
-            </a:r>
-            <a:r>
-              <a:rPr lang="es-ES" dirty="0">
-                <a:solidFill>
-                  <a:srgbClr val="FFC000"/>
-                </a:solidFill>
-              </a:rPr>
-              <a:t> –Recurse</a:t>
-            </a:r>
-          </a:p>
-          <a:p>
-            <a:r>
-              <a:rPr lang="es-ES" dirty="0"/>
-              <a:t>Mover el directorio y su contenido</a:t>
-            </a:r>
-          </a:p>
-          <a:p>
-            <a:pPr marL="0" indent="0">
-              <a:buNone/>
-            </a:pPr>
-            <a:r>
-              <a:rPr lang="es-ES" dirty="0" err="1">
-                <a:solidFill>
-                  <a:srgbClr val="FFC000"/>
-                </a:solidFill>
-              </a:rPr>
-              <a:t>Move-Item</a:t>
-            </a:r>
-            <a:r>
-              <a:rPr lang="es-ES" dirty="0">
-                <a:solidFill>
-                  <a:srgbClr val="FFC000"/>
-                </a:solidFill>
-              </a:rPr>
-              <a:t> -Path .\</a:t>
-            </a:r>
-            <a:r>
-              <a:rPr lang="es-ES" dirty="0" err="1">
-                <a:solidFill>
-                  <a:srgbClr val="FFC000"/>
-                </a:solidFill>
-              </a:rPr>
-              <a:t>nuevocarpetacopia</a:t>
-            </a:r>
-            <a:r>
-              <a:rPr lang="es-ES" dirty="0">
-                <a:solidFill>
-                  <a:srgbClr val="FFC000"/>
-                </a:solidFill>
-              </a:rPr>
-              <a:t> -</a:t>
-            </a:r>
-            <a:r>
-              <a:rPr lang="es-ES" dirty="0" err="1">
-                <a:solidFill>
-                  <a:srgbClr val="FFC000"/>
-                </a:solidFill>
-              </a:rPr>
-              <a:t>Destination</a:t>
-            </a:r>
-            <a:r>
-              <a:rPr lang="es-ES" dirty="0">
-                <a:solidFill>
-                  <a:srgbClr val="FFC000"/>
-                </a:solidFill>
-              </a:rPr>
-              <a:t> .\</a:t>
-            </a:r>
-            <a:r>
-              <a:rPr lang="es-ES" dirty="0" err="1">
-                <a:solidFill>
-                  <a:srgbClr val="FFC000"/>
-                </a:solidFill>
-              </a:rPr>
-              <a:t>nuevocarpetamovida</a:t>
-            </a:r>
-            <a:r>
-              <a:rPr lang="es-ES" dirty="0">
-                <a:solidFill>
-                  <a:srgbClr val="FFC000"/>
-                </a:solidFill>
-              </a:rPr>
-              <a:t> -Recurse</a:t>
-            </a:r>
-            <a:endParaRPr lang="es-PE" dirty="0">
-              <a:solidFill>
-                <a:srgbClr val="FFC000"/>
-              </a:solidFill>
-            </a:endParaRPr>
+          <a:bodyPr/>
+          <a:lstStyle/>
+          <a:p>
+            <a:r>
+              <a:rPr lang="en-US" dirty="0">
+                <a:solidFill>
+                  <a:srgbClr val="FFC000"/>
+                </a:solidFill>
+              </a:rPr>
+              <a:t>Get-</a:t>
+            </a:r>
+            <a:r>
+              <a:rPr lang="en-US" dirty="0" err="1">
+                <a:solidFill>
+                  <a:srgbClr val="FFC000"/>
+                </a:solidFill>
+              </a:rPr>
+              <a:t>ChildItem</a:t>
+            </a:r>
+            <a:r>
+              <a:rPr lang="en-US" dirty="0">
+                <a:solidFill>
+                  <a:srgbClr val="FFC000"/>
+                </a:solidFill>
+              </a:rPr>
+              <a:t> -Path C:\ -Force</a:t>
+            </a:r>
+          </a:p>
+          <a:p>
+            <a:r>
+              <a:rPr lang="en-US" dirty="0">
+                <a:solidFill>
+                  <a:srgbClr val="FFC000"/>
+                </a:solidFill>
+              </a:rPr>
+              <a:t>Get-</a:t>
+            </a:r>
+            <a:r>
+              <a:rPr lang="en-US" dirty="0" err="1">
+                <a:solidFill>
+                  <a:srgbClr val="FFC000"/>
+                </a:solidFill>
+              </a:rPr>
+              <a:t>ChildItem</a:t>
+            </a:r>
+            <a:r>
+              <a:rPr lang="en-US" dirty="0">
+                <a:solidFill>
+                  <a:srgbClr val="FFC000"/>
+                </a:solidFill>
+              </a:rPr>
+              <a:t> -Path C:\ -Force -Recurse</a:t>
+            </a:r>
+          </a:p>
+          <a:p>
+            <a:endParaRPr lang="es-PE" dirty="0"/>
           </a:p>
         </p:txBody>
       </p:sp>
     </p:spTree>
     <p:extLst>
       <p:ext uri="{BB962C8B-B14F-4D97-AF65-F5344CB8AC3E}">
-        <p14:creationId xmlns:p14="http://schemas.microsoft.com/office/powerpoint/2010/main" val="3224176555"/>
+        <p14:creationId xmlns:p14="http://schemas.microsoft.com/office/powerpoint/2010/main" val="2205031726"/>
       </p:ext>
     </p:extLst>
   </p:cSld>
@@ -16869,7 +17364,7 @@
           <p:cNvPr id="2" name="Título 1">
             <a:extLst>
               <a:ext uri="{FF2B5EF4-FFF2-40B4-BE49-F238E27FC236}">
-                <a16:creationId xmlns:a16="http://schemas.microsoft.com/office/drawing/2014/main" id="{BE9C61DA-3F67-3D80-325E-E5C7B634B7CE}"/>
+                <a16:creationId xmlns:a16="http://schemas.microsoft.com/office/drawing/2014/main" id="{E117F0A9-BE89-709E-DC4C-CDD6C5701737}"/>
               </a:ext>
             </a:extLst>
           </p:cNvPr>
@@ -16887,7 +17382,7 @@
           <a:p>
             <a:r>
               <a:rPr lang="es-ES" dirty="0"/>
-              <a:t>Lectura de Archivos</a:t>
+              <a:t>Copiando Archivos</a:t>
             </a:r>
             <a:endParaRPr lang="es-PE" dirty="0"/>
           </a:p>
@@ -16898,7 +17393,7 @@
           <p:cNvPr id="3" name="Marcador de contenido 2">
             <a:extLst>
               <a:ext uri="{FF2B5EF4-FFF2-40B4-BE49-F238E27FC236}">
-                <a16:creationId xmlns:a16="http://schemas.microsoft.com/office/drawing/2014/main" id="{A532BDAB-0E5F-7063-9D3C-68DFB0EA418D}"/>
+                <a16:creationId xmlns:a16="http://schemas.microsoft.com/office/drawing/2014/main" id="{DADE96DF-678A-9127-6C85-5C0AD40FCC76}"/>
               </a:ext>
             </a:extLst>
           </p:cNvPr>
@@ -16914,20 +17409,6 @@
           <a:bodyPr/>
           <a:lstStyle/>
           <a:p>
-            <a:r>
-              <a:rPr lang="es-ES" dirty="0"/>
-              <a:t>Usa </a:t>
-            </a:r>
-            <a:r>
-              <a:rPr lang="es-ES" dirty="0" err="1"/>
-              <a:t>Get</a:t>
-            </a:r>
-            <a:r>
-              <a:rPr lang="es-ES" dirty="0"/>
-              <a:t>-Content</a:t>
-            </a:r>
-          </a:p>
-          <a:p>
             <a:pPr marL="0" indent="0">
               <a:buNone/>
             </a:pPr>
@@ -16937,7 +17418,7 @@
                   <a:srgbClr val="FFC000"/>
                 </a:solidFill>
               </a:rPr>
-              <a:t>$content = Get-Content -Path .\example.txt</a:t>
+              <a:t>if (Test-Path -Path $PROFILE) {</a:t>
             </a:r>
           </a:p>
           <a:p>
@@ -16950,20 +17431,23 @@
                   <a:srgbClr val="FFC000"/>
                 </a:solidFill>
               </a:rPr>
-              <a:t>foreach ($line in $content) {</a:t>
-            </a:r>
-          </a:p>
-          <a:p>
-            <a:pPr marL="0" indent="0">
-              <a:buNone/>
-            </a:pPr>
+              <a:t>    Copy-Item -Path $PROFILE -Destination $($PROFILE -replace 'ps1$', '</a:t>
+            </a:r>
+            <a:r>
+              <a:rPr lang="en-US" dirty="0" err="1">
+                <a:solidFill>
+                  <a:srgbClr val="FFC000"/>
+                </a:solidFill>
+              </a:rPr>
+              <a:t>bak</a:t>
+            </a:r>
             <a:r>
               <a:rPr lang="en-US" dirty="0">
                 <a:solidFill>
                   <a:srgbClr val="FFC000"/>
                 </a:solidFill>
               </a:rPr>
-              <a:t>    Write-Output $line</a:t>
+              <a:t>')</a:t>
             </a:r>
           </a:p>
           <a:p>
@@ -16974,13 +17458,79 @@
               <a:rPr lang="en-US" dirty="0">
                 <a:solidFill>
                   <a:srgbClr val="FFC000"/>
+                </a:solidFill>
+              </a:rPr>
+              <a:t>}</a:t>
+            </a:r>
+          </a:p>
+          <a:p>
+            <a:r>
+              <a:rPr lang="es-PE" dirty="0"/>
+              <a:t>Si la copia existe falla, agrega –</a:t>
+            </a:r>
+            <a:r>
+              <a:rPr lang="es-PE" dirty="0" err="1"/>
+              <a:t>Force</a:t>
+            </a:r>
+            <a:endParaRPr lang="es-PE" dirty="0"/>
+          </a:p>
+          <a:p>
+            <a:pPr marL="0" indent="0">
+              <a:buNone/>
+            </a:pPr>
+            <a:r>
+              <a:rPr lang="en-US" dirty="0">
+                <a:solidFill>
+                  <a:srgbClr val="FFFF00"/>
+                </a:solidFill>
+              </a:rPr>
+              <a:t>if (Test-Path -Path $PROFILE) {</a:t>
+            </a:r>
+          </a:p>
+          <a:p>
+            <a:pPr marL="0" indent="0">
+              <a:buNone/>
+            </a:pPr>
+            <a:r>
+              <a:rPr lang="en-US" dirty="0">
+                <a:solidFill>
+                  <a:srgbClr val="FFFF00"/>
+                </a:solidFill>
+              </a:rPr>
+              <a:t>    Copy-Item -Path $PROFILE -Destination $($PROFILE -replace 'ps1$', '</a:t>
+            </a:r>
+            <a:r>
+              <a:rPr lang="en-US" dirty="0" err="1">
+                <a:solidFill>
+                  <a:srgbClr val="FFFF00"/>
+                </a:solidFill>
+              </a:rPr>
+              <a:t>bak</a:t>
+            </a:r>
+            <a:r>
+              <a:rPr lang="en-US" dirty="0">
+                <a:solidFill>
+                  <a:srgbClr val="FFFF00"/>
+                </a:solidFill>
+              </a:rPr>
+              <a:t>') -Force</a:t>
+            </a:r>
+          </a:p>
+          <a:p>
+            <a:pPr marL="0" indent="0">
+              <a:buNone/>
+            </a:pPr>
+            <a:r>
+              <a:rPr lang="en-US" dirty="0">
+                <a:solidFill>
+                  <a:srgbClr val="FFFF00"/>
                 </a:solidFill>
               </a:rPr>
               <a:t>}</a:t>
             </a:r>
             <a:endParaRPr lang="es-PE" dirty="0">
               <a:solidFill>
-                <a:srgbClr val="FFC000"/>
+                <a:srgbClr val="FFFF00"/>
               </a:solidFill>
             </a:endParaRPr>
           </a:p>
@@ -16989,7 +17539,7 @@
     </p:spTree>
     <p:extLst>
       <p:ext uri="{BB962C8B-B14F-4D97-AF65-F5344CB8AC3E}">
-        <p14:creationId xmlns:p14="http://schemas.microsoft.com/office/powerpoint/2010/main" val="2752559396"/>
+        <p14:creationId xmlns:p14="http://schemas.microsoft.com/office/powerpoint/2010/main" val="2055909267"/>
       </p:ext>
     </p:extLst>
   </p:cSld>
@@ -17224,7 +17774,7 @@
           <p:cNvPr id="2" name="Título 1">
             <a:extLst>
               <a:ext uri="{FF2B5EF4-FFF2-40B4-BE49-F238E27FC236}">
-                <a16:creationId xmlns:a16="http://schemas.microsoft.com/office/drawing/2014/main" id="{C6A47BE2-DC93-BDCC-F6CB-CB92F600BA01}"/>
+                <a16:creationId xmlns:a16="http://schemas.microsoft.com/office/drawing/2014/main" id="{E8F779F9-C981-24A5-2EF1-EAB6DFE3519C}"/>
               </a:ext>
             </a:extLst>
           </p:cNvPr>
@@ -17242,7 +17792,7 @@
           <a:p>
             <a:r>
               <a:rPr lang="es-ES" dirty="0"/>
-              <a:t>Escritura de archivos</a:t>
+              <a:t>Copiando Directorios</a:t>
             </a:r>
             <a:endParaRPr lang="es-PE" dirty="0"/>
           </a:p>
@@ -17253,7 +17803,7 @@
           <p:cNvPr id="3" name="Marcador de contenido 2">
             <a:extLst>
               <a:ext uri="{FF2B5EF4-FFF2-40B4-BE49-F238E27FC236}">
-                <a16:creationId xmlns:a16="http://schemas.microsoft.com/office/drawing/2014/main" id="{58ABCE1E-078C-ADAA-E1BD-6F8DA22D26F0}"/>
+                <a16:creationId xmlns:a16="http://schemas.microsoft.com/office/drawing/2014/main" id="{345EA8DD-8FBE-AC56-E5CF-93105DB8A6FF}"/>
               </a:ext>
             </a:extLst>
           </p:cNvPr>
@@ -17269,18 +17819,109 @@
           <a:bodyPr/>
           <a:lstStyle/>
           <a:p>
-            <a:r>
-              <a:rPr lang="es-ES" dirty="0"/>
-              <a:t>Usando </a:t>
-            </a:r>
-            <a:r>
-              <a:rPr lang="es-ES" dirty="0" err="1"/>
-              <a:t>Out</a:t>
-            </a:r>
-            <a:r>
-              <a:rPr lang="es-ES" dirty="0"/>
-              <a:t>-File</a:t>
-            </a:r>
+            <a:pPr marL="0" indent="0">
+              <a:buNone/>
+            </a:pPr>
+            <a:r>
+              <a:rPr lang="es-PE" dirty="0" err="1">
+                <a:solidFill>
+                  <a:srgbClr val="FFC000"/>
+                </a:solidFill>
+              </a:rPr>
+              <a:t>Copy-Item</a:t>
+            </a:r>
+            <a:r>
+              <a:rPr lang="es-PE" dirty="0">
+                <a:solidFill>
+                  <a:srgbClr val="FFC000"/>
+                </a:solidFill>
+              </a:rPr>
+              <a:t> C:\temp\test1 -Recurse C:\temp\tempo</a:t>
+            </a:r>
+          </a:p>
+          <a:p>
+            <a:pPr marL="0" indent="0">
+              <a:buNone/>
+            </a:pPr>
+            <a:r>
+              <a:rPr lang="es-PE" dirty="0" err="1">
+                <a:solidFill>
+                  <a:srgbClr val="FFC000"/>
+                </a:solidFill>
+              </a:rPr>
+              <a:t>Copy-Item</a:t>
+            </a:r>
+            <a:r>
+              <a:rPr lang="es-PE" dirty="0">
+                <a:solidFill>
+                  <a:srgbClr val="FFC000"/>
+                </a:solidFill>
+              </a:rPr>
+              <a:t> -</a:t>
+            </a:r>
+            <a:r>
+              <a:rPr lang="es-PE" dirty="0" err="1">
+                <a:solidFill>
+                  <a:srgbClr val="FFC000"/>
+                </a:solidFill>
+              </a:rPr>
+              <a:t>Filter</a:t>
+            </a:r>
+            <a:r>
+              <a:rPr lang="es-PE" dirty="0">
+                <a:solidFill>
+                  <a:srgbClr val="FFC000"/>
+                </a:solidFill>
+              </a:rPr>
+              <a:t> *.</a:t>
+            </a:r>
+            <a:r>
+              <a:rPr lang="es-PE" dirty="0" err="1">
+                <a:solidFill>
+                  <a:srgbClr val="FFC000"/>
+                </a:solidFill>
+              </a:rPr>
+              <a:t>txt</a:t>
+            </a:r>
+            <a:r>
+              <a:rPr lang="es-PE" dirty="0">
+                <a:solidFill>
+                  <a:srgbClr val="FFC000"/>
+                </a:solidFill>
+              </a:rPr>
+              <a:t> -Path c:\data -Recurse -</a:t>
+            </a:r>
+            <a:r>
+              <a:rPr lang="es-PE" dirty="0" err="1">
+                <a:solidFill>
+                  <a:srgbClr val="FFC000"/>
+                </a:solidFill>
+              </a:rPr>
+              <a:t>Destination</a:t>
+            </a:r>
+            <a:r>
+              <a:rPr lang="es-PE" dirty="0">
+                <a:solidFill>
+                  <a:srgbClr val="FFC000"/>
+                </a:solidFill>
+              </a:rPr>
+              <a:t> C:\temp\text</a:t>
+            </a:r>
+          </a:p>
+          <a:p>
+            <a:r>
+              <a:rPr lang="en-US" dirty="0" err="1"/>
+              <a:t>Creando</a:t>
+            </a:r>
+            <a:r>
+              <a:rPr lang="en-US" dirty="0"/>
+              <a:t> </a:t>
+            </a:r>
+            <a:r>
+              <a:rPr lang="en-US" dirty="0" err="1"/>
+              <a:t>directorios</a:t>
+            </a:r>
+            <a:endParaRPr lang="en-US" dirty="0"/>
           </a:p>
           <a:p>
             <a:pPr marL="0" indent="0">
@@ -17292,74 +17933,71 @@
                   <a:srgbClr val="FFC000"/>
                 </a:solidFill>
               </a:rPr>
-              <a:t>"Hola, </a:t>
-            </a:r>
-            <a:r>
-              <a:rPr lang="en-US" dirty="0" err="1">
-                <a:solidFill>
-                  <a:srgbClr val="FFC000"/>
-                </a:solidFill>
-              </a:rPr>
-              <a:t>mundo</a:t>
-            </a:r>
-            <a:r>
-              <a:rPr lang="en-US" dirty="0">
-                <a:solidFill>
-                  <a:srgbClr val="FFC000"/>
-                </a:solidFill>
-              </a:rPr>
-              <a:t>!" | Out-File -Path .\output.txt</a:t>
-            </a:r>
-          </a:p>
-          <a:p>
-            <a:r>
-              <a:rPr lang="es-ES" dirty="0"/>
-              <a:t>Usando </a:t>
-            </a:r>
-            <a:r>
-              <a:rPr lang="es-ES" dirty="0" err="1"/>
-              <a:t>Add</a:t>
-            </a:r>
-            <a:r>
-              <a:rPr lang="es-ES" dirty="0"/>
-              <a:t>-Content</a:t>
-            </a:r>
-          </a:p>
-          <a:p>
-            <a:pPr marL="0" indent="0">
-              <a:buNone/>
-            </a:pPr>
-            <a:r>
-              <a:rPr lang="es-PE" dirty="0">
-                <a:solidFill>
-                  <a:srgbClr val="FFC000"/>
-                </a:solidFill>
-              </a:rPr>
-              <a:t>"¡Adiós, mundo!" | </a:t>
-            </a:r>
-            <a:r>
-              <a:rPr lang="es-PE" dirty="0" err="1">
-                <a:solidFill>
-                  <a:srgbClr val="FFC000"/>
-                </a:solidFill>
-              </a:rPr>
-              <a:t>Add</a:t>
-            </a:r>
-            <a:r>
-              <a:rPr lang="es-PE" dirty="0">
-                <a:solidFill>
-                  <a:srgbClr val="FFC000"/>
-                </a:solidFill>
-              </a:rPr>
-              <a:t>-Content -Path .\output.txt</a:t>
-            </a:r>
+              <a:t>New-Item -Path 'C:\temp\New Folder' -ItemType Directory</a:t>
+            </a:r>
+          </a:p>
+          <a:p>
+            <a:r>
+              <a:rPr lang="en-US" dirty="0" err="1"/>
+              <a:t>Borrando</a:t>
+            </a:r>
+            <a:r>
+              <a:rPr lang="en-US" dirty="0"/>
+              <a:t> </a:t>
+            </a:r>
+            <a:r>
+              <a:rPr lang="en-US" dirty="0" err="1"/>
+              <a:t>directorios</a:t>
+            </a:r>
+            <a:endParaRPr lang="en-US" dirty="0"/>
+          </a:p>
+          <a:p>
+            <a:pPr marL="0" indent="0">
+              <a:buNone/>
+            </a:pPr>
+            <a:r>
+              <a:rPr lang="pt-BR" dirty="0">
+                <a:solidFill>
+                  <a:srgbClr val="FFC000"/>
+                </a:solidFill>
+              </a:rPr>
+              <a:t>Remove-Item -Path C:\temp\tempo</a:t>
+            </a:r>
+          </a:p>
+          <a:p>
+            <a:pPr marL="0" indent="0">
+              <a:buNone/>
+            </a:pPr>
+            <a:r>
+              <a:rPr lang="pt-BR" dirty="0">
+                <a:solidFill>
+                  <a:srgbClr val="FFC000"/>
+                </a:solidFill>
+              </a:rPr>
+              <a:t>Remove-Item -Path C:\temp\tempo -Recurse</a:t>
+            </a:r>
+            <a:endParaRPr lang="en-US" dirty="0">
+              <a:solidFill>
+                <a:srgbClr val="FFC000"/>
+              </a:solidFill>
+            </a:endParaRPr>
+          </a:p>
+          <a:p>
+            <a:pPr marL="0" indent="0">
+              <a:buNone/>
+            </a:pPr>
+            <a:endParaRPr lang="es-PE" dirty="0">
+              <a:solidFill>
+                <a:srgbClr val="FFC000"/>
+              </a:solidFill>
+            </a:endParaRPr>
           </a:p>
         </p:txBody>
       </p:sp>
     </p:spTree>
     <p:extLst>
       <p:ext uri="{BB962C8B-B14F-4D97-AF65-F5344CB8AC3E}">
-        <p14:creationId xmlns:p14="http://schemas.microsoft.com/office/powerpoint/2010/main" val="2589566189"/>
+        <p14:creationId xmlns:p14="http://schemas.microsoft.com/office/powerpoint/2010/main" val="1937508229"/>
       </p:ext>
     </p:extLst>
   </p:cSld>
@@ -17391,7 +18029,7 @@
           <p:cNvPr id="2" name="Título 1">
             <a:extLst>
               <a:ext uri="{FF2B5EF4-FFF2-40B4-BE49-F238E27FC236}">
-                <a16:creationId xmlns:a16="http://schemas.microsoft.com/office/drawing/2014/main" id="{9436915A-CCA4-6B69-01FA-C331CA6B4808}"/>
+                <a16:creationId xmlns:a16="http://schemas.microsoft.com/office/drawing/2014/main" id="{9B5454B0-2540-2519-2BE3-14442167B8BC}"/>
               </a:ext>
             </a:extLst>
           </p:cNvPr>
@@ -17409,7 +18047,7 @@
           <a:p>
             <a:r>
               <a:rPr lang="es-ES" dirty="0"/>
-              <a:t>Búsquedas</a:t>
+              <a:t>Manejo de Archivos y Directorios</a:t>
             </a:r>
             <a:endParaRPr lang="es-PE" dirty="0"/>
           </a:p>
@@ -17420,7 +18058,7 @@
           <p:cNvPr id="3" name="Marcador de contenido 2">
             <a:extLst>
               <a:ext uri="{FF2B5EF4-FFF2-40B4-BE49-F238E27FC236}">
-                <a16:creationId xmlns:a16="http://schemas.microsoft.com/office/drawing/2014/main" id="{86F27BAA-6042-DAC1-813F-11527227B9CE}"/>
+                <a16:creationId xmlns:a16="http://schemas.microsoft.com/office/drawing/2014/main" id="{5F7703BF-A9AF-6744-45A3-EA9B68642CBA}"/>
               </a:ext>
             </a:extLst>
           </p:cNvPr>
@@ -17438,28 +18076,20 @@
           <a:p>
             <a:r>
               <a:rPr lang="es-ES" dirty="0"/>
-              <a:t>Retorna los elementos de un directorio</a:t>
-            </a:r>
-          </a:p>
-          <a:p>
-            <a:pPr marL="0" indent="0">
-              <a:buNone/>
-            </a:pPr>
-            <a:r>
-              <a:rPr lang="es-PE" dirty="0" err="1">
-                <a:solidFill>
-                  <a:srgbClr val="FFC000"/>
-                </a:solidFill>
-              </a:rPr>
-              <a:t>Get-ChildItem</a:t>
-            </a:r>
-            <a:r>
-              <a:rPr lang="es-PE" dirty="0">
-                <a:solidFill>
-                  <a:srgbClr val="FFC000"/>
-                </a:solidFill>
-              </a:rPr>
-              <a:t> .</a:t>
+              <a:t>Creación de Archivos</a:t>
+            </a:r>
+          </a:p>
+          <a:p>
+            <a:pPr marL="0" indent="0">
+              <a:buNone/>
+            </a:pPr>
+            <a:r>
+              <a:rPr lang="en-US" dirty="0">
+                <a:solidFill>
+                  <a:srgbClr val="FFC000"/>
+                </a:solidFill>
+              </a:rPr>
+              <a:t>New-Item -ItemType File -Path .\nuevoarchivo.txt</a:t>
             </a:r>
             <a:endParaRPr lang="es-ES" dirty="0">
               <a:solidFill>
@@ -17472,33 +18102,72 @@
               <a:buNone/>
             </a:pPr>
             <a:r>
-              <a:rPr lang="es-PE" dirty="0" err="1">
-                <a:solidFill>
-                  <a:srgbClr val="FFC000"/>
-                </a:solidFill>
-              </a:rPr>
-              <a:t>Get-ChildItem</a:t>
-            </a:r>
-            <a:r>
-              <a:rPr lang="es-PE" dirty="0">
-                <a:solidFill>
-                  <a:srgbClr val="FFC000"/>
-                </a:solidFill>
-              </a:rPr>
-              <a:t> -Recurse . </a:t>
-            </a:r>
-          </a:p>
-          <a:p>
-            <a:pPr marL="0" indent="0">
-              <a:buNone/>
-            </a:pPr>
-            <a:r>
               <a:rPr lang="en-US" dirty="0">
                 <a:solidFill>
                   <a:srgbClr val="FFC000"/>
                 </a:solidFill>
               </a:rPr>
-              <a:t>Search-Path -Path C:\ -Pattern "*.txt"</a:t>
+              <a:t>"Hola, </a:t>
+            </a:r>
+            <a:r>
+              <a:rPr lang="en-US" dirty="0" err="1">
+                <a:solidFill>
+                  <a:srgbClr val="FFC000"/>
+                </a:solidFill>
+              </a:rPr>
+              <a:t>mundo</a:t>
+            </a:r>
+            <a:r>
+              <a:rPr lang="en-US" dirty="0">
+                <a:solidFill>
+                  <a:srgbClr val="FFC000"/>
+                </a:solidFill>
+              </a:rPr>
+              <a:t>!" | Out-File -</a:t>
+            </a:r>
+            <a:r>
+              <a:rPr lang="en-US" dirty="0" err="1">
+                <a:solidFill>
+                  <a:srgbClr val="FFC000"/>
+                </a:solidFill>
+              </a:rPr>
+              <a:t>FilePath</a:t>
+            </a:r>
+            <a:r>
+              <a:rPr lang="en-US" dirty="0">
+                <a:solidFill>
+                  <a:srgbClr val="FFC000"/>
+                </a:solidFill>
+              </a:rPr>
+              <a:t> .\archivotexto.txt</a:t>
+            </a:r>
+          </a:p>
+          <a:p>
+            <a:r>
+              <a:rPr lang="en-US" dirty="0" err="1"/>
+              <a:t>Creando</a:t>
+            </a:r>
+            <a:r>
+              <a:rPr lang="en-US" dirty="0"/>
+              <a:t> un archive </a:t>
+            </a:r>
+            <a:r>
+              <a:rPr lang="en-US" dirty="0" err="1"/>
+              <a:t>vacio</a:t>
+            </a:r>
+            <a:endParaRPr lang="en-US" dirty="0"/>
+          </a:p>
+          <a:p>
+            <a:pPr marL="0" indent="0">
+              <a:buNone/>
+            </a:pPr>
+            <a:r>
+              <a:rPr lang="en-US" dirty="0">
+                <a:solidFill>
+                  <a:srgbClr val="FFC000"/>
+                </a:solidFill>
+              </a:rPr>
+              <a:t>New-Item -Path 'C:\temp\New Folder\file.txt' -ItemType File</a:t>
             </a:r>
             <a:endParaRPr lang="es-PE" dirty="0">
               <a:solidFill>
@@ -17511,7 +18180,7 @@
     </p:spTree>
     <p:extLst>
       <p:ext uri="{BB962C8B-B14F-4D97-AF65-F5344CB8AC3E}">
-        <p14:creationId xmlns:p14="http://schemas.microsoft.com/office/powerpoint/2010/main" val="4251544711"/>
+        <p14:creationId xmlns:p14="http://schemas.microsoft.com/office/powerpoint/2010/main" val="3855833691"/>
       </p:ext>
     </p:extLst>
   </p:cSld>
@@ -17543,7 +18212,7 @@
           <p:cNvPr id="2" name="Título 1">
             <a:extLst>
               <a:ext uri="{FF2B5EF4-FFF2-40B4-BE49-F238E27FC236}">
-                <a16:creationId xmlns:a16="http://schemas.microsoft.com/office/drawing/2014/main" id="{571B943B-A23A-F730-6A63-06BD008ACFEB}"/>
+                <a16:creationId xmlns:a16="http://schemas.microsoft.com/office/drawing/2014/main" id="{A12FB951-8456-D5D3-489F-5CE7D2BD428E}"/>
               </a:ext>
             </a:extLst>
           </p:cNvPr>
@@ -17561,7 +18230,7 @@
           <a:p>
             <a:r>
               <a:rPr lang="es-ES" dirty="0"/>
-              <a:t>SSH Server/Client</a:t>
+              <a:t>Modificación y eliminación de archivos y directorios</a:t>
             </a:r>
             <a:endParaRPr lang="es-PE" dirty="0"/>
           </a:p>
@@ -17572,7 +18241,7 @@
           <p:cNvPr id="3" name="Marcador de contenido 2">
             <a:extLst>
               <a:ext uri="{FF2B5EF4-FFF2-40B4-BE49-F238E27FC236}">
-                <a16:creationId xmlns:a16="http://schemas.microsoft.com/office/drawing/2014/main" id="{51B07D83-919E-040B-15D1-3D45656E5077}"/>
+                <a16:creationId xmlns:a16="http://schemas.microsoft.com/office/drawing/2014/main" id="{F40F6B39-DF86-0C9F-C86B-E86703540D73}"/>
               </a:ext>
             </a:extLst>
           </p:cNvPr>
@@ -17589,58 +18258,48 @@
           <a:lstStyle/>
           <a:p>
             <a:r>
-              <a:rPr lang="es-ES" dirty="0"/>
-              <a:t>Instalación de </a:t>
-            </a:r>
-            <a:r>
-              <a:rPr lang="es-ES" dirty="0" err="1"/>
-              <a:t>ssh</a:t>
-            </a:r>
-            <a:r>
-              <a:rPr lang="es-ES" dirty="0"/>
-              <a:t> Server</a:t>
-            </a:r>
-          </a:p>
-          <a:p>
-            <a:pPr marL="0" indent="0">
-              <a:buNone/>
-            </a:pPr>
-            <a:r>
-              <a:rPr lang="es-ES" dirty="0"/>
-              <a:t> </a:t>
-            </a:r>
-            <a:r>
-              <a:rPr lang="es-ES" sz="1800" dirty="0">
-                <a:solidFill>
-                  <a:srgbClr val="006400"/>
-                </a:solidFill>
-                <a:latin typeface="Lucida Console" panose="020B0609040504020204" pitchFamily="49" charset="0"/>
-              </a:rPr>
-              <a:t># Verificar si el </a:t>
-            </a:r>
-            <a:r>
-              <a:rPr lang="es-ES" sz="1800" dirty="0" err="1">
-                <a:solidFill>
-                  <a:srgbClr val="006400"/>
-                </a:solidFill>
-                <a:latin typeface="Lucida Console" panose="020B0609040504020204" pitchFamily="49" charset="0"/>
-              </a:rPr>
-              <a:t>ssh</a:t>
-            </a:r>
-            <a:r>
-              <a:rPr lang="es-ES" sz="1800" dirty="0">
-                <a:solidFill>
-                  <a:srgbClr val="006400"/>
-                </a:solidFill>
-                <a:latin typeface="Lucida Console" panose="020B0609040504020204" pitchFamily="49" charset="0"/>
-              </a:rPr>
-              <a:t> cliente y server esta instalado</a:t>
-            </a:r>
-            <a:endParaRPr lang="es-ES" sz="1800" dirty="0">
+              <a:rPr lang="es-PE" dirty="0"/>
+              <a:t>Agrega contenido al archivo</a:t>
+            </a:r>
+          </a:p>
+          <a:p>
+            <a:pPr marL="0" indent="0">
+              <a:buNone/>
+            </a:pPr>
+            <a:r>
+              <a:rPr lang="es-PE" dirty="0">
+                <a:solidFill>
+                  <a:srgbClr val="FFC000"/>
+                </a:solidFill>
+              </a:rPr>
+              <a:t>"Adiós, mundo!" | </a:t>
+            </a:r>
+            <a:r>
+              <a:rPr lang="es-PE" dirty="0" err="1">
+                <a:solidFill>
+                  <a:srgbClr val="FFC000"/>
+                </a:solidFill>
+              </a:rPr>
+              <a:t>Add</a:t>
+            </a:r>
+            <a:r>
+              <a:rPr lang="es-PE" dirty="0">
+                <a:solidFill>
+                  <a:srgbClr val="FFC000"/>
+                </a:solidFill>
+              </a:rPr>
+              <a:t>-Content -Path .\archivotexto.txt</a:t>
+            </a:r>
+          </a:p>
+          <a:p>
+            <a:r>
+              <a:rPr lang="es-PE" dirty="0"/>
+              <a:t>Elimina el archivo</a:t>
+            </a:r>
+            <a:endParaRPr lang="es-PE" dirty="0">
               <a:solidFill>
-                <a:prstClr val="black"/>
+                <a:srgbClr val="FFC000"/>
               </a:solidFill>
-              <a:latin typeface="Lucida Console" panose="020B0609040504020204" pitchFamily="49" charset="0"/>
             </a:endParaRPr>
           </a:p>
           <a:p>
@@ -17648,129 +18307,63 @@
               <a:buNone/>
             </a:pPr>
             <a:r>
-              <a:rPr lang="en-US" sz="1800" dirty="0">
-                <a:solidFill>
-                  <a:srgbClr val="FFC000"/>
-                </a:solidFill>
-                <a:latin typeface="Lucida Console" panose="020B0609040504020204" pitchFamily="49" charset="0"/>
-              </a:rPr>
-              <a:t>Get-</a:t>
-            </a:r>
-            <a:r>
-              <a:rPr lang="en-US" sz="1800" dirty="0" err="1">
-                <a:solidFill>
-                  <a:srgbClr val="FFC000"/>
-                </a:solidFill>
-                <a:latin typeface="Lucida Console" panose="020B0609040504020204" pitchFamily="49" charset="0"/>
-              </a:rPr>
-              <a:t>WindowsCapability</a:t>
-            </a:r>
-            <a:r>
-              <a:rPr lang="en-US" sz="1800" dirty="0">
-                <a:solidFill>
-                  <a:srgbClr val="FFC000"/>
-                </a:solidFill>
-                <a:latin typeface="Lucida Console" panose="020B0609040504020204" pitchFamily="49" charset="0"/>
-              </a:rPr>
-              <a:t> -Online | Where-Object Name -like 'OpenSSH*'</a:t>
-            </a:r>
-          </a:p>
-          <a:p>
-            <a:endParaRPr lang="es-PE" sz="1800" dirty="0">
-              <a:solidFill>
-                <a:prstClr val="black"/>
-              </a:solidFill>
-              <a:latin typeface="Lucida Console" panose="020B0609040504020204" pitchFamily="49" charset="0"/>
-            </a:endParaRPr>
-          </a:p>
-          <a:p>
-            <a:pPr marL="0" indent="0">
-              <a:buNone/>
-            </a:pPr>
-            <a:r>
-              <a:rPr lang="es-PE" sz="1800" dirty="0">
-                <a:solidFill>
-                  <a:srgbClr val="006400"/>
-                </a:solidFill>
-                <a:latin typeface="Lucida Console" panose="020B0609040504020204" pitchFamily="49" charset="0"/>
-              </a:rPr>
-              <a:t># Instalando el servidor </a:t>
-            </a:r>
-            <a:r>
-              <a:rPr lang="es-PE" sz="1800" dirty="0" err="1">
-                <a:solidFill>
-                  <a:srgbClr val="006400"/>
-                </a:solidFill>
-                <a:latin typeface="Lucida Console" panose="020B0609040504020204" pitchFamily="49" charset="0"/>
-              </a:rPr>
-              <a:t>ssh</a:t>
-            </a:r>
-            <a:endParaRPr lang="es-PE" sz="1800" dirty="0">
-              <a:solidFill>
-                <a:prstClr val="black"/>
-              </a:solidFill>
-              <a:latin typeface="Lucida Console" panose="020B0609040504020204" pitchFamily="49" charset="0"/>
-            </a:endParaRPr>
-          </a:p>
-          <a:p>
-            <a:pPr marL="0" indent="0">
-              <a:buNone/>
-            </a:pPr>
-            <a:r>
-              <a:rPr lang="en-US" sz="1800" dirty="0">
-                <a:solidFill>
-                  <a:srgbClr val="FFC000"/>
-                </a:solidFill>
-                <a:latin typeface="Lucida Console" panose="020B0609040504020204" pitchFamily="49" charset="0"/>
-              </a:rPr>
-              <a:t>Add-</a:t>
-            </a:r>
-            <a:r>
-              <a:rPr lang="en-US" sz="1800" dirty="0" err="1">
-                <a:solidFill>
-                  <a:srgbClr val="FFC000"/>
-                </a:solidFill>
-                <a:latin typeface="Lucida Console" panose="020B0609040504020204" pitchFamily="49" charset="0"/>
-              </a:rPr>
-              <a:t>WindowsCapability</a:t>
-            </a:r>
-            <a:r>
-              <a:rPr lang="en-US" sz="1800" dirty="0">
-                <a:solidFill>
-                  <a:srgbClr val="FFC000"/>
-                </a:solidFill>
-                <a:latin typeface="Lucida Console" panose="020B0609040504020204" pitchFamily="49" charset="0"/>
-              </a:rPr>
-              <a:t> -Online -Name </a:t>
-            </a:r>
-            <a:r>
-              <a:rPr lang="en-US" sz="1800" dirty="0" err="1">
-                <a:solidFill>
-                  <a:srgbClr val="FFC000"/>
-                </a:solidFill>
-                <a:latin typeface="Lucida Console" panose="020B0609040504020204" pitchFamily="49" charset="0"/>
-              </a:rPr>
-              <a:t>OpenSSH.Server</a:t>
-            </a:r>
-            <a:r>
-              <a:rPr lang="en-US" sz="1800" dirty="0">
-                <a:solidFill>
-                  <a:srgbClr val="FFC000"/>
-                </a:solidFill>
-                <a:latin typeface="Lucida Console" panose="020B0609040504020204" pitchFamily="49" charset="0"/>
-              </a:rPr>
-              <a:t>~~~~0.0.1.0</a:t>
-            </a:r>
-          </a:p>
-          <a:p>
-            <a:r>
-              <a:rPr lang="es-PE" sz="1800" dirty="0">
-                <a:solidFill>
-                  <a:prstClr val="black"/>
-                </a:solidFill>
-                <a:latin typeface="Lucida Console" panose="020B0609040504020204" pitchFamily="49" charset="0"/>
-              </a:rPr>
-              <a:t> </a:t>
+              <a:rPr lang="es-PE" dirty="0" err="1">
+                <a:solidFill>
+                  <a:srgbClr val="FFC000"/>
+                </a:solidFill>
+              </a:rPr>
+              <a:t>Remove-Item</a:t>
+            </a:r>
+            <a:r>
+              <a:rPr lang="es-PE" dirty="0">
+                <a:solidFill>
+                  <a:srgbClr val="FFC000"/>
+                </a:solidFill>
+              </a:rPr>
+              <a:t> -Path .\nuevoarchivo.txt</a:t>
+            </a:r>
+          </a:p>
+          <a:p>
+            <a:r>
+              <a:rPr lang="es-PE" dirty="0"/>
+              <a:t>Elimina la carpeta y su contenido</a:t>
+            </a:r>
+          </a:p>
+          <a:p>
+            <a:pPr marL="0" indent="0">
+              <a:buNone/>
+            </a:pPr>
+            <a:r>
+              <a:rPr lang="es-PE" dirty="0" err="1">
+                <a:solidFill>
+                  <a:srgbClr val="FFC000"/>
+                </a:solidFill>
+              </a:rPr>
+              <a:t>Remove-Item</a:t>
+            </a:r>
+            <a:r>
+              <a:rPr lang="es-PE" dirty="0">
+                <a:solidFill>
+                  <a:srgbClr val="FFC000"/>
+                </a:solidFill>
+              </a:rPr>
+              <a:t> -Path .\</a:t>
+            </a:r>
+            <a:r>
+              <a:rPr lang="es-PE" dirty="0" err="1">
+                <a:solidFill>
+                  <a:srgbClr val="FFC000"/>
+                </a:solidFill>
+              </a:rPr>
+              <a:t>nuevocarpeta</a:t>
+            </a:r>
+            <a:r>
+              <a:rPr lang="es-PE" dirty="0">
+                <a:solidFill>
+                  <a:srgbClr val="FFC000"/>
+                </a:solidFill>
+              </a:rPr>
+              <a:t> –Recurse</a:t>
             </a:r>
           </a:p>
           <a:p>
@@ -17781,7 +18374,7 @@
     </p:spTree>
     <p:extLst>
       <p:ext uri="{BB962C8B-B14F-4D97-AF65-F5344CB8AC3E}">
-        <p14:creationId xmlns:p14="http://schemas.microsoft.com/office/powerpoint/2010/main" val="3798395136"/>
+        <p14:creationId xmlns:p14="http://schemas.microsoft.com/office/powerpoint/2010/main" val="1487949010"/>
       </p:ext>
     </p:extLst>
   </p:cSld>
@@ -17813,7 +18406,7 @@
           <p:cNvPr id="2" name="Título 1">
             <a:extLst>
               <a:ext uri="{FF2B5EF4-FFF2-40B4-BE49-F238E27FC236}">
-                <a16:creationId xmlns:a16="http://schemas.microsoft.com/office/drawing/2014/main" id="{5F44DBFC-1171-8852-0034-405B5081B560}"/>
+                <a16:creationId xmlns:a16="http://schemas.microsoft.com/office/drawing/2014/main" id="{6CC750A6-8CF8-5FDA-5BEB-158884F8DF71}"/>
               </a:ext>
             </a:extLst>
           </p:cNvPr>
@@ -17831,7 +18424,7 @@
           <a:p>
             <a:r>
               <a:rPr lang="es-ES" dirty="0"/>
-              <a:t>…</a:t>
+              <a:t>Copia de archivos y directorios</a:t>
             </a:r>
             <a:endParaRPr lang="es-PE" dirty="0"/>
           </a:p>
@@ -17842,7 +18435,7 @@
           <p:cNvPr id="3" name="Marcador de contenido 2">
             <a:extLst>
               <a:ext uri="{FF2B5EF4-FFF2-40B4-BE49-F238E27FC236}">
-                <a16:creationId xmlns:a16="http://schemas.microsoft.com/office/drawing/2014/main" id="{7CBF618C-B62C-EE4F-BD5E-70C2789DA03A}"/>
+                <a16:creationId xmlns:a16="http://schemas.microsoft.com/office/drawing/2014/main" id="{607340CE-84AB-09C0-9E06-7B2ADC449208}"/>
               </a:ext>
             </a:extLst>
           </p:cNvPr>
@@ -17855,170 +18448,267 @@
         </p:nvSpPr>
         <p:spPr/>
         <p:txBody>
-          <a:bodyPr/>
+          <a:bodyPr>
+            <a:normAutofit fontScale="92500" lnSpcReduction="10000"/>
+          </a:bodyPr>
           <a:lstStyle/>
           <a:p>
             <a:r>
               <a:rPr lang="es-ES" dirty="0"/>
-              <a:t>Iniciar el </a:t>
-            </a:r>
-            <a:r>
-              <a:rPr lang="es-ES" dirty="0" err="1"/>
-              <a:t>ssh</a:t>
-            </a:r>
-            <a:r>
-              <a:rPr lang="es-ES" dirty="0"/>
-              <a:t> Server</a:t>
-            </a:r>
-          </a:p>
-          <a:p>
-            <a:pPr marL="0" indent="0">
-              <a:buNone/>
-            </a:pPr>
-            <a:r>
-              <a:rPr lang="es-ES" dirty="0"/>
-              <a:t> </a:t>
-            </a:r>
-            <a:r>
-              <a:rPr lang="es-ES" sz="1800" dirty="0">
-                <a:solidFill>
-                  <a:srgbClr val="006400"/>
-                </a:solidFill>
-                <a:latin typeface="Lucida Console" panose="020B0609040504020204" pitchFamily="49" charset="0"/>
-              </a:rPr>
-              <a:t># Iniciar el servicio </a:t>
-            </a:r>
-            <a:r>
-              <a:rPr lang="es-ES" sz="1800" dirty="0" err="1">
-                <a:solidFill>
-                  <a:srgbClr val="006400"/>
-                </a:solidFill>
-                <a:latin typeface="Lucida Console" panose="020B0609040504020204" pitchFamily="49" charset="0"/>
-              </a:rPr>
-              <a:t>sshd</a:t>
-            </a:r>
-            <a:r>
-              <a:rPr lang="es-ES" sz="1800" dirty="0">
-                <a:solidFill>
-                  <a:srgbClr val="006400"/>
-                </a:solidFill>
-                <a:latin typeface="Lucida Console" panose="020B0609040504020204" pitchFamily="49" charset="0"/>
-              </a:rPr>
-              <a:t> </a:t>
-            </a:r>
-            <a:r>
-              <a:rPr lang="es-ES" sz="1800" dirty="0" err="1">
-                <a:solidFill>
-                  <a:srgbClr val="006400"/>
-                </a:solidFill>
-                <a:latin typeface="Lucida Console" panose="020B0609040504020204" pitchFamily="49" charset="0"/>
-              </a:rPr>
-              <a:t>service</a:t>
-            </a:r>
-            <a:endParaRPr lang="es-ES" sz="1800" dirty="0">
-              <a:solidFill>
-                <a:prstClr val="black"/>
-              </a:solidFill>
-              <a:latin typeface="Lucida Console" panose="020B0609040504020204" pitchFamily="49" charset="0"/>
-            </a:endParaRPr>
-          </a:p>
-          <a:p>
-            <a:pPr marL="0" indent="0">
-              <a:buNone/>
-            </a:pPr>
-            <a:r>
-              <a:rPr lang="es-PE" sz="1800" dirty="0" err="1">
-                <a:solidFill>
-                  <a:srgbClr val="FFC000"/>
-                </a:solidFill>
-                <a:latin typeface="Lucida Console" panose="020B0609040504020204" pitchFamily="49" charset="0"/>
-              </a:rPr>
-              <a:t>Start</a:t>
-            </a:r>
-            <a:r>
-              <a:rPr lang="es-PE" sz="1800" dirty="0">
-                <a:solidFill>
-                  <a:srgbClr val="FFC000"/>
-                </a:solidFill>
-                <a:latin typeface="Lucida Console" panose="020B0609040504020204" pitchFamily="49" charset="0"/>
-              </a:rPr>
-              <a:t>-Service </a:t>
-            </a:r>
-            <a:r>
-              <a:rPr lang="es-PE" sz="1800" dirty="0" err="1">
-                <a:solidFill>
-                  <a:srgbClr val="FFC000"/>
-                </a:solidFill>
-                <a:latin typeface="Lucida Console" panose="020B0609040504020204" pitchFamily="49" charset="0"/>
-              </a:rPr>
-              <a:t>sshd</a:t>
-            </a:r>
-            <a:endParaRPr lang="es-PE" sz="1800" dirty="0">
+              <a:t>Copia de archivos</a:t>
+            </a:r>
+          </a:p>
+          <a:p>
+            <a:pPr marL="0" indent="0">
+              <a:buNone/>
+            </a:pPr>
+            <a:r>
+              <a:rPr lang="es-PE" dirty="0" err="1">
+                <a:solidFill>
+                  <a:srgbClr val="FFC000"/>
+                </a:solidFill>
+              </a:rPr>
+              <a:t>Copy-Item</a:t>
+            </a:r>
+            <a:r>
+              <a:rPr lang="es-PE" dirty="0">
+                <a:solidFill>
+                  <a:srgbClr val="FFC000"/>
+                </a:solidFill>
+              </a:rPr>
+              <a:t> -Path .\archivotexto.txt -</a:t>
+            </a:r>
+            <a:r>
+              <a:rPr lang="es-PE" dirty="0" err="1">
+                <a:solidFill>
+                  <a:srgbClr val="FFC000"/>
+                </a:solidFill>
+              </a:rPr>
+              <a:t>Destination</a:t>
+            </a:r>
+            <a:r>
+              <a:rPr lang="es-PE" dirty="0">
+                <a:solidFill>
+                  <a:srgbClr val="FFC000"/>
+                </a:solidFill>
+              </a:rPr>
+              <a:t> .\archivotextocopia.txt</a:t>
+            </a:r>
+            <a:endParaRPr lang="es-ES" dirty="0">
               <a:solidFill>
                 <a:srgbClr val="FFC000"/>
               </a:solidFill>
-              <a:latin typeface="Lucida Console" panose="020B0609040504020204" pitchFamily="49" charset="0"/>
             </a:endParaRPr>
           </a:p>
           <a:p>
-            <a:pPr marL="0" indent="0">
-              <a:buNone/>
-            </a:pPr>
-            <a:r>
-              <a:rPr lang="en-US" sz="1800" dirty="0">
-                <a:solidFill>
-                  <a:srgbClr val="FFC000"/>
-                </a:solidFill>
-                <a:latin typeface="Lucida Console" panose="020B0609040504020204" pitchFamily="49" charset="0"/>
-              </a:rPr>
-              <a:t>Set-Service -Name </a:t>
-            </a:r>
-            <a:r>
-              <a:rPr lang="en-US" sz="1800" dirty="0" err="1">
-                <a:solidFill>
-                  <a:srgbClr val="FFC000"/>
-                </a:solidFill>
-                <a:latin typeface="Lucida Console" panose="020B0609040504020204" pitchFamily="49" charset="0"/>
-              </a:rPr>
-              <a:t>sshd</a:t>
-            </a:r>
-            <a:r>
-              <a:rPr lang="en-US" sz="1800" dirty="0">
-                <a:solidFill>
-                  <a:srgbClr val="FFC000"/>
-                </a:solidFill>
-                <a:latin typeface="Lucida Console" panose="020B0609040504020204" pitchFamily="49" charset="0"/>
+            <a:r>
+              <a:rPr lang="es-ES" dirty="0"/>
+              <a:t>Mover un archivo</a:t>
+            </a:r>
+          </a:p>
+          <a:p>
+            <a:pPr marL="0" indent="0">
+              <a:buNone/>
+            </a:pPr>
+            <a:r>
+              <a:rPr lang="es-PE" dirty="0" err="1">
+                <a:solidFill>
+                  <a:srgbClr val="FFC000"/>
+                </a:solidFill>
+              </a:rPr>
+              <a:t>Move-Item</a:t>
+            </a:r>
+            <a:r>
+              <a:rPr lang="es-PE" dirty="0">
+                <a:solidFill>
+                  <a:srgbClr val="FFC000"/>
+                </a:solidFill>
+              </a:rPr>
+              <a:t> -Path .\archivotextocopia.txt -</a:t>
+            </a:r>
+            <a:r>
+              <a:rPr lang="es-PE" dirty="0" err="1">
+                <a:solidFill>
+                  <a:srgbClr val="FFC000"/>
+                </a:solidFill>
+              </a:rPr>
+              <a:t>Destination</a:t>
+            </a:r>
+            <a:r>
+              <a:rPr lang="es-PE" dirty="0">
+                <a:solidFill>
+                  <a:srgbClr val="FFC000"/>
+                </a:solidFill>
+              </a:rPr>
+              <a:t> .\archivotextomovido.txt</a:t>
+            </a:r>
+            <a:endParaRPr lang="es-ES" dirty="0">
+              <a:solidFill>
+                <a:srgbClr val="FFC000"/>
+              </a:solidFill>
+            </a:endParaRPr>
+          </a:p>
+          <a:p>
+            <a:r>
+              <a:rPr lang="es-ES" dirty="0"/>
+              <a:t>Copiar el directorio con el contenido</a:t>
+            </a:r>
+          </a:p>
+          <a:p>
+            <a:pPr marL="0" indent="0">
+              <a:buNone/>
+            </a:pPr>
+            <a:r>
+              <a:rPr lang="es-ES" dirty="0" err="1">
+                <a:solidFill>
+                  <a:srgbClr val="FFC000"/>
+                </a:solidFill>
+              </a:rPr>
+              <a:t>Copy-Item</a:t>
+            </a:r>
+            <a:r>
+              <a:rPr lang="es-ES" dirty="0">
+                <a:solidFill>
+                  <a:srgbClr val="FFC000"/>
+                </a:solidFill>
+              </a:rPr>
+              <a:t> -Path .\</a:t>
+            </a:r>
+            <a:r>
+              <a:rPr lang="es-ES" dirty="0" err="1">
+                <a:solidFill>
+                  <a:srgbClr val="FFC000"/>
+                </a:solidFill>
+              </a:rPr>
+              <a:t>nuevocarpeta</a:t>
+            </a:r>
+            <a:r>
+              <a:rPr lang="es-ES" dirty="0">
+                <a:solidFill>
+                  <a:srgbClr val="FFC000"/>
+                </a:solidFill>
               </a:rPr>
               <a:t> -</a:t>
             </a:r>
             <a:r>
-              <a:rPr lang="en-US" sz="1800" dirty="0" err="1">
-                <a:solidFill>
-                  <a:srgbClr val="FFC000"/>
-                </a:solidFill>
-                <a:latin typeface="Lucida Console" panose="020B0609040504020204" pitchFamily="49" charset="0"/>
-              </a:rPr>
-              <a:t>StartupType</a:t>
-            </a:r>
-            <a:r>
-              <a:rPr lang="en-US" sz="1800" dirty="0">
-                <a:solidFill>
-                  <a:srgbClr val="FFC000"/>
-                </a:solidFill>
-                <a:latin typeface="Lucida Console" panose="020B0609040504020204" pitchFamily="49" charset="0"/>
-              </a:rPr>
-              <a:t> 'Automatic' </a:t>
-            </a:r>
-          </a:p>
-          <a:p>
-            <a:endParaRPr lang="es-PE" dirty="0"/>
+              <a:rPr lang="es-ES" dirty="0" err="1">
+                <a:solidFill>
+                  <a:srgbClr val="FFC000"/>
+                </a:solidFill>
+              </a:rPr>
+              <a:t>Destination</a:t>
+            </a:r>
+            <a:r>
+              <a:rPr lang="es-ES" dirty="0">
+                <a:solidFill>
+                  <a:srgbClr val="FFC000"/>
+                </a:solidFill>
+              </a:rPr>
+              <a:t> .\</a:t>
+            </a:r>
+            <a:r>
+              <a:rPr lang="es-ES" dirty="0" err="1">
+                <a:solidFill>
+                  <a:srgbClr val="FFC000"/>
+                </a:solidFill>
+              </a:rPr>
+              <a:t>nuevocarpetacopia</a:t>
+            </a:r>
+            <a:r>
+              <a:rPr lang="es-ES" dirty="0">
+                <a:solidFill>
+                  <a:srgbClr val="FFC000"/>
+                </a:solidFill>
+              </a:rPr>
+              <a:t> –Recurse</a:t>
+            </a:r>
+          </a:p>
+          <a:p>
+            <a:r>
+              <a:rPr lang="es-ES" dirty="0"/>
+              <a:t>Mover el directorio y su contenido</a:t>
+            </a:r>
+          </a:p>
+          <a:p>
+            <a:pPr marL="0" indent="0">
+              <a:buNone/>
+            </a:pPr>
+            <a:r>
+              <a:rPr lang="es-ES" dirty="0" err="1">
+                <a:solidFill>
+                  <a:srgbClr val="FFC000"/>
+                </a:solidFill>
+              </a:rPr>
+              <a:t>Move-Item</a:t>
+            </a:r>
+            <a:r>
+              <a:rPr lang="es-ES" dirty="0">
+                <a:solidFill>
+                  <a:srgbClr val="FFC000"/>
+                </a:solidFill>
+              </a:rPr>
+              <a:t> -Path .\</a:t>
+            </a:r>
+            <a:r>
+              <a:rPr lang="es-ES" dirty="0" err="1">
+                <a:solidFill>
+                  <a:srgbClr val="FFC000"/>
+                </a:solidFill>
+              </a:rPr>
+              <a:t>nuevocarpetacopia</a:t>
+            </a:r>
+            <a:r>
+              <a:rPr lang="es-ES" dirty="0">
+                <a:solidFill>
+                  <a:srgbClr val="FFC000"/>
+                </a:solidFill>
+              </a:rPr>
+              <a:t> -</a:t>
+            </a:r>
+            <a:r>
+              <a:rPr lang="es-ES" dirty="0" err="1">
+                <a:solidFill>
+                  <a:srgbClr val="FFC000"/>
+                </a:solidFill>
+              </a:rPr>
+              <a:t>Destination</a:t>
+            </a:r>
+            <a:r>
+              <a:rPr lang="es-ES" dirty="0">
+                <a:solidFill>
+                  <a:srgbClr val="FFC000"/>
+                </a:solidFill>
+              </a:rPr>
+              <a:t> .\</a:t>
+            </a:r>
+            <a:r>
+              <a:rPr lang="es-ES" dirty="0" err="1">
+                <a:solidFill>
+                  <a:srgbClr val="FFC000"/>
+                </a:solidFill>
+              </a:rPr>
+              <a:t>nuevocarpetamovida</a:t>
+            </a:r>
+            <a:r>
+              <a:rPr lang="es-ES" dirty="0">
+                <a:solidFill>
+                  <a:srgbClr val="FFC000"/>
+                </a:solidFill>
+              </a:rPr>
+              <a:t> -Recurse</a:t>
+            </a:r>
+            <a:endParaRPr lang="es-PE" dirty="0">
+              <a:solidFill>
+                <a:srgbClr val="FFC000"/>
+              </a:solidFill>
+            </a:endParaRPr>
           </a:p>
         </p:txBody>
       </p:sp>
     </p:spTree>
     <p:extLst>
       <p:ext uri="{BB962C8B-B14F-4D97-AF65-F5344CB8AC3E}">
-        <p14:creationId xmlns:p14="http://schemas.microsoft.com/office/powerpoint/2010/main" val="1462469436"/>
+        <p14:creationId xmlns:p14="http://schemas.microsoft.com/office/powerpoint/2010/main" val="3224176555"/>
       </p:ext>
     </p:extLst>
   </p:cSld>
@@ -18050,7 +18740,7 @@
           <p:cNvPr id="2" name="Título 1">
             <a:extLst>
               <a:ext uri="{FF2B5EF4-FFF2-40B4-BE49-F238E27FC236}">
-                <a16:creationId xmlns:a16="http://schemas.microsoft.com/office/drawing/2014/main" id="{66D9B01A-31D4-E378-4498-73B7BF8022AF}"/>
+                <a16:creationId xmlns:a16="http://schemas.microsoft.com/office/drawing/2014/main" id="{BE9C61DA-3F67-3D80-325E-E5C7B634B7CE}"/>
               </a:ext>
             </a:extLst>
           </p:cNvPr>
@@ -18067,561 +18757,110 @@
           <a:lstStyle/>
           <a:p>
             <a:r>
+              <a:rPr lang="es-ES" dirty="0"/>
+              <a:t>Lectura de Archivos</a:t>
+            </a:r>
+            <a:endParaRPr lang="es-PE" dirty="0"/>
+          </a:p>
+        </p:txBody>
+      </p:sp>
+      <p:sp>
+        <p:nvSpPr>
+          <p:cNvPr id="3" name="Marcador de contenido 2">
+            <a:extLst>
+              <a:ext uri="{FF2B5EF4-FFF2-40B4-BE49-F238E27FC236}">
+                <a16:creationId xmlns:a16="http://schemas.microsoft.com/office/drawing/2014/main" id="{A532BDAB-0E5F-7063-9D3C-68DFB0EA418D}"/>
+              </a:ext>
+            </a:extLst>
+          </p:cNvPr>
+          <p:cNvSpPr>
+            <a:spLocks noGrp="1"/>
+          </p:cNvSpPr>
+          <p:nvPr>
+            <p:ph idx="1"/>
+          </p:nvPr>
+        </p:nvSpPr>
+        <p:spPr/>
+        <p:txBody>
+          <a:bodyPr/>
+          <a:lstStyle/>
+          <a:p>
+            <a:r>
+              <a:rPr lang="es-ES" dirty="0"/>
+              <a:t>Usa </a:t>
+            </a:r>
+            <a:r>
               <a:rPr lang="es-ES" dirty="0" err="1"/>
-              <a:t>ssh</a:t>
+              <a:t>Get</a:t>
             </a:r>
             <a:r>
               <a:rPr lang="es-ES" dirty="0"/>
-              <a:t> y El Firewall</a:t>
-            </a:r>
-            <a:endParaRPr lang="es-PE" dirty="0"/>
-          </a:p>
-        </p:txBody>
-      </p:sp>
-      <p:sp>
-        <p:nvSpPr>
-          <p:cNvPr id="3" name="Marcador de contenido 2">
-            <a:extLst>
-              <a:ext uri="{FF2B5EF4-FFF2-40B4-BE49-F238E27FC236}">
-                <a16:creationId xmlns:a16="http://schemas.microsoft.com/office/drawing/2014/main" id="{340D5088-8F19-CFB8-E0B6-95C350FD7F14}"/>
-              </a:ext>
-            </a:extLst>
-          </p:cNvPr>
-          <p:cNvSpPr>
-            <a:spLocks noGrp="1"/>
-          </p:cNvSpPr>
-          <p:nvPr>
-            <p:ph idx="1"/>
-          </p:nvPr>
-        </p:nvSpPr>
-        <p:spPr>
-          <a:xfrm>
-            <a:off x="838200" y="1825625"/>
-            <a:ext cx="11068050" cy="4351338"/>
-          </a:xfrm>
-        </p:spPr>
-        <p:txBody>
-          <a:bodyPr>
-            <a:normAutofit fontScale="92500" lnSpcReduction="10000"/>
-          </a:bodyPr>
-          <a:lstStyle/>
-          <a:p>
-            <a:r>
-              <a:rPr lang="es-ES" dirty="0"/>
-              <a:t>Creando la regla en el Firewall para permitir conexiones </a:t>
-            </a:r>
-            <a:r>
-              <a:rPr lang="es-ES" dirty="0" err="1"/>
-              <a:t>ssh</a:t>
-            </a:r>
-            <a:endParaRPr lang="es-ES" dirty="0"/>
-          </a:p>
-          <a:p>
-            <a:pPr marL="0" indent="0">
-              <a:buNone/>
-            </a:pPr>
-            <a:r>
-              <a:rPr lang="es-ES" dirty="0"/>
-              <a:t> </a:t>
-            </a:r>
-            <a:r>
-              <a:rPr lang="es-ES" sz="1800" dirty="0">
-                <a:solidFill>
-                  <a:srgbClr val="006400"/>
-                </a:solidFill>
-                <a:latin typeface="Lucida Console" panose="020B0609040504020204" pitchFamily="49" charset="0"/>
-              </a:rPr>
-              <a:t>#  Confirmar que se ha creado la regla en el firewall.</a:t>
-            </a:r>
-            <a:endParaRPr lang="es-ES" sz="1800" dirty="0">
+              <a:t>-Content</a:t>
+            </a:r>
+          </a:p>
+          <a:p>
+            <a:pPr marL="0" indent="0">
+              <a:buNone/>
+            </a:pPr>
+            <a:r>
+              <a:rPr lang="en-US" dirty="0">
+                <a:solidFill>
+                  <a:srgbClr val="FFC000"/>
+                </a:solidFill>
+              </a:rPr>
+              <a:t>$content = Get-Content -Path .\example.txt</a:t>
+            </a:r>
+          </a:p>
+          <a:p>
+            <a:pPr marL="0" indent="0">
+              <a:buNone/>
+            </a:pPr>
+            <a:r>
+              <a:rPr lang="en-US" dirty="0">
+                <a:solidFill>
+                  <a:srgbClr val="FFC000"/>
+                </a:solidFill>
+              </a:rPr>
+              <a:t>foreach ($line in $content) {</a:t>
+            </a:r>
+          </a:p>
+          <a:p>
+            <a:pPr marL="0" indent="0">
+              <a:buNone/>
+            </a:pPr>
+            <a:r>
+              <a:rPr lang="en-US" dirty="0">
+                <a:solidFill>
+                  <a:srgbClr val="FFC000"/>
+                </a:solidFill>
+              </a:rPr>
+              <a:t>    Write-Output $line</a:t>
+            </a:r>
+          </a:p>
+          <a:p>
+            <a:pPr marL="0" indent="0">
+              <a:buNone/>
+            </a:pPr>
+            <a:r>
+              <a:rPr lang="en-US" dirty="0">
+                <a:solidFill>
+                  <a:srgbClr val="FFC000"/>
+                </a:solidFill>
+              </a:rPr>
+              <a:t>}</a:t>
+            </a:r>
+            <a:endParaRPr lang="es-PE" dirty="0">
               <a:solidFill>
-                <a:prstClr val="black"/>
+                <a:srgbClr val="FFC000"/>
               </a:solidFill>
-              <a:latin typeface="Lucida Console" panose="020B0609040504020204" pitchFamily="49" charset="0"/>
             </a:endParaRPr>
-          </a:p>
-          <a:p>
-            <a:pPr marL="0" indent="0">
-              <a:buNone/>
-            </a:pPr>
-            <a:r>
-              <a:rPr lang="en-US" sz="1800" dirty="0">
-                <a:solidFill>
-                  <a:srgbClr val="FFC000"/>
-                </a:solidFill>
-                <a:latin typeface="Lucida Console" panose="020B0609040504020204" pitchFamily="49" charset="0"/>
-              </a:rPr>
-              <a:t>if (!(Get-</a:t>
-            </a:r>
-            <a:r>
-              <a:rPr lang="en-US" sz="1800" dirty="0" err="1">
-                <a:solidFill>
-                  <a:srgbClr val="FFC000"/>
-                </a:solidFill>
-                <a:latin typeface="Lucida Console" panose="020B0609040504020204" pitchFamily="49" charset="0"/>
-              </a:rPr>
-              <a:t>NetFirewallRule</a:t>
-            </a:r>
-            <a:r>
-              <a:rPr lang="en-US" sz="1800" dirty="0">
-                <a:solidFill>
-                  <a:srgbClr val="FFC000"/>
-                </a:solidFill>
-                <a:latin typeface="Lucida Console" panose="020B0609040504020204" pitchFamily="49" charset="0"/>
-              </a:rPr>
-              <a:t> -Name "OpenSSH-Server-In-TCP" -</a:t>
-            </a:r>
-            <a:r>
-              <a:rPr lang="en-US" sz="1800" dirty="0" err="1">
-                <a:solidFill>
-                  <a:srgbClr val="FFC000"/>
-                </a:solidFill>
-                <a:latin typeface="Lucida Console" panose="020B0609040504020204" pitchFamily="49" charset="0"/>
-              </a:rPr>
-              <a:t>ErrorAction</a:t>
-            </a:r>
-            <a:r>
-              <a:rPr lang="en-US" sz="1800" dirty="0">
-                <a:solidFill>
-                  <a:srgbClr val="FFC000"/>
-                </a:solidFill>
-                <a:latin typeface="Lucida Console" panose="020B0609040504020204" pitchFamily="49" charset="0"/>
-              </a:rPr>
-              <a:t> </a:t>
-            </a:r>
-            <a:r>
-              <a:rPr lang="en-US" sz="1800" dirty="0" err="1">
-                <a:solidFill>
-                  <a:srgbClr val="FFC000"/>
-                </a:solidFill>
-                <a:latin typeface="Lucida Console" panose="020B0609040504020204" pitchFamily="49" charset="0"/>
-              </a:rPr>
-              <a:t>SilentlyContinue</a:t>
-            </a:r>
-            <a:r>
-              <a:rPr lang="en-US" sz="1800" dirty="0">
-                <a:solidFill>
-                  <a:srgbClr val="FFC000"/>
-                </a:solidFill>
-                <a:latin typeface="Lucida Console" panose="020B0609040504020204" pitchFamily="49" charset="0"/>
-              </a:rPr>
-              <a:t> | Select-Object Name, Enabled)) {</a:t>
-            </a:r>
-          </a:p>
-          <a:p>
-            <a:pPr marL="0" indent="0">
-              <a:buNone/>
-            </a:pPr>
-            <a:r>
-              <a:rPr lang="es-ES" sz="1800" dirty="0">
-                <a:solidFill>
-                  <a:srgbClr val="FFC000"/>
-                </a:solidFill>
-                <a:latin typeface="Lucida Console" panose="020B0609040504020204" pitchFamily="49" charset="0"/>
-              </a:rPr>
-              <a:t>    Write-Output "La regla en el Firewall  '</a:t>
-            </a:r>
-            <a:r>
-              <a:rPr lang="es-ES" sz="1800" dirty="0" err="1">
-                <a:solidFill>
-                  <a:srgbClr val="FFC000"/>
-                </a:solidFill>
-                <a:latin typeface="Lucida Console" panose="020B0609040504020204" pitchFamily="49" charset="0"/>
-              </a:rPr>
-              <a:t>OpenSSH</a:t>
-            </a:r>
-            <a:r>
-              <a:rPr lang="es-ES" sz="1800" dirty="0">
-                <a:solidFill>
-                  <a:srgbClr val="FFC000"/>
-                </a:solidFill>
-                <a:latin typeface="Lucida Console" panose="020B0609040504020204" pitchFamily="49" charset="0"/>
-              </a:rPr>
-              <a:t>-Server-In-TCP' no existe, </a:t>
-            </a:r>
-            <a:r>
-              <a:rPr lang="es-ES" sz="1800" dirty="0" err="1">
-                <a:solidFill>
-                  <a:srgbClr val="FFC000"/>
-                </a:solidFill>
-                <a:latin typeface="Lucida Console" panose="020B0609040504020204" pitchFamily="49" charset="0"/>
-              </a:rPr>
-              <a:t>creandola</a:t>
-            </a:r>
-            <a:r>
-              <a:rPr lang="es-ES" sz="1800" dirty="0">
-                <a:solidFill>
-                  <a:srgbClr val="FFC000"/>
-                </a:solidFill>
-                <a:latin typeface="Lucida Console" panose="020B0609040504020204" pitchFamily="49" charset="0"/>
-              </a:rPr>
-              <a:t>..."</a:t>
-            </a:r>
-          </a:p>
-          <a:p>
-            <a:pPr marL="0" indent="0">
-              <a:buNone/>
-            </a:pPr>
-            <a:r>
-              <a:rPr lang="es-PE" sz="1800" dirty="0">
-                <a:solidFill>
-                  <a:srgbClr val="FFC000"/>
-                </a:solidFill>
-                <a:latin typeface="Lucida Console" panose="020B0609040504020204" pitchFamily="49" charset="0"/>
-              </a:rPr>
-              <a:t>    New-</a:t>
-            </a:r>
-            <a:r>
-              <a:rPr lang="es-PE" sz="1800" dirty="0" err="1">
-                <a:solidFill>
-                  <a:srgbClr val="FFC000"/>
-                </a:solidFill>
-                <a:latin typeface="Lucida Console" panose="020B0609040504020204" pitchFamily="49" charset="0"/>
-              </a:rPr>
-              <a:t>NetFirewallRule</a:t>
-            </a:r>
-            <a:r>
-              <a:rPr lang="es-PE" sz="1800" dirty="0">
-                <a:solidFill>
-                  <a:srgbClr val="FFC000"/>
-                </a:solidFill>
-                <a:latin typeface="Lucida Console" panose="020B0609040504020204" pitchFamily="49" charset="0"/>
-              </a:rPr>
-              <a:t> -</a:t>
-            </a:r>
-            <a:r>
-              <a:rPr lang="es-PE" sz="1800" dirty="0" err="1">
-                <a:solidFill>
-                  <a:srgbClr val="FFC000"/>
-                </a:solidFill>
-                <a:latin typeface="Lucida Console" panose="020B0609040504020204" pitchFamily="49" charset="0"/>
-              </a:rPr>
-              <a:t>Name</a:t>
-            </a:r>
-            <a:r>
-              <a:rPr lang="es-PE" sz="1800" dirty="0">
-                <a:solidFill>
-                  <a:srgbClr val="FFC000"/>
-                </a:solidFill>
-                <a:latin typeface="Lucida Console" panose="020B0609040504020204" pitchFamily="49" charset="0"/>
-              </a:rPr>
-              <a:t> '</a:t>
-            </a:r>
-            <a:r>
-              <a:rPr lang="es-PE" sz="1800" dirty="0" err="1">
-                <a:solidFill>
-                  <a:srgbClr val="FFC000"/>
-                </a:solidFill>
-                <a:latin typeface="Lucida Console" panose="020B0609040504020204" pitchFamily="49" charset="0"/>
-              </a:rPr>
-              <a:t>OpenSSH</a:t>
-            </a:r>
-            <a:r>
-              <a:rPr lang="es-PE" sz="1800" dirty="0">
-                <a:solidFill>
-                  <a:srgbClr val="FFC000"/>
-                </a:solidFill>
-                <a:latin typeface="Lucida Console" panose="020B0609040504020204" pitchFamily="49" charset="0"/>
-              </a:rPr>
-              <a:t>-Server-In-TCP' -</a:t>
-            </a:r>
-            <a:r>
-              <a:rPr lang="es-PE" sz="1800" dirty="0" err="1">
-                <a:solidFill>
-                  <a:srgbClr val="FFC000"/>
-                </a:solidFill>
-                <a:latin typeface="Lucida Console" panose="020B0609040504020204" pitchFamily="49" charset="0"/>
-              </a:rPr>
-              <a:t>DisplayName</a:t>
-            </a:r>
-            <a:r>
-              <a:rPr lang="es-PE" sz="1800" dirty="0">
-                <a:solidFill>
-                  <a:srgbClr val="FFC000"/>
-                </a:solidFill>
-                <a:latin typeface="Lucida Console" panose="020B0609040504020204" pitchFamily="49" charset="0"/>
-              </a:rPr>
-              <a:t> '</a:t>
-            </a:r>
-            <a:r>
-              <a:rPr lang="es-PE" sz="1800" dirty="0" err="1">
-                <a:solidFill>
-                  <a:srgbClr val="FFC000"/>
-                </a:solidFill>
-                <a:latin typeface="Lucida Console" panose="020B0609040504020204" pitchFamily="49" charset="0"/>
-              </a:rPr>
-              <a:t>OpenSSH</a:t>
-            </a:r>
-            <a:r>
-              <a:rPr lang="es-PE" sz="1800" dirty="0">
-                <a:solidFill>
-                  <a:srgbClr val="FFC000"/>
-                </a:solidFill>
-                <a:latin typeface="Lucida Console" panose="020B0609040504020204" pitchFamily="49" charset="0"/>
-              </a:rPr>
-              <a:t> Server (</a:t>
-            </a:r>
-            <a:r>
-              <a:rPr lang="es-PE" sz="1800" dirty="0" err="1">
-                <a:solidFill>
-                  <a:srgbClr val="FFC000"/>
-                </a:solidFill>
-                <a:latin typeface="Lucida Console" panose="020B0609040504020204" pitchFamily="49" charset="0"/>
-              </a:rPr>
-              <a:t>sshd</a:t>
-            </a:r>
-            <a:r>
-              <a:rPr lang="es-PE" sz="1800" dirty="0">
-                <a:solidFill>
-                  <a:srgbClr val="FFC000"/>
-                </a:solidFill>
-                <a:latin typeface="Lucida Console" panose="020B0609040504020204" pitchFamily="49" charset="0"/>
-              </a:rPr>
-              <a:t>)' -</a:t>
-            </a:r>
-            <a:r>
-              <a:rPr lang="es-PE" sz="1800" dirty="0" err="1">
-                <a:solidFill>
-                  <a:srgbClr val="FFC000"/>
-                </a:solidFill>
-                <a:latin typeface="Lucida Console" panose="020B0609040504020204" pitchFamily="49" charset="0"/>
-              </a:rPr>
-              <a:t>Enabled</a:t>
-            </a:r>
-            <a:r>
-              <a:rPr lang="es-PE" sz="1800" dirty="0">
-                <a:solidFill>
-                  <a:srgbClr val="FFC000"/>
-                </a:solidFill>
-                <a:latin typeface="Lucida Console" panose="020B0609040504020204" pitchFamily="49" charset="0"/>
-              </a:rPr>
-              <a:t> True -</a:t>
-            </a:r>
-            <a:r>
-              <a:rPr lang="es-PE" sz="1800" dirty="0" err="1">
-                <a:solidFill>
-                  <a:srgbClr val="FFC000"/>
-                </a:solidFill>
-                <a:latin typeface="Lucida Console" panose="020B0609040504020204" pitchFamily="49" charset="0"/>
-              </a:rPr>
-              <a:t>Direction</a:t>
-            </a:r>
-            <a:r>
-              <a:rPr lang="es-PE" sz="1800" dirty="0">
-                <a:solidFill>
-                  <a:srgbClr val="FFC000"/>
-                </a:solidFill>
-                <a:latin typeface="Lucida Console" panose="020B0609040504020204" pitchFamily="49" charset="0"/>
-              </a:rPr>
-              <a:t> </a:t>
-            </a:r>
-            <a:r>
-              <a:rPr lang="es-PE" sz="1800" dirty="0" err="1">
-                <a:solidFill>
-                  <a:srgbClr val="FFC000"/>
-                </a:solidFill>
-                <a:latin typeface="Lucida Console" panose="020B0609040504020204" pitchFamily="49" charset="0"/>
-              </a:rPr>
-              <a:t>Inbound</a:t>
-            </a:r>
-            <a:r>
-              <a:rPr lang="es-PE" sz="1800" dirty="0">
-                <a:solidFill>
-                  <a:srgbClr val="FFC000"/>
-                </a:solidFill>
-                <a:latin typeface="Lucida Console" panose="020B0609040504020204" pitchFamily="49" charset="0"/>
-              </a:rPr>
-              <a:t> -</a:t>
-            </a:r>
-            <a:r>
-              <a:rPr lang="es-PE" sz="1800" dirty="0" err="1">
-                <a:solidFill>
-                  <a:srgbClr val="FFC000"/>
-                </a:solidFill>
-                <a:latin typeface="Lucida Console" panose="020B0609040504020204" pitchFamily="49" charset="0"/>
-              </a:rPr>
-              <a:t>Protocol</a:t>
-            </a:r>
-            <a:r>
-              <a:rPr lang="es-PE" sz="1800" dirty="0">
-                <a:solidFill>
-                  <a:srgbClr val="FFC000"/>
-                </a:solidFill>
-                <a:latin typeface="Lucida Console" panose="020B0609040504020204" pitchFamily="49" charset="0"/>
-              </a:rPr>
-              <a:t> TCP -</a:t>
-            </a:r>
-            <a:r>
-              <a:rPr lang="es-PE" sz="1800" dirty="0" err="1">
-                <a:solidFill>
-                  <a:srgbClr val="FFC000"/>
-                </a:solidFill>
-                <a:latin typeface="Lucida Console" panose="020B0609040504020204" pitchFamily="49" charset="0"/>
-              </a:rPr>
-              <a:t>Action</a:t>
-            </a:r>
-            <a:r>
-              <a:rPr lang="es-PE" sz="1800" dirty="0">
-                <a:solidFill>
-                  <a:srgbClr val="FFC000"/>
-                </a:solidFill>
-                <a:latin typeface="Lucida Console" panose="020B0609040504020204" pitchFamily="49" charset="0"/>
-              </a:rPr>
-              <a:t> </a:t>
-            </a:r>
-            <a:r>
-              <a:rPr lang="es-PE" sz="1800" dirty="0" err="1">
-                <a:solidFill>
-                  <a:srgbClr val="FFC000"/>
-                </a:solidFill>
-                <a:latin typeface="Lucida Console" panose="020B0609040504020204" pitchFamily="49" charset="0"/>
-              </a:rPr>
-              <a:t>Allow</a:t>
-            </a:r>
-            <a:r>
-              <a:rPr lang="es-PE" sz="1800" dirty="0">
-                <a:solidFill>
-                  <a:srgbClr val="FFC000"/>
-                </a:solidFill>
-                <a:latin typeface="Lucida Console" panose="020B0609040504020204" pitchFamily="49" charset="0"/>
-              </a:rPr>
-              <a:t> -</a:t>
-            </a:r>
-            <a:r>
-              <a:rPr lang="es-PE" sz="1800" dirty="0" err="1">
-                <a:solidFill>
-                  <a:srgbClr val="FFC000"/>
-                </a:solidFill>
-                <a:latin typeface="Lucida Console" panose="020B0609040504020204" pitchFamily="49" charset="0"/>
-              </a:rPr>
-              <a:t>LocalPort</a:t>
-            </a:r>
-            <a:r>
-              <a:rPr lang="es-PE" sz="1800" dirty="0">
-                <a:solidFill>
-                  <a:srgbClr val="FFC000"/>
-                </a:solidFill>
-                <a:latin typeface="Lucida Console" panose="020B0609040504020204" pitchFamily="49" charset="0"/>
-              </a:rPr>
-              <a:t> 22</a:t>
-            </a:r>
-          </a:p>
-          <a:p>
-            <a:pPr marL="0" indent="0">
-              <a:buNone/>
-            </a:pPr>
-            <a:r>
-              <a:rPr lang="es-PE" sz="1800" dirty="0">
-                <a:solidFill>
-                  <a:srgbClr val="FFC000"/>
-                </a:solidFill>
-                <a:latin typeface="Lucida Console" panose="020B0609040504020204" pitchFamily="49" charset="0"/>
-              </a:rPr>
-              <a:t>} </a:t>
-            </a:r>
-            <a:r>
-              <a:rPr lang="es-PE" sz="1800" dirty="0" err="1">
-                <a:solidFill>
-                  <a:srgbClr val="FFC000"/>
-                </a:solidFill>
-                <a:latin typeface="Lucida Console" panose="020B0609040504020204" pitchFamily="49" charset="0"/>
-              </a:rPr>
-              <a:t>else</a:t>
-            </a:r>
-            <a:r>
-              <a:rPr lang="es-PE" sz="1800" dirty="0">
-                <a:solidFill>
-                  <a:srgbClr val="FFC000"/>
-                </a:solidFill>
-                <a:latin typeface="Lucida Console" panose="020B0609040504020204" pitchFamily="49" charset="0"/>
-              </a:rPr>
-              <a:t> {</a:t>
-            </a:r>
-          </a:p>
-          <a:p>
-            <a:pPr marL="0" indent="0">
-              <a:buNone/>
-            </a:pPr>
-            <a:r>
-              <a:rPr lang="es-ES" sz="1800" dirty="0">
-                <a:solidFill>
-                  <a:srgbClr val="FFC000"/>
-                </a:solidFill>
-                <a:latin typeface="Lucida Console" panose="020B0609040504020204" pitchFamily="49" charset="0"/>
-              </a:rPr>
-              <a:t>    Write-Output "La regla en el Firewall '</a:t>
-            </a:r>
-            <a:r>
-              <a:rPr lang="es-ES" sz="1800" dirty="0" err="1">
-                <a:solidFill>
-                  <a:srgbClr val="FFC000"/>
-                </a:solidFill>
-                <a:latin typeface="Lucida Console" panose="020B0609040504020204" pitchFamily="49" charset="0"/>
-              </a:rPr>
-              <a:t>OpenSSH</a:t>
-            </a:r>
-            <a:r>
-              <a:rPr lang="es-ES" sz="1800" dirty="0">
-                <a:solidFill>
-                  <a:srgbClr val="FFC000"/>
-                </a:solidFill>
-                <a:latin typeface="Lucida Console" panose="020B0609040504020204" pitchFamily="49" charset="0"/>
-              </a:rPr>
-              <a:t>-Server-In-TCP' ha sido creado con </a:t>
-            </a:r>
-            <a:r>
-              <a:rPr lang="es-ES" sz="1800" dirty="0" err="1">
-                <a:solidFill>
-                  <a:srgbClr val="FFC000"/>
-                </a:solidFill>
-                <a:latin typeface="Lucida Console" panose="020B0609040504020204" pitchFamily="49" charset="0"/>
-              </a:rPr>
-              <a:t>exito</a:t>
-            </a:r>
-            <a:r>
-              <a:rPr lang="es-ES" sz="1800" dirty="0">
-                <a:solidFill>
-                  <a:srgbClr val="FFC000"/>
-                </a:solidFill>
-                <a:latin typeface="Lucida Console" panose="020B0609040504020204" pitchFamily="49" charset="0"/>
-              </a:rPr>
-              <a:t>.“</a:t>
-            </a:r>
-          </a:p>
-          <a:p>
-            <a:pPr marL="0" indent="0">
-              <a:buNone/>
-            </a:pPr>
-            <a:r>
-              <a:rPr lang="es-ES" sz="1800" dirty="0">
-                <a:solidFill>
-                  <a:srgbClr val="FFC000"/>
-                </a:solidFill>
-                <a:latin typeface="Lucida Console" panose="020B0609040504020204" pitchFamily="49" charset="0"/>
-              </a:rPr>
-              <a:t>}</a:t>
-            </a:r>
-          </a:p>
-          <a:p>
-            <a:r>
-              <a:rPr lang="es-PE" sz="1800" dirty="0">
-                <a:solidFill>
-                  <a:prstClr val="black"/>
-                </a:solidFill>
-                <a:latin typeface="Lucida Console" panose="020B0609040504020204" pitchFamily="49" charset="0"/>
-              </a:rPr>
-              <a:t>} </a:t>
-            </a:r>
-          </a:p>
-          <a:p>
-            <a:endParaRPr lang="es-PE" dirty="0"/>
           </a:p>
         </p:txBody>
       </p:sp>
     </p:spTree>
     <p:extLst>
       <p:ext uri="{BB962C8B-B14F-4D97-AF65-F5344CB8AC3E}">
-        <p14:creationId xmlns:p14="http://schemas.microsoft.com/office/powerpoint/2010/main" val="1534895796"/>
+        <p14:creationId xmlns:p14="http://schemas.microsoft.com/office/powerpoint/2010/main" val="2752559396"/>
       </p:ext>
     </p:extLst>
   </p:cSld>
@@ -18653,7 +18892,7 @@
           <p:cNvPr id="2" name="Título 1">
             <a:extLst>
               <a:ext uri="{FF2B5EF4-FFF2-40B4-BE49-F238E27FC236}">
-                <a16:creationId xmlns:a16="http://schemas.microsoft.com/office/drawing/2014/main" id="{CEF48F00-E1F6-7AC6-DDC6-8216FF22ACB0}"/>
+                <a16:creationId xmlns:a16="http://schemas.microsoft.com/office/drawing/2014/main" id="{0D168E99-0635-E332-9537-21D3D4A434E5}"/>
               </a:ext>
             </a:extLst>
           </p:cNvPr>
@@ -18671,7 +18910,7 @@
           <a:p>
             <a:r>
               <a:rPr lang="es-ES" dirty="0"/>
-              <a:t>Iniciar y Detener el SSH Server</a:t>
+              <a:t>Contenido de Archivo y Array</a:t>
             </a:r>
             <a:endParaRPr lang="es-PE" dirty="0"/>
           </a:p>
@@ -18682,7 +18921,7 @@
           <p:cNvPr id="3" name="Marcador de contenido 2">
             <a:extLst>
               <a:ext uri="{FF2B5EF4-FFF2-40B4-BE49-F238E27FC236}">
-                <a16:creationId xmlns:a16="http://schemas.microsoft.com/office/drawing/2014/main" id="{7BE72B65-9B6D-077B-0D00-67E358BA64DA}"/>
+                <a16:creationId xmlns:a16="http://schemas.microsoft.com/office/drawing/2014/main" id="{853FC37C-BCE4-96DD-0B3C-A9E7EAAE4FCB}"/>
               </a:ext>
             </a:extLst>
           </p:cNvPr>
@@ -18698,33 +18937,54 @@
           <a:bodyPr/>
           <a:lstStyle/>
           <a:p>
-            <a:pPr marL="0" indent="0">
-              <a:buNone/>
-            </a:pPr>
-            <a:r>
-              <a:rPr lang="nl-NL" dirty="0">
-                <a:solidFill>
-                  <a:srgbClr val="92D050"/>
-                </a:solidFill>
-              </a:rPr>
-              <a:t>net stop sshd</a:t>
-            </a:r>
-          </a:p>
-          <a:p>
-            <a:pPr marL="0" indent="0">
-              <a:buNone/>
-            </a:pPr>
-            <a:r>
-              <a:rPr lang="nl-NL" dirty="0">
-                <a:solidFill>
-                  <a:srgbClr val="92D050"/>
-                </a:solidFill>
-              </a:rPr>
-              <a:t>net start sshd</a:t>
+            <a:r>
+              <a:rPr lang="en-US" dirty="0" err="1"/>
+              <a:t>Cargando</a:t>
+            </a:r>
+            <a:r>
+              <a:rPr lang="en-US" dirty="0"/>
+              <a:t> </a:t>
+            </a:r>
+            <a:r>
+              <a:rPr lang="en-US" dirty="0" err="1"/>
+              <a:t>el</a:t>
+            </a:r>
+            <a:r>
+              <a:rPr lang="en-US" dirty="0"/>
+              <a:t> </a:t>
+            </a:r>
+            <a:r>
+              <a:rPr lang="en-US" dirty="0" err="1"/>
+              <a:t>contenido</a:t>
+            </a:r>
+            <a:r>
+              <a:rPr lang="en-US" dirty="0"/>
+              <a:t> del archive </a:t>
+            </a:r>
+            <a:r>
+              <a:rPr lang="en-US" dirty="0" err="1"/>
+              <a:t>en</a:t>
+            </a:r>
+            <a:r>
+              <a:rPr lang="en-US" dirty="0"/>
+              <a:t> un array</a:t>
+            </a:r>
+          </a:p>
+          <a:p>
+            <a:pPr marL="0" indent="0">
+              <a:buNone/>
+            </a:pPr>
+            <a:r>
+              <a:rPr lang="en-US" dirty="0">
+                <a:solidFill>
+                  <a:srgbClr val="FFC000"/>
+                </a:solidFill>
+              </a:rPr>
+              <a:t>$Computers = Get-Content -Path C:\temp\DomainMembers.txt</a:t>
             </a:r>
             <a:endParaRPr lang="es-PE" dirty="0">
               <a:solidFill>
-                <a:srgbClr val="92D050"/>
+                <a:srgbClr val="FFC000"/>
               </a:solidFill>
             </a:endParaRPr>
           </a:p>
@@ -18733,7 +18993,7 @@
     </p:spTree>
     <p:extLst>
       <p:ext uri="{BB962C8B-B14F-4D97-AF65-F5344CB8AC3E}">
-        <p14:creationId xmlns:p14="http://schemas.microsoft.com/office/powerpoint/2010/main" val="1270098066"/>
+        <p14:creationId xmlns:p14="http://schemas.microsoft.com/office/powerpoint/2010/main" val="2855730680"/>
       </p:ext>
     </p:extLst>
   </p:cSld>
@@ -18765,7 +19025,7 @@
           <p:cNvPr id="2" name="Título 1">
             <a:extLst>
               <a:ext uri="{FF2B5EF4-FFF2-40B4-BE49-F238E27FC236}">
-                <a16:creationId xmlns:a16="http://schemas.microsoft.com/office/drawing/2014/main" id="{338C3AB0-446F-E225-8622-338DCD24451B}"/>
+                <a16:creationId xmlns:a16="http://schemas.microsoft.com/office/drawing/2014/main" id="{C6A47BE2-DC93-BDCC-F6CB-CB92F600BA01}"/>
               </a:ext>
             </a:extLst>
           </p:cNvPr>
@@ -18782,9 +19042,10 @@
           <a:lstStyle/>
           <a:p>
             <a:r>
-              <a:rPr lang="es-PE" dirty="0"/>
-              <a:t>Configurar el SSH Server</a:t>
-            </a:r>
+              <a:rPr lang="es-ES" dirty="0"/>
+              <a:t>Escritura de archivos</a:t>
+            </a:r>
+            <a:endParaRPr lang="es-PE" dirty="0"/>
           </a:p>
         </p:txBody>
       </p:sp>
@@ -18793,7 +19054,7 @@
           <p:cNvPr id="3" name="Marcador de contenido 2">
             <a:extLst>
               <a:ext uri="{FF2B5EF4-FFF2-40B4-BE49-F238E27FC236}">
-                <a16:creationId xmlns:a16="http://schemas.microsoft.com/office/drawing/2014/main" id="{3EC1722D-9417-031F-2805-F237235A24BA}"/>
+                <a16:creationId xmlns:a16="http://schemas.microsoft.com/office/drawing/2014/main" id="{58ABCE1E-078C-ADAA-E1BD-6F8DA22D26F0}"/>
               </a:ext>
             </a:extLst>
           </p:cNvPr>
@@ -18809,6 +19070,20 @@
           <a:bodyPr/>
           <a:lstStyle/>
           <a:p>
+            <a:r>
+              <a:rPr lang="es-ES" dirty="0"/>
+              <a:t>Usando </a:t>
+            </a:r>
+            <a:r>
+              <a:rPr lang="es-ES" dirty="0" err="1"/>
+              <a:t>Out</a:t>
+            </a:r>
+            <a:r>
+              <a:rPr lang="es-ES" dirty="0"/>
+              <a:t>-File</a:t>
+            </a:r>
+          </a:p>
+          <a:p>
             <a:pPr marL="0" indent="0">
               <a:buNone/>
             </a:pPr>
@@ -18818,74 +19093,793 @@
                   <a:srgbClr val="FFC000"/>
                 </a:solidFill>
               </a:rPr>
-              <a:t>start-process </a:t>
+              <a:t>"Hola, </a:t>
+            </a:r>
+            <a:r>
+              <a:rPr lang="en-US" dirty="0" err="1">
+                <a:solidFill>
+                  <a:srgbClr val="FFC000"/>
+                </a:solidFill>
+              </a:rPr>
+              <a:t>mundo</a:t>
             </a:r>
             <a:r>
               <a:rPr lang="en-US" dirty="0">
                 <a:solidFill>
-                  <a:srgbClr val="92D050"/>
-                </a:solidFill>
-              </a:rPr>
-              <a:t>notepad</a:t>
-            </a:r>
-            <a:r>
-              <a:rPr lang="en-US" dirty="0">
-                <a:solidFill>
-                  <a:srgbClr val="FFC000"/>
-                </a:solidFill>
-              </a:rPr>
-              <a:t> </a:t>
-            </a:r>
-            <a:r>
-              <a:rPr lang="en-US" dirty="0">
-                <a:solidFill>
-                  <a:srgbClr val="00B0F0"/>
-                </a:solidFill>
-              </a:rPr>
-              <a:t>C:\Programdata\ssh\sshd_config</a:t>
-            </a:r>
-          </a:p>
-          <a:p>
-            <a:pPr marL="0" indent="0">
-              <a:buNone/>
-            </a:pPr>
-            <a:endParaRPr lang="en-US" dirty="0">
-              <a:solidFill>
-                <a:srgbClr val="00B0F0"/>
-              </a:solidFill>
-            </a:endParaRPr>
-          </a:p>
-          <a:p>
-            <a:r>
-              <a:rPr lang="es-PE" dirty="0"/>
-              <a:t>Configurar el puerto y dirección</a:t>
-            </a:r>
-          </a:p>
-          <a:p>
-            <a:r>
-              <a:rPr lang="es-PE" dirty="0"/>
-              <a:t>Permitir  a los usuarios autenticarse con su clave o </a:t>
-            </a:r>
-            <a:r>
-              <a:rPr lang="es-PE" dirty="0" err="1"/>
-              <a:t>ssh</a:t>
-            </a:r>
-            <a:r>
-              <a:rPr lang="es-PE" dirty="0"/>
-              <a:t> </a:t>
-            </a:r>
-            <a:r>
-              <a:rPr lang="es-PE" dirty="0" err="1"/>
-              <a:t>key</a:t>
-            </a:r>
-            <a:endParaRPr lang="es-PE" dirty="0"/>
+                  <a:srgbClr val="FFC000"/>
+                </a:solidFill>
+              </a:rPr>
+              <a:t>!" | Out-File -Path .\output.txt</a:t>
+            </a:r>
+          </a:p>
+          <a:p>
+            <a:r>
+              <a:rPr lang="es-ES" dirty="0"/>
+              <a:t>Usando </a:t>
+            </a:r>
+            <a:r>
+              <a:rPr lang="es-ES" dirty="0" err="1"/>
+              <a:t>Add</a:t>
+            </a:r>
+            <a:r>
+              <a:rPr lang="es-ES" dirty="0"/>
+              <a:t>-Content</a:t>
+            </a:r>
+          </a:p>
+          <a:p>
+            <a:pPr marL="0" indent="0">
+              <a:buNone/>
+            </a:pPr>
+            <a:r>
+              <a:rPr lang="es-PE" dirty="0">
+                <a:solidFill>
+                  <a:srgbClr val="FFC000"/>
+                </a:solidFill>
+              </a:rPr>
+              <a:t>"¡Adiós, mundo!" | </a:t>
+            </a:r>
+            <a:r>
+              <a:rPr lang="es-PE" dirty="0" err="1">
+                <a:solidFill>
+                  <a:srgbClr val="FFC000"/>
+                </a:solidFill>
+              </a:rPr>
+              <a:t>Add</a:t>
+            </a:r>
+            <a:r>
+              <a:rPr lang="es-PE" dirty="0">
+                <a:solidFill>
+                  <a:srgbClr val="FFC000"/>
+                </a:solidFill>
+              </a:rPr>
+              <a:t>-Content -Path .\output.txt</a:t>
+            </a:r>
           </a:p>
         </p:txBody>
       </p:sp>
     </p:spTree>
     <p:extLst>
       <p:ext uri="{BB962C8B-B14F-4D97-AF65-F5344CB8AC3E}">
-        <p14:creationId xmlns:p14="http://schemas.microsoft.com/office/powerpoint/2010/main" val="919749649"/>
+        <p14:creationId xmlns:p14="http://schemas.microsoft.com/office/powerpoint/2010/main" val="2589566189"/>
+      </p:ext>
+    </p:extLst>
+  </p:cSld>
+  <p:clrMapOvr>
+    <a:masterClrMapping/>
+  </p:clrMapOvr>
+</p:sld>
+</file>
+
+<file path=ppt/slides/slide77.xml><?xml version="1.0" encoding="utf-8"?>
+<p:sld xmlns:a="http://schemas.openxmlformats.org/drawingml/2006/main" xmlns:r="http://schemas.openxmlformats.org/officeDocument/2006/relationships" xmlns:p="http://schemas.openxmlformats.org/presentationml/2006/main">
+  <p:cSld>
+    <p:spTree>
+      <p:nvGrpSpPr>
+        <p:cNvPr id="1" name=""/>
+        <p:cNvGrpSpPr/>
+        <p:nvPr/>
+      </p:nvGrpSpPr>
+      <p:grpSpPr>
+        <a:xfrm>
+          <a:off x="0" y="0"/>
+          <a:ext cx="0" cy="0"/>
+          <a:chOff x="0" y="0"/>
+          <a:chExt cx="0" cy="0"/>
+        </a:xfrm>
+      </p:grpSpPr>
+      <p:sp>
+        <p:nvSpPr>
+          <p:cNvPr id="2" name="Título 1">
+            <a:extLst>
+              <a:ext uri="{FF2B5EF4-FFF2-40B4-BE49-F238E27FC236}">
+                <a16:creationId xmlns:a16="http://schemas.microsoft.com/office/drawing/2014/main" id="{9436915A-CCA4-6B69-01FA-C331CA6B4808}"/>
+              </a:ext>
+            </a:extLst>
+          </p:cNvPr>
+          <p:cNvSpPr>
+            <a:spLocks noGrp="1"/>
+          </p:cNvSpPr>
+          <p:nvPr>
+            <p:ph type="title"/>
+          </p:nvPr>
+        </p:nvSpPr>
+        <p:spPr/>
+        <p:txBody>
+          <a:bodyPr/>
+          <a:lstStyle/>
+          <a:p>
+            <a:r>
+              <a:rPr lang="es-ES" dirty="0"/>
+              <a:t>Búsquedas</a:t>
+            </a:r>
+            <a:endParaRPr lang="es-PE" dirty="0"/>
+          </a:p>
+        </p:txBody>
+      </p:sp>
+      <p:sp>
+        <p:nvSpPr>
+          <p:cNvPr id="3" name="Marcador de contenido 2">
+            <a:extLst>
+              <a:ext uri="{FF2B5EF4-FFF2-40B4-BE49-F238E27FC236}">
+                <a16:creationId xmlns:a16="http://schemas.microsoft.com/office/drawing/2014/main" id="{86F27BAA-6042-DAC1-813F-11527227B9CE}"/>
+              </a:ext>
+            </a:extLst>
+          </p:cNvPr>
+          <p:cNvSpPr>
+            <a:spLocks noGrp="1"/>
+          </p:cNvSpPr>
+          <p:nvPr>
+            <p:ph idx="1"/>
+          </p:nvPr>
+        </p:nvSpPr>
+        <p:spPr/>
+        <p:txBody>
+          <a:bodyPr/>
+          <a:lstStyle/>
+          <a:p>
+            <a:r>
+              <a:rPr lang="es-ES" dirty="0"/>
+              <a:t>Retorna los elementos de un directorio</a:t>
+            </a:r>
+          </a:p>
+          <a:p>
+            <a:pPr marL="0" indent="0">
+              <a:buNone/>
+            </a:pPr>
+            <a:r>
+              <a:rPr lang="es-PE" dirty="0" err="1">
+                <a:solidFill>
+                  <a:srgbClr val="FFC000"/>
+                </a:solidFill>
+              </a:rPr>
+              <a:t>Get-ChildItem</a:t>
+            </a:r>
+            <a:r>
+              <a:rPr lang="es-PE" dirty="0">
+                <a:solidFill>
+                  <a:srgbClr val="FFC000"/>
+                </a:solidFill>
+              </a:rPr>
+              <a:t> .</a:t>
+            </a:r>
+            <a:endParaRPr lang="es-ES" dirty="0">
+              <a:solidFill>
+                <a:srgbClr val="FFC000"/>
+              </a:solidFill>
+            </a:endParaRPr>
+          </a:p>
+          <a:p>
+            <a:pPr marL="0" indent="0">
+              <a:buNone/>
+            </a:pPr>
+            <a:r>
+              <a:rPr lang="es-PE" dirty="0" err="1">
+                <a:solidFill>
+                  <a:srgbClr val="FFC000"/>
+                </a:solidFill>
+              </a:rPr>
+              <a:t>Get-ChildItem</a:t>
+            </a:r>
+            <a:r>
+              <a:rPr lang="es-PE" dirty="0">
+                <a:solidFill>
+                  <a:srgbClr val="FFC000"/>
+                </a:solidFill>
+              </a:rPr>
+              <a:t> -Recurse . </a:t>
+            </a:r>
+          </a:p>
+          <a:p>
+            <a:pPr marL="0" indent="0">
+              <a:buNone/>
+            </a:pPr>
+            <a:r>
+              <a:rPr lang="en-US" dirty="0">
+                <a:solidFill>
+                  <a:srgbClr val="FFC000"/>
+                </a:solidFill>
+              </a:rPr>
+              <a:t>Search-Path -Path C:\ -Pattern "*.txt“</a:t>
+            </a:r>
+          </a:p>
+          <a:p>
+            <a:r>
+              <a:rPr lang="en-US" dirty="0" err="1"/>
+              <a:t>Mostando</a:t>
+            </a:r>
+            <a:r>
+              <a:rPr lang="en-US" dirty="0"/>
+              <a:t> </a:t>
+            </a:r>
+            <a:r>
+              <a:rPr lang="en-US" dirty="0" err="1"/>
+              <a:t>los</a:t>
+            </a:r>
+            <a:r>
+              <a:rPr lang="en-US" dirty="0"/>
+              <a:t> </a:t>
+            </a:r>
+            <a:r>
+              <a:rPr lang="en-US" dirty="0" err="1"/>
+              <a:t>archivos</a:t>
+            </a:r>
+            <a:r>
+              <a:rPr lang="en-US" dirty="0"/>
+              <a:t> </a:t>
+            </a:r>
+            <a:r>
+              <a:rPr lang="en-US" dirty="0" err="1"/>
+              <a:t>ocultos</a:t>
+            </a:r>
+            <a:endParaRPr lang="en-US" dirty="0"/>
+          </a:p>
+          <a:p>
+            <a:pPr marL="0" indent="0">
+              <a:buNone/>
+            </a:pPr>
+            <a:r>
+              <a:rPr lang="en-US" dirty="0">
+                <a:solidFill>
+                  <a:srgbClr val="FFC000"/>
+                </a:solidFill>
+              </a:rPr>
+              <a:t>Get-</a:t>
+            </a:r>
+            <a:r>
+              <a:rPr lang="en-US" dirty="0" err="1">
+                <a:solidFill>
+                  <a:srgbClr val="FFC000"/>
+                </a:solidFill>
+              </a:rPr>
+              <a:t>ChildItem</a:t>
+            </a:r>
+            <a:r>
+              <a:rPr lang="en-US" dirty="0">
+                <a:solidFill>
+                  <a:srgbClr val="FFC000"/>
+                </a:solidFill>
+              </a:rPr>
+              <a:t> -Path C:\Windows -Force</a:t>
+            </a:r>
+            <a:endParaRPr lang="es-PE" dirty="0">
+              <a:solidFill>
+                <a:srgbClr val="FFC000"/>
+              </a:solidFill>
+            </a:endParaRPr>
+          </a:p>
+        </p:txBody>
+      </p:sp>
+    </p:spTree>
+    <p:extLst>
+      <p:ext uri="{BB962C8B-B14F-4D97-AF65-F5344CB8AC3E}">
+        <p14:creationId xmlns:p14="http://schemas.microsoft.com/office/powerpoint/2010/main" val="4251544711"/>
+      </p:ext>
+    </p:extLst>
+  </p:cSld>
+  <p:clrMapOvr>
+    <a:masterClrMapping/>
+  </p:clrMapOvr>
+</p:sld>
+</file>
+
+<file path=ppt/slides/slide78.xml><?xml version="1.0" encoding="utf-8"?>
+<p:sld xmlns:a="http://schemas.openxmlformats.org/drawingml/2006/main" xmlns:r="http://schemas.openxmlformats.org/officeDocument/2006/relationships" xmlns:p="http://schemas.openxmlformats.org/presentationml/2006/main">
+  <p:cSld>
+    <p:spTree>
+      <p:nvGrpSpPr>
+        <p:cNvPr id="1" name=""/>
+        <p:cNvGrpSpPr/>
+        <p:nvPr/>
+      </p:nvGrpSpPr>
+      <p:grpSpPr>
+        <a:xfrm>
+          <a:off x="0" y="0"/>
+          <a:ext cx="0" cy="0"/>
+          <a:chOff x="0" y="0"/>
+          <a:chExt cx="0" cy="0"/>
+        </a:xfrm>
+      </p:grpSpPr>
+      <p:sp>
+        <p:nvSpPr>
+          <p:cNvPr id="2" name="Título 1">
+            <a:extLst>
+              <a:ext uri="{FF2B5EF4-FFF2-40B4-BE49-F238E27FC236}">
+                <a16:creationId xmlns:a16="http://schemas.microsoft.com/office/drawing/2014/main" id="{414B2E0D-C326-B26E-C295-EE4166F21A49}"/>
+              </a:ext>
+            </a:extLst>
+          </p:cNvPr>
+          <p:cNvSpPr>
+            <a:spLocks noGrp="1"/>
+          </p:cNvSpPr>
+          <p:nvPr>
+            <p:ph type="title"/>
+          </p:nvPr>
+        </p:nvSpPr>
+        <p:spPr/>
+        <p:txBody>
+          <a:bodyPr/>
+          <a:lstStyle/>
+          <a:p>
+            <a:r>
+              <a:rPr lang="es-ES" dirty="0"/>
+              <a:t>Búsquedas con Wildcards</a:t>
+            </a:r>
+            <a:endParaRPr lang="es-PE" dirty="0"/>
+          </a:p>
+        </p:txBody>
+      </p:sp>
+      <p:sp>
+        <p:nvSpPr>
+          <p:cNvPr id="3" name="Marcador de contenido 2">
+            <a:extLst>
+              <a:ext uri="{FF2B5EF4-FFF2-40B4-BE49-F238E27FC236}">
+                <a16:creationId xmlns:a16="http://schemas.microsoft.com/office/drawing/2014/main" id="{85A5C093-41B2-C034-86A2-7D2BA5E9627F}"/>
+              </a:ext>
+            </a:extLst>
+          </p:cNvPr>
+          <p:cNvSpPr>
+            <a:spLocks noGrp="1"/>
+          </p:cNvSpPr>
+          <p:nvPr>
+            <p:ph idx="1"/>
+          </p:nvPr>
+        </p:nvSpPr>
+        <p:spPr>
+          <a:xfrm>
+            <a:off x="838200" y="1825625"/>
+            <a:ext cx="11353800" cy="4351338"/>
+          </a:xfrm>
+        </p:spPr>
+        <p:txBody>
+          <a:bodyPr/>
+          <a:lstStyle/>
+          <a:p>
+            <a:r>
+              <a:rPr lang="en-US" dirty="0">
+                <a:solidFill>
+                  <a:srgbClr val="FFC000"/>
+                </a:solidFill>
+              </a:rPr>
+              <a:t> Get-</a:t>
+            </a:r>
+            <a:r>
+              <a:rPr lang="en-US" dirty="0" err="1">
+                <a:solidFill>
+                  <a:srgbClr val="FFC000"/>
+                </a:solidFill>
+              </a:rPr>
+              <a:t>ChildItem</a:t>
+            </a:r>
+            <a:r>
+              <a:rPr lang="en-US" dirty="0">
+                <a:solidFill>
+                  <a:srgbClr val="FFC000"/>
+                </a:solidFill>
+              </a:rPr>
+              <a:t> -Path C:\Windows\?????.log</a:t>
+            </a:r>
+          </a:p>
+          <a:p>
+            <a:r>
+              <a:rPr lang="en-US" dirty="0">
+                <a:solidFill>
+                  <a:srgbClr val="FFC000"/>
+                </a:solidFill>
+              </a:rPr>
+              <a:t> Get-</a:t>
+            </a:r>
+            <a:r>
+              <a:rPr lang="en-US" dirty="0" err="1">
+                <a:solidFill>
+                  <a:srgbClr val="FFC000"/>
+                </a:solidFill>
+              </a:rPr>
+              <a:t>ChildItem</a:t>
+            </a:r>
+            <a:r>
+              <a:rPr lang="en-US" dirty="0">
+                <a:solidFill>
+                  <a:srgbClr val="FFC000"/>
+                </a:solidFill>
+              </a:rPr>
+              <a:t> -Path C:\Windows\x*</a:t>
+            </a:r>
+          </a:p>
+          <a:p>
+            <a:r>
+              <a:rPr lang="en-US" dirty="0">
+                <a:solidFill>
+                  <a:srgbClr val="FFC000"/>
+                </a:solidFill>
+              </a:rPr>
+              <a:t> Get-</a:t>
+            </a:r>
+            <a:r>
+              <a:rPr lang="en-US" dirty="0" err="1">
+                <a:solidFill>
+                  <a:srgbClr val="FFC000"/>
+                </a:solidFill>
+              </a:rPr>
+              <a:t>ChildItem</a:t>
+            </a:r>
+            <a:r>
+              <a:rPr lang="en-US" dirty="0">
+                <a:solidFill>
+                  <a:srgbClr val="FFC000"/>
+                </a:solidFill>
+              </a:rPr>
+              <a:t> -Path C:\Windows\[xz]*</a:t>
+            </a:r>
+          </a:p>
+          <a:p>
+            <a:r>
+              <a:rPr lang="en-US" dirty="0">
+                <a:solidFill>
+                  <a:srgbClr val="FFC000"/>
+                </a:solidFill>
+              </a:rPr>
+              <a:t> Get-</a:t>
+            </a:r>
+            <a:r>
+              <a:rPr lang="en-US" dirty="0" err="1">
+                <a:solidFill>
+                  <a:srgbClr val="FFC000"/>
+                </a:solidFill>
+              </a:rPr>
+              <a:t>ChildItem</a:t>
+            </a:r>
+            <a:r>
+              <a:rPr lang="en-US" dirty="0">
+                <a:solidFill>
+                  <a:srgbClr val="FFC000"/>
+                </a:solidFill>
+              </a:rPr>
+              <a:t> -Path C:\WINDOWS\System32\w*32*.dll -Exclude win*</a:t>
+            </a:r>
+          </a:p>
+          <a:p>
+            <a:r>
+              <a:rPr lang="en-US" dirty="0">
+                <a:solidFill>
+                  <a:srgbClr val="FFC000"/>
+                </a:solidFill>
+              </a:rPr>
+              <a:t> Get-</a:t>
+            </a:r>
+            <a:r>
+              <a:rPr lang="en-US" dirty="0" err="1">
+                <a:solidFill>
+                  <a:srgbClr val="FFC000"/>
+                </a:solidFill>
+              </a:rPr>
+              <a:t>ChildItem</a:t>
+            </a:r>
+            <a:r>
+              <a:rPr lang="en-US" dirty="0">
+                <a:solidFill>
+                  <a:srgbClr val="FFC000"/>
+                </a:solidFill>
+              </a:rPr>
+              <a:t> -Path C:\Windows -Include *.</a:t>
+            </a:r>
+            <a:r>
+              <a:rPr lang="en-US" dirty="0" err="1">
+                <a:solidFill>
+                  <a:srgbClr val="FFC000"/>
+                </a:solidFill>
+              </a:rPr>
+              <a:t>dll</a:t>
+            </a:r>
+            <a:r>
+              <a:rPr lang="en-US" dirty="0">
+                <a:solidFill>
+                  <a:srgbClr val="FFC000"/>
+                </a:solidFill>
+              </a:rPr>
+              <a:t> -Recurse -Exclude [a-y]*.dll</a:t>
+            </a:r>
+            <a:endParaRPr lang="es-PE" dirty="0">
+              <a:solidFill>
+                <a:srgbClr val="FFC000"/>
+              </a:solidFill>
+            </a:endParaRPr>
+          </a:p>
+        </p:txBody>
+      </p:sp>
+    </p:spTree>
+    <p:extLst>
+      <p:ext uri="{BB962C8B-B14F-4D97-AF65-F5344CB8AC3E}">
+        <p14:creationId xmlns:p14="http://schemas.microsoft.com/office/powerpoint/2010/main" val="3954596840"/>
+      </p:ext>
+    </p:extLst>
+  </p:cSld>
+  <p:clrMapOvr>
+    <a:masterClrMapping/>
+  </p:clrMapOvr>
+</p:sld>
+</file>
+
+<file path=ppt/slides/slide79.xml><?xml version="1.0" encoding="utf-8"?>
+<p:sld xmlns:a="http://schemas.openxmlformats.org/drawingml/2006/main" xmlns:r="http://schemas.openxmlformats.org/officeDocument/2006/relationships" xmlns:p="http://schemas.openxmlformats.org/presentationml/2006/main">
+  <p:cSld>
+    <p:spTree>
+      <p:nvGrpSpPr>
+        <p:cNvPr id="1" name=""/>
+        <p:cNvGrpSpPr/>
+        <p:nvPr/>
+      </p:nvGrpSpPr>
+      <p:grpSpPr>
+        <a:xfrm>
+          <a:off x="0" y="0"/>
+          <a:ext cx="0" cy="0"/>
+          <a:chOff x="0" y="0"/>
+          <a:chExt cx="0" cy="0"/>
+        </a:xfrm>
+      </p:grpSpPr>
+      <p:sp>
+        <p:nvSpPr>
+          <p:cNvPr id="2" name="Título 1">
+            <a:extLst>
+              <a:ext uri="{FF2B5EF4-FFF2-40B4-BE49-F238E27FC236}">
+                <a16:creationId xmlns:a16="http://schemas.microsoft.com/office/drawing/2014/main" id="{571B943B-A23A-F730-6A63-06BD008ACFEB}"/>
+              </a:ext>
+            </a:extLst>
+          </p:cNvPr>
+          <p:cNvSpPr>
+            <a:spLocks noGrp="1"/>
+          </p:cNvSpPr>
+          <p:nvPr>
+            <p:ph type="title"/>
+          </p:nvPr>
+        </p:nvSpPr>
+        <p:spPr/>
+        <p:txBody>
+          <a:bodyPr/>
+          <a:lstStyle/>
+          <a:p>
+            <a:r>
+              <a:rPr lang="es-ES" dirty="0"/>
+              <a:t>SSH Server/Client</a:t>
+            </a:r>
+            <a:endParaRPr lang="es-PE" dirty="0"/>
+          </a:p>
+        </p:txBody>
+      </p:sp>
+      <p:sp>
+        <p:nvSpPr>
+          <p:cNvPr id="3" name="Marcador de contenido 2">
+            <a:extLst>
+              <a:ext uri="{FF2B5EF4-FFF2-40B4-BE49-F238E27FC236}">
+                <a16:creationId xmlns:a16="http://schemas.microsoft.com/office/drawing/2014/main" id="{51B07D83-919E-040B-15D1-3D45656E5077}"/>
+              </a:ext>
+            </a:extLst>
+          </p:cNvPr>
+          <p:cNvSpPr>
+            <a:spLocks noGrp="1"/>
+          </p:cNvSpPr>
+          <p:nvPr>
+            <p:ph idx="1"/>
+          </p:nvPr>
+        </p:nvSpPr>
+        <p:spPr/>
+        <p:txBody>
+          <a:bodyPr/>
+          <a:lstStyle/>
+          <a:p>
+            <a:r>
+              <a:rPr lang="es-ES" dirty="0"/>
+              <a:t>Instalación de </a:t>
+            </a:r>
+            <a:r>
+              <a:rPr lang="es-ES" dirty="0" err="1"/>
+              <a:t>ssh</a:t>
+            </a:r>
+            <a:r>
+              <a:rPr lang="es-ES" dirty="0"/>
+              <a:t> Server</a:t>
+            </a:r>
+          </a:p>
+          <a:p>
+            <a:pPr marL="0" indent="0">
+              <a:buNone/>
+            </a:pPr>
+            <a:r>
+              <a:rPr lang="es-ES" dirty="0"/>
+              <a:t> </a:t>
+            </a:r>
+            <a:r>
+              <a:rPr lang="es-ES" sz="1800" dirty="0">
+                <a:solidFill>
+                  <a:srgbClr val="006400"/>
+                </a:solidFill>
+                <a:latin typeface="Lucida Console" panose="020B0609040504020204" pitchFamily="49" charset="0"/>
+              </a:rPr>
+              <a:t># Verificar si el </a:t>
+            </a:r>
+            <a:r>
+              <a:rPr lang="es-ES" sz="1800" dirty="0" err="1">
+                <a:solidFill>
+                  <a:srgbClr val="006400"/>
+                </a:solidFill>
+                <a:latin typeface="Lucida Console" panose="020B0609040504020204" pitchFamily="49" charset="0"/>
+              </a:rPr>
+              <a:t>ssh</a:t>
+            </a:r>
+            <a:r>
+              <a:rPr lang="es-ES" sz="1800" dirty="0">
+                <a:solidFill>
+                  <a:srgbClr val="006400"/>
+                </a:solidFill>
+                <a:latin typeface="Lucida Console" panose="020B0609040504020204" pitchFamily="49" charset="0"/>
+              </a:rPr>
+              <a:t> cliente y server esta instalado</a:t>
+            </a:r>
+            <a:endParaRPr lang="es-ES" sz="1800" dirty="0">
+              <a:solidFill>
+                <a:prstClr val="black"/>
+              </a:solidFill>
+              <a:latin typeface="Lucida Console" panose="020B0609040504020204" pitchFamily="49" charset="0"/>
+            </a:endParaRPr>
+          </a:p>
+          <a:p>
+            <a:pPr marL="0" indent="0">
+              <a:buNone/>
+            </a:pPr>
+            <a:r>
+              <a:rPr lang="en-US" sz="1800" dirty="0">
+                <a:solidFill>
+                  <a:srgbClr val="FFC000"/>
+                </a:solidFill>
+                <a:latin typeface="Lucida Console" panose="020B0609040504020204" pitchFamily="49" charset="0"/>
+              </a:rPr>
+              <a:t>Get-</a:t>
+            </a:r>
+            <a:r>
+              <a:rPr lang="en-US" sz="1800" dirty="0" err="1">
+                <a:solidFill>
+                  <a:srgbClr val="FFC000"/>
+                </a:solidFill>
+                <a:latin typeface="Lucida Console" panose="020B0609040504020204" pitchFamily="49" charset="0"/>
+              </a:rPr>
+              <a:t>WindowsCapability</a:t>
+            </a:r>
+            <a:r>
+              <a:rPr lang="en-US" sz="1800" dirty="0">
+                <a:solidFill>
+                  <a:srgbClr val="FFC000"/>
+                </a:solidFill>
+                <a:latin typeface="Lucida Console" panose="020B0609040504020204" pitchFamily="49" charset="0"/>
+              </a:rPr>
+              <a:t> -Online | Where-Object Name -like 'OpenSSH*'</a:t>
+            </a:r>
+          </a:p>
+          <a:p>
+            <a:endParaRPr lang="es-PE" sz="1800" dirty="0">
+              <a:solidFill>
+                <a:prstClr val="black"/>
+              </a:solidFill>
+              <a:latin typeface="Lucida Console" panose="020B0609040504020204" pitchFamily="49" charset="0"/>
+            </a:endParaRPr>
+          </a:p>
+          <a:p>
+            <a:pPr marL="0" indent="0">
+              <a:buNone/>
+            </a:pPr>
+            <a:r>
+              <a:rPr lang="es-PE" sz="1800" dirty="0">
+                <a:solidFill>
+                  <a:srgbClr val="006400"/>
+                </a:solidFill>
+                <a:latin typeface="Lucida Console" panose="020B0609040504020204" pitchFamily="49" charset="0"/>
+              </a:rPr>
+              <a:t># Instalando el servidor </a:t>
+            </a:r>
+            <a:r>
+              <a:rPr lang="es-PE" sz="1800" dirty="0" err="1">
+                <a:solidFill>
+                  <a:srgbClr val="006400"/>
+                </a:solidFill>
+                <a:latin typeface="Lucida Console" panose="020B0609040504020204" pitchFamily="49" charset="0"/>
+              </a:rPr>
+              <a:t>ssh</a:t>
+            </a:r>
+            <a:endParaRPr lang="es-PE" sz="1800" dirty="0">
+              <a:solidFill>
+                <a:prstClr val="black"/>
+              </a:solidFill>
+              <a:latin typeface="Lucida Console" panose="020B0609040504020204" pitchFamily="49" charset="0"/>
+            </a:endParaRPr>
+          </a:p>
+          <a:p>
+            <a:pPr marL="0" indent="0">
+              <a:buNone/>
+            </a:pPr>
+            <a:r>
+              <a:rPr lang="en-US" sz="1800" dirty="0">
+                <a:solidFill>
+                  <a:srgbClr val="FFC000"/>
+                </a:solidFill>
+                <a:latin typeface="Lucida Console" panose="020B0609040504020204" pitchFamily="49" charset="0"/>
+              </a:rPr>
+              <a:t>Add-</a:t>
+            </a:r>
+            <a:r>
+              <a:rPr lang="en-US" sz="1800" dirty="0" err="1">
+                <a:solidFill>
+                  <a:srgbClr val="FFC000"/>
+                </a:solidFill>
+                <a:latin typeface="Lucida Console" panose="020B0609040504020204" pitchFamily="49" charset="0"/>
+              </a:rPr>
+              <a:t>WindowsCapability</a:t>
+            </a:r>
+            <a:r>
+              <a:rPr lang="en-US" sz="1800" dirty="0">
+                <a:solidFill>
+                  <a:srgbClr val="FFC000"/>
+                </a:solidFill>
+                <a:latin typeface="Lucida Console" panose="020B0609040504020204" pitchFamily="49" charset="0"/>
+              </a:rPr>
+              <a:t> -Online -Name </a:t>
+            </a:r>
+            <a:r>
+              <a:rPr lang="en-US" sz="1800" dirty="0" err="1">
+                <a:solidFill>
+                  <a:srgbClr val="FFC000"/>
+                </a:solidFill>
+                <a:latin typeface="Lucida Console" panose="020B0609040504020204" pitchFamily="49" charset="0"/>
+              </a:rPr>
+              <a:t>OpenSSH.Server</a:t>
+            </a:r>
+            <a:r>
+              <a:rPr lang="en-US" sz="1800" dirty="0">
+                <a:solidFill>
+                  <a:srgbClr val="FFC000"/>
+                </a:solidFill>
+                <a:latin typeface="Lucida Console" panose="020B0609040504020204" pitchFamily="49" charset="0"/>
+              </a:rPr>
+              <a:t>~~~~0.0.1.0</a:t>
+            </a:r>
+          </a:p>
+          <a:p>
+            <a:r>
+              <a:rPr lang="es-PE" sz="1800" dirty="0">
+                <a:solidFill>
+                  <a:prstClr val="black"/>
+                </a:solidFill>
+                <a:latin typeface="Lucida Console" panose="020B0609040504020204" pitchFamily="49" charset="0"/>
+              </a:rPr>
+              <a:t> </a:t>
+            </a:r>
+          </a:p>
+          <a:p>
+            <a:endParaRPr lang="es-PE" dirty="0"/>
+          </a:p>
+        </p:txBody>
+      </p:sp>
+    </p:spTree>
+    <p:extLst>
+      <p:ext uri="{BB962C8B-B14F-4D97-AF65-F5344CB8AC3E}">
+        <p14:creationId xmlns:p14="http://schemas.microsoft.com/office/powerpoint/2010/main" val="3798395136"/>
       </p:ext>
     </p:extLst>
   </p:cSld>
@@ -19005,6 +19999,1110 @@
 </p:sld>
 </file>
 
+<file path=ppt/slides/slide80.xml><?xml version="1.0" encoding="utf-8"?>
+<p:sld xmlns:a="http://schemas.openxmlformats.org/drawingml/2006/main" xmlns:r="http://schemas.openxmlformats.org/officeDocument/2006/relationships" xmlns:p="http://schemas.openxmlformats.org/presentationml/2006/main">
+  <p:cSld>
+    <p:spTree>
+      <p:nvGrpSpPr>
+        <p:cNvPr id="1" name=""/>
+        <p:cNvGrpSpPr/>
+        <p:nvPr/>
+      </p:nvGrpSpPr>
+      <p:grpSpPr>
+        <a:xfrm>
+          <a:off x="0" y="0"/>
+          <a:ext cx="0" cy="0"/>
+          <a:chOff x="0" y="0"/>
+          <a:chExt cx="0" cy="0"/>
+        </a:xfrm>
+      </p:grpSpPr>
+      <p:sp>
+        <p:nvSpPr>
+          <p:cNvPr id="2" name="Título 1">
+            <a:extLst>
+              <a:ext uri="{FF2B5EF4-FFF2-40B4-BE49-F238E27FC236}">
+                <a16:creationId xmlns:a16="http://schemas.microsoft.com/office/drawing/2014/main" id="{5F44DBFC-1171-8852-0034-405B5081B560}"/>
+              </a:ext>
+            </a:extLst>
+          </p:cNvPr>
+          <p:cNvSpPr>
+            <a:spLocks noGrp="1"/>
+          </p:cNvSpPr>
+          <p:nvPr>
+            <p:ph type="title"/>
+          </p:nvPr>
+        </p:nvSpPr>
+        <p:spPr/>
+        <p:txBody>
+          <a:bodyPr/>
+          <a:lstStyle/>
+          <a:p>
+            <a:r>
+              <a:rPr lang="es-ES" dirty="0"/>
+              <a:t>…</a:t>
+            </a:r>
+            <a:endParaRPr lang="es-PE" dirty="0"/>
+          </a:p>
+        </p:txBody>
+      </p:sp>
+      <p:sp>
+        <p:nvSpPr>
+          <p:cNvPr id="3" name="Marcador de contenido 2">
+            <a:extLst>
+              <a:ext uri="{FF2B5EF4-FFF2-40B4-BE49-F238E27FC236}">
+                <a16:creationId xmlns:a16="http://schemas.microsoft.com/office/drawing/2014/main" id="{7CBF618C-B62C-EE4F-BD5E-70C2789DA03A}"/>
+              </a:ext>
+            </a:extLst>
+          </p:cNvPr>
+          <p:cNvSpPr>
+            <a:spLocks noGrp="1"/>
+          </p:cNvSpPr>
+          <p:nvPr>
+            <p:ph idx="1"/>
+          </p:nvPr>
+        </p:nvSpPr>
+        <p:spPr/>
+        <p:txBody>
+          <a:bodyPr/>
+          <a:lstStyle/>
+          <a:p>
+            <a:r>
+              <a:rPr lang="es-ES" dirty="0"/>
+              <a:t>Iniciar el </a:t>
+            </a:r>
+            <a:r>
+              <a:rPr lang="es-ES" dirty="0" err="1"/>
+              <a:t>ssh</a:t>
+            </a:r>
+            <a:r>
+              <a:rPr lang="es-ES" dirty="0"/>
+              <a:t> Server</a:t>
+            </a:r>
+          </a:p>
+          <a:p>
+            <a:pPr marL="0" indent="0">
+              <a:buNone/>
+            </a:pPr>
+            <a:r>
+              <a:rPr lang="es-ES" dirty="0"/>
+              <a:t> </a:t>
+            </a:r>
+            <a:r>
+              <a:rPr lang="es-ES" sz="1800" dirty="0">
+                <a:solidFill>
+                  <a:srgbClr val="006400"/>
+                </a:solidFill>
+                <a:latin typeface="Lucida Console" panose="020B0609040504020204" pitchFamily="49" charset="0"/>
+              </a:rPr>
+              <a:t># Iniciar el servicio </a:t>
+            </a:r>
+            <a:r>
+              <a:rPr lang="es-ES" sz="1800" dirty="0" err="1">
+                <a:solidFill>
+                  <a:srgbClr val="006400"/>
+                </a:solidFill>
+                <a:latin typeface="Lucida Console" panose="020B0609040504020204" pitchFamily="49" charset="0"/>
+              </a:rPr>
+              <a:t>sshd</a:t>
+            </a:r>
+            <a:r>
+              <a:rPr lang="es-ES" sz="1800" dirty="0">
+                <a:solidFill>
+                  <a:srgbClr val="006400"/>
+                </a:solidFill>
+                <a:latin typeface="Lucida Console" panose="020B0609040504020204" pitchFamily="49" charset="0"/>
+              </a:rPr>
+              <a:t> </a:t>
+            </a:r>
+            <a:r>
+              <a:rPr lang="es-ES" sz="1800" dirty="0" err="1">
+                <a:solidFill>
+                  <a:srgbClr val="006400"/>
+                </a:solidFill>
+                <a:latin typeface="Lucida Console" panose="020B0609040504020204" pitchFamily="49" charset="0"/>
+              </a:rPr>
+              <a:t>service</a:t>
+            </a:r>
+            <a:endParaRPr lang="es-ES" sz="1800" dirty="0">
+              <a:solidFill>
+                <a:prstClr val="black"/>
+              </a:solidFill>
+              <a:latin typeface="Lucida Console" panose="020B0609040504020204" pitchFamily="49" charset="0"/>
+            </a:endParaRPr>
+          </a:p>
+          <a:p>
+            <a:pPr marL="0" indent="0">
+              <a:buNone/>
+            </a:pPr>
+            <a:r>
+              <a:rPr lang="es-PE" sz="1800" dirty="0" err="1">
+                <a:solidFill>
+                  <a:srgbClr val="FFC000"/>
+                </a:solidFill>
+                <a:latin typeface="Lucida Console" panose="020B0609040504020204" pitchFamily="49" charset="0"/>
+              </a:rPr>
+              <a:t>Start</a:t>
+            </a:r>
+            <a:r>
+              <a:rPr lang="es-PE" sz="1800" dirty="0">
+                <a:solidFill>
+                  <a:srgbClr val="FFC000"/>
+                </a:solidFill>
+                <a:latin typeface="Lucida Console" panose="020B0609040504020204" pitchFamily="49" charset="0"/>
+              </a:rPr>
+              <a:t>-Service </a:t>
+            </a:r>
+            <a:r>
+              <a:rPr lang="es-PE" sz="1800" dirty="0" err="1">
+                <a:solidFill>
+                  <a:srgbClr val="FFC000"/>
+                </a:solidFill>
+                <a:latin typeface="Lucida Console" panose="020B0609040504020204" pitchFamily="49" charset="0"/>
+              </a:rPr>
+              <a:t>sshd</a:t>
+            </a:r>
+            <a:endParaRPr lang="es-PE" sz="1800" dirty="0">
+              <a:solidFill>
+                <a:srgbClr val="FFC000"/>
+              </a:solidFill>
+              <a:latin typeface="Lucida Console" panose="020B0609040504020204" pitchFamily="49" charset="0"/>
+            </a:endParaRPr>
+          </a:p>
+          <a:p>
+            <a:pPr marL="0" indent="0">
+              <a:buNone/>
+            </a:pPr>
+            <a:r>
+              <a:rPr lang="en-US" sz="1800" dirty="0">
+                <a:solidFill>
+                  <a:srgbClr val="FFC000"/>
+                </a:solidFill>
+                <a:latin typeface="Lucida Console" panose="020B0609040504020204" pitchFamily="49" charset="0"/>
+              </a:rPr>
+              <a:t>Set-Service -Name </a:t>
+            </a:r>
+            <a:r>
+              <a:rPr lang="en-US" sz="1800" dirty="0" err="1">
+                <a:solidFill>
+                  <a:srgbClr val="FFC000"/>
+                </a:solidFill>
+                <a:latin typeface="Lucida Console" panose="020B0609040504020204" pitchFamily="49" charset="0"/>
+              </a:rPr>
+              <a:t>sshd</a:t>
+            </a:r>
+            <a:r>
+              <a:rPr lang="en-US" sz="1800" dirty="0">
+                <a:solidFill>
+                  <a:srgbClr val="FFC000"/>
+                </a:solidFill>
+                <a:latin typeface="Lucida Console" panose="020B0609040504020204" pitchFamily="49" charset="0"/>
+              </a:rPr>
+              <a:t> -</a:t>
+            </a:r>
+            <a:r>
+              <a:rPr lang="en-US" sz="1800" dirty="0" err="1">
+                <a:solidFill>
+                  <a:srgbClr val="FFC000"/>
+                </a:solidFill>
+                <a:latin typeface="Lucida Console" panose="020B0609040504020204" pitchFamily="49" charset="0"/>
+              </a:rPr>
+              <a:t>StartupType</a:t>
+            </a:r>
+            <a:r>
+              <a:rPr lang="en-US" sz="1800" dirty="0">
+                <a:solidFill>
+                  <a:srgbClr val="FFC000"/>
+                </a:solidFill>
+                <a:latin typeface="Lucida Console" panose="020B0609040504020204" pitchFamily="49" charset="0"/>
+              </a:rPr>
+              <a:t> 'Automatic' </a:t>
+            </a:r>
+          </a:p>
+          <a:p>
+            <a:endParaRPr lang="es-PE" dirty="0"/>
+          </a:p>
+        </p:txBody>
+      </p:sp>
+    </p:spTree>
+    <p:extLst>
+      <p:ext uri="{BB962C8B-B14F-4D97-AF65-F5344CB8AC3E}">
+        <p14:creationId xmlns:p14="http://schemas.microsoft.com/office/powerpoint/2010/main" val="1462469436"/>
+      </p:ext>
+    </p:extLst>
+  </p:cSld>
+  <p:clrMapOvr>
+    <a:masterClrMapping/>
+  </p:clrMapOvr>
+</p:sld>
+</file>
+
+<file path=ppt/slides/slide81.xml><?xml version="1.0" encoding="utf-8"?>
+<p:sld xmlns:a="http://schemas.openxmlformats.org/drawingml/2006/main" xmlns:r="http://schemas.openxmlformats.org/officeDocument/2006/relationships" xmlns:p="http://schemas.openxmlformats.org/presentationml/2006/main">
+  <p:cSld>
+    <p:spTree>
+      <p:nvGrpSpPr>
+        <p:cNvPr id="1" name=""/>
+        <p:cNvGrpSpPr/>
+        <p:nvPr/>
+      </p:nvGrpSpPr>
+      <p:grpSpPr>
+        <a:xfrm>
+          <a:off x="0" y="0"/>
+          <a:ext cx="0" cy="0"/>
+          <a:chOff x="0" y="0"/>
+          <a:chExt cx="0" cy="0"/>
+        </a:xfrm>
+      </p:grpSpPr>
+      <p:sp>
+        <p:nvSpPr>
+          <p:cNvPr id="2" name="Título 1">
+            <a:extLst>
+              <a:ext uri="{FF2B5EF4-FFF2-40B4-BE49-F238E27FC236}">
+                <a16:creationId xmlns:a16="http://schemas.microsoft.com/office/drawing/2014/main" id="{66D9B01A-31D4-E378-4498-73B7BF8022AF}"/>
+              </a:ext>
+            </a:extLst>
+          </p:cNvPr>
+          <p:cNvSpPr>
+            <a:spLocks noGrp="1"/>
+          </p:cNvSpPr>
+          <p:nvPr>
+            <p:ph type="title"/>
+          </p:nvPr>
+        </p:nvSpPr>
+        <p:spPr/>
+        <p:txBody>
+          <a:bodyPr/>
+          <a:lstStyle/>
+          <a:p>
+            <a:r>
+              <a:rPr lang="es-ES" dirty="0" err="1"/>
+              <a:t>ssh</a:t>
+            </a:r>
+            <a:r>
+              <a:rPr lang="es-ES" dirty="0"/>
+              <a:t> y El Firewall</a:t>
+            </a:r>
+            <a:endParaRPr lang="es-PE" dirty="0"/>
+          </a:p>
+        </p:txBody>
+      </p:sp>
+      <p:sp>
+        <p:nvSpPr>
+          <p:cNvPr id="3" name="Marcador de contenido 2">
+            <a:extLst>
+              <a:ext uri="{FF2B5EF4-FFF2-40B4-BE49-F238E27FC236}">
+                <a16:creationId xmlns:a16="http://schemas.microsoft.com/office/drawing/2014/main" id="{340D5088-8F19-CFB8-E0B6-95C350FD7F14}"/>
+              </a:ext>
+            </a:extLst>
+          </p:cNvPr>
+          <p:cNvSpPr>
+            <a:spLocks noGrp="1"/>
+          </p:cNvSpPr>
+          <p:nvPr>
+            <p:ph idx="1"/>
+          </p:nvPr>
+        </p:nvSpPr>
+        <p:spPr>
+          <a:xfrm>
+            <a:off x="838200" y="1825625"/>
+            <a:ext cx="11068050" cy="4351338"/>
+          </a:xfrm>
+        </p:spPr>
+        <p:txBody>
+          <a:bodyPr>
+            <a:normAutofit fontScale="92500" lnSpcReduction="10000"/>
+          </a:bodyPr>
+          <a:lstStyle/>
+          <a:p>
+            <a:r>
+              <a:rPr lang="es-ES" dirty="0"/>
+              <a:t>Creando la regla en el Firewall para permitir conexiones </a:t>
+            </a:r>
+            <a:r>
+              <a:rPr lang="es-ES" dirty="0" err="1"/>
+              <a:t>ssh</a:t>
+            </a:r>
+            <a:endParaRPr lang="es-ES" dirty="0"/>
+          </a:p>
+          <a:p>
+            <a:pPr marL="0" indent="0">
+              <a:buNone/>
+            </a:pPr>
+            <a:r>
+              <a:rPr lang="es-ES" dirty="0"/>
+              <a:t> </a:t>
+            </a:r>
+            <a:r>
+              <a:rPr lang="es-ES" sz="1800" dirty="0">
+                <a:solidFill>
+                  <a:srgbClr val="006400"/>
+                </a:solidFill>
+                <a:latin typeface="Lucida Console" panose="020B0609040504020204" pitchFamily="49" charset="0"/>
+              </a:rPr>
+              <a:t>#  Confirmar que se ha creado la regla en el firewall.</a:t>
+            </a:r>
+            <a:endParaRPr lang="es-ES" sz="1800" dirty="0">
+              <a:solidFill>
+                <a:prstClr val="black"/>
+              </a:solidFill>
+              <a:latin typeface="Lucida Console" panose="020B0609040504020204" pitchFamily="49" charset="0"/>
+            </a:endParaRPr>
+          </a:p>
+          <a:p>
+            <a:pPr marL="0" indent="0">
+              <a:buNone/>
+            </a:pPr>
+            <a:r>
+              <a:rPr lang="en-US" sz="1800" dirty="0">
+                <a:solidFill>
+                  <a:srgbClr val="FFC000"/>
+                </a:solidFill>
+                <a:latin typeface="Lucida Console" panose="020B0609040504020204" pitchFamily="49" charset="0"/>
+              </a:rPr>
+              <a:t>if (!(Get-</a:t>
+            </a:r>
+            <a:r>
+              <a:rPr lang="en-US" sz="1800" dirty="0" err="1">
+                <a:solidFill>
+                  <a:srgbClr val="FFC000"/>
+                </a:solidFill>
+                <a:latin typeface="Lucida Console" panose="020B0609040504020204" pitchFamily="49" charset="0"/>
+              </a:rPr>
+              <a:t>NetFirewallRule</a:t>
+            </a:r>
+            <a:r>
+              <a:rPr lang="en-US" sz="1800" dirty="0">
+                <a:solidFill>
+                  <a:srgbClr val="FFC000"/>
+                </a:solidFill>
+                <a:latin typeface="Lucida Console" panose="020B0609040504020204" pitchFamily="49" charset="0"/>
+              </a:rPr>
+              <a:t> -Name "OpenSSH-Server-In-TCP" -</a:t>
+            </a:r>
+            <a:r>
+              <a:rPr lang="en-US" sz="1800" dirty="0" err="1">
+                <a:solidFill>
+                  <a:srgbClr val="FFC000"/>
+                </a:solidFill>
+                <a:latin typeface="Lucida Console" panose="020B0609040504020204" pitchFamily="49" charset="0"/>
+              </a:rPr>
+              <a:t>ErrorAction</a:t>
+            </a:r>
+            <a:r>
+              <a:rPr lang="en-US" sz="1800" dirty="0">
+                <a:solidFill>
+                  <a:srgbClr val="FFC000"/>
+                </a:solidFill>
+                <a:latin typeface="Lucida Console" panose="020B0609040504020204" pitchFamily="49" charset="0"/>
+              </a:rPr>
+              <a:t> </a:t>
+            </a:r>
+            <a:r>
+              <a:rPr lang="en-US" sz="1800" dirty="0" err="1">
+                <a:solidFill>
+                  <a:srgbClr val="FFC000"/>
+                </a:solidFill>
+                <a:latin typeface="Lucida Console" panose="020B0609040504020204" pitchFamily="49" charset="0"/>
+              </a:rPr>
+              <a:t>SilentlyContinue</a:t>
+            </a:r>
+            <a:r>
+              <a:rPr lang="en-US" sz="1800" dirty="0">
+                <a:solidFill>
+                  <a:srgbClr val="FFC000"/>
+                </a:solidFill>
+                <a:latin typeface="Lucida Console" panose="020B0609040504020204" pitchFamily="49" charset="0"/>
+              </a:rPr>
+              <a:t> | Select-Object Name, Enabled)) {</a:t>
+            </a:r>
+          </a:p>
+          <a:p>
+            <a:pPr marL="0" indent="0">
+              <a:buNone/>
+            </a:pPr>
+            <a:r>
+              <a:rPr lang="es-ES" sz="1800" dirty="0">
+                <a:solidFill>
+                  <a:srgbClr val="FFC000"/>
+                </a:solidFill>
+                <a:latin typeface="Lucida Console" panose="020B0609040504020204" pitchFamily="49" charset="0"/>
+              </a:rPr>
+              <a:t>    Write-Output "La regla en el Firewall  '</a:t>
+            </a:r>
+            <a:r>
+              <a:rPr lang="es-ES" sz="1800" dirty="0" err="1">
+                <a:solidFill>
+                  <a:srgbClr val="FFC000"/>
+                </a:solidFill>
+                <a:latin typeface="Lucida Console" panose="020B0609040504020204" pitchFamily="49" charset="0"/>
+              </a:rPr>
+              <a:t>OpenSSH</a:t>
+            </a:r>
+            <a:r>
+              <a:rPr lang="es-ES" sz="1800" dirty="0">
+                <a:solidFill>
+                  <a:srgbClr val="FFC000"/>
+                </a:solidFill>
+                <a:latin typeface="Lucida Console" panose="020B0609040504020204" pitchFamily="49" charset="0"/>
+              </a:rPr>
+              <a:t>-Server-In-TCP' no existe, </a:t>
+            </a:r>
+            <a:r>
+              <a:rPr lang="es-ES" sz="1800" dirty="0" err="1">
+                <a:solidFill>
+                  <a:srgbClr val="FFC000"/>
+                </a:solidFill>
+                <a:latin typeface="Lucida Console" panose="020B0609040504020204" pitchFamily="49" charset="0"/>
+              </a:rPr>
+              <a:t>creandola</a:t>
+            </a:r>
+            <a:r>
+              <a:rPr lang="es-ES" sz="1800" dirty="0">
+                <a:solidFill>
+                  <a:srgbClr val="FFC000"/>
+                </a:solidFill>
+                <a:latin typeface="Lucida Console" panose="020B0609040504020204" pitchFamily="49" charset="0"/>
+              </a:rPr>
+              <a:t>..."</a:t>
+            </a:r>
+          </a:p>
+          <a:p>
+            <a:pPr marL="0" indent="0">
+              <a:buNone/>
+            </a:pPr>
+            <a:r>
+              <a:rPr lang="es-PE" sz="1800" dirty="0">
+                <a:solidFill>
+                  <a:srgbClr val="FFC000"/>
+                </a:solidFill>
+                <a:latin typeface="Lucida Console" panose="020B0609040504020204" pitchFamily="49" charset="0"/>
+              </a:rPr>
+              <a:t>    New-</a:t>
+            </a:r>
+            <a:r>
+              <a:rPr lang="es-PE" sz="1800" dirty="0" err="1">
+                <a:solidFill>
+                  <a:srgbClr val="FFC000"/>
+                </a:solidFill>
+                <a:latin typeface="Lucida Console" panose="020B0609040504020204" pitchFamily="49" charset="0"/>
+              </a:rPr>
+              <a:t>NetFirewallRule</a:t>
+            </a:r>
+            <a:r>
+              <a:rPr lang="es-PE" sz="1800" dirty="0">
+                <a:solidFill>
+                  <a:srgbClr val="FFC000"/>
+                </a:solidFill>
+                <a:latin typeface="Lucida Console" panose="020B0609040504020204" pitchFamily="49" charset="0"/>
+              </a:rPr>
+              <a:t> -</a:t>
+            </a:r>
+            <a:r>
+              <a:rPr lang="es-PE" sz="1800" dirty="0" err="1">
+                <a:solidFill>
+                  <a:srgbClr val="FFC000"/>
+                </a:solidFill>
+                <a:latin typeface="Lucida Console" panose="020B0609040504020204" pitchFamily="49" charset="0"/>
+              </a:rPr>
+              <a:t>Name</a:t>
+            </a:r>
+            <a:r>
+              <a:rPr lang="es-PE" sz="1800" dirty="0">
+                <a:solidFill>
+                  <a:srgbClr val="FFC000"/>
+                </a:solidFill>
+                <a:latin typeface="Lucida Console" panose="020B0609040504020204" pitchFamily="49" charset="0"/>
+              </a:rPr>
+              <a:t> '</a:t>
+            </a:r>
+            <a:r>
+              <a:rPr lang="es-PE" sz="1800" dirty="0" err="1">
+                <a:solidFill>
+                  <a:srgbClr val="FFC000"/>
+                </a:solidFill>
+                <a:latin typeface="Lucida Console" panose="020B0609040504020204" pitchFamily="49" charset="0"/>
+              </a:rPr>
+              <a:t>OpenSSH</a:t>
+            </a:r>
+            <a:r>
+              <a:rPr lang="es-PE" sz="1800" dirty="0">
+                <a:solidFill>
+                  <a:srgbClr val="FFC000"/>
+                </a:solidFill>
+                <a:latin typeface="Lucida Console" panose="020B0609040504020204" pitchFamily="49" charset="0"/>
+              </a:rPr>
+              <a:t>-Server-In-TCP' -</a:t>
+            </a:r>
+            <a:r>
+              <a:rPr lang="es-PE" sz="1800" dirty="0" err="1">
+                <a:solidFill>
+                  <a:srgbClr val="FFC000"/>
+                </a:solidFill>
+                <a:latin typeface="Lucida Console" panose="020B0609040504020204" pitchFamily="49" charset="0"/>
+              </a:rPr>
+              <a:t>DisplayName</a:t>
+            </a:r>
+            <a:r>
+              <a:rPr lang="es-PE" sz="1800" dirty="0">
+                <a:solidFill>
+                  <a:srgbClr val="FFC000"/>
+                </a:solidFill>
+                <a:latin typeface="Lucida Console" panose="020B0609040504020204" pitchFamily="49" charset="0"/>
+              </a:rPr>
+              <a:t> '</a:t>
+            </a:r>
+            <a:r>
+              <a:rPr lang="es-PE" sz="1800" dirty="0" err="1">
+                <a:solidFill>
+                  <a:srgbClr val="FFC000"/>
+                </a:solidFill>
+                <a:latin typeface="Lucida Console" panose="020B0609040504020204" pitchFamily="49" charset="0"/>
+              </a:rPr>
+              <a:t>OpenSSH</a:t>
+            </a:r>
+            <a:r>
+              <a:rPr lang="es-PE" sz="1800" dirty="0">
+                <a:solidFill>
+                  <a:srgbClr val="FFC000"/>
+                </a:solidFill>
+                <a:latin typeface="Lucida Console" panose="020B0609040504020204" pitchFamily="49" charset="0"/>
+              </a:rPr>
+              <a:t> Server (</a:t>
+            </a:r>
+            <a:r>
+              <a:rPr lang="es-PE" sz="1800" dirty="0" err="1">
+                <a:solidFill>
+                  <a:srgbClr val="FFC000"/>
+                </a:solidFill>
+                <a:latin typeface="Lucida Console" panose="020B0609040504020204" pitchFamily="49" charset="0"/>
+              </a:rPr>
+              <a:t>sshd</a:t>
+            </a:r>
+            <a:r>
+              <a:rPr lang="es-PE" sz="1800" dirty="0">
+                <a:solidFill>
+                  <a:srgbClr val="FFC000"/>
+                </a:solidFill>
+                <a:latin typeface="Lucida Console" panose="020B0609040504020204" pitchFamily="49" charset="0"/>
+              </a:rPr>
+              <a:t>)' -</a:t>
+            </a:r>
+            <a:r>
+              <a:rPr lang="es-PE" sz="1800" dirty="0" err="1">
+                <a:solidFill>
+                  <a:srgbClr val="FFC000"/>
+                </a:solidFill>
+                <a:latin typeface="Lucida Console" panose="020B0609040504020204" pitchFamily="49" charset="0"/>
+              </a:rPr>
+              <a:t>Enabled</a:t>
+            </a:r>
+            <a:r>
+              <a:rPr lang="es-PE" sz="1800" dirty="0">
+                <a:solidFill>
+                  <a:srgbClr val="FFC000"/>
+                </a:solidFill>
+                <a:latin typeface="Lucida Console" panose="020B0609040504020204" pitchFamily="49" charset="0"/>
+              </a:rPr>
+              <a:t> True -</a:t>
+            </a:r>
+            <a:r>
+              <a:rPr lang="es-PE" sz="1800" dirty="0" err="1">
+                <a:solidFill>
+                  <a:srgbClr val="FFC000"/>
+                </a:solidFill>
+                <a:latin typeface="Lucida Console" panose="020B0609040504020204" pitchFamily="49" charset="0"/>
+              </a:rPr>
+              <a:t>Direction</a:t>
+            </a:r>
+            <a:r>
+              <a:rPr lang="es-PE" sz="1800" dirty="0">
+                <a:solidFill>
+                  <a:srgbClr val="FFC000"/>
+                </a:solidFill>
+                <a:latin typeface="Lucida Console" panose="020B0609040504020204" pitchFamily="49" charset="0"/>
+              </a:rPr>
+              <a:t> </a:t>
+            </a:r>
+            <a:r>
+              <a:rPr lang="es-PE" sz="1800" dirty="0" err="1">
+                <a:solidFill>
+                  <a:srgbClr val="FFC000"/>
+                </a:solidFill>
+                <a:latin typeface="Lucida Console" panose="020B0609040504020204" pitchFamily="49" charset="0"/>
+              </a:rPr>
+              <a:t>Inbound</a:t>
+            </a:r>
+            <a:r>
+              <a:rPr lang="es-PE" sz="1800" dirty="0">
+                <a:solidFill>
+                  <a:srgbClr val="FFC000"/>
+                </a:solidFill>
+                <a:latin typeface="Lucida Console" panose="020B0609040504020204" pitchFamily="49" charset="0"/>
+              </a:rPr>
+              <a:t> -</a:t>
+            </a:r>
+            <a:r>
+              <a:rPr lang="es-PE" sz="1800" dirty="0" err="1">
+                <a:solidFill>
+                  <a:srgbClr val="FFC000"/>
+                </a:solidFill>
+                <a:latin typeface="Lucida Console" panose="020B0609040504020204" pitchFamily="49" charset="0"/>
+              </a:rPr>
+              <a:t>Protocol</a:t>
+            </a:r>
+            <a:r>
+              <a:rPr lang="es-PE" sz="1800" dirty="0">
+                <a:solidFill>
+                  <a:srgbClr val="FFC000"/>
+                </a:solidFill>
+                <a:latin typeface="Lucida Console" panose="020B0609040504020204" pitchFamily="49" charset="0"/>
+              </a:rPr>
+              <a:t> TCP -</a:t>
+            </a:r>
+            <a:r>
+              <a:rPr lang="es-PE" sz="1800" dirty="0" err="1">
+                <a:solidFill>
+                  <a:srgbClr val="FFC000"/>
+                </a:solidFill>
+                <a:latin typeface="Lucida Console" panose="020B0609040504020204" pitchFamily="49" charset="0"/>
+              </a:rPr>
+              <a:t>Action</a:t>
+            </a:r>
+            <a:r>
+              <a:rPr lang="es-PE" sz="1800" dirty="0">
+                <a:solidFill>
+                  <a:srgbClr val="FFC000"/>
+                </a:solidFill>
+                <a:latin typeface="Lucida Console" panose="020B0609040504020204" pitchFamily="49" charset="0"/>
+              </a:rPr>
+              <a:t> </a:t>
+            </a:r>
+            <a:r>
+              <a:rPr lang="es-PE" sz="1800" dirty="0" err="1">
+                <a:solidFill>
+                  <a:srgbClr val="FFC000"/>
+                </a:solidFill>
+                <a:latin typeface="Lucida Console" panose="020B0609040504020204" pitchFamily="49" charset="0"/>
+              </a:rPr>
+              <a:t>Allow</a:t>
+            </a:r>
+            <a:r>
+              <a:rPr lang="es-PE" sz="1800" dirty="0">
+                <a:solidFill>
+                  <a:srgbClr val="FFC000"/>
+                </a:solidFill>
+                <a:latin typeface="Lucida Console" panose="020B0609040504020204" pitchFamily="49" charset="0"/>
+              </a:rPr>
+              <a:t> -</a:t>
+            </a:r>
+            <a:r>
+              <a:rPr lang="es-PE" sz="1800" dirty="0" err="1">
+                <a:solidFill>
+                  <a:srgbClr val="FFC000"/>
+                </a:solidFill>
+                <a:latin typeface="Lucida Console" panose="020B0609040504020204" pitchFamily="49" charset="0"/>
+              </a:rPr>
+              <a:t>LocalPort</a:t>
+            </a:r>
+            <a:r>
+              <a:rPr lang="es-PE" sz="1800" dirty="0">
+                <a:solidFill>
+                  <a:srgbClr val="FFC000"/>
+                </a:solidFill>
+                <a:latin typeface="Lucida Console" panose="020B0609040504020204" pitchFamily="49" charset="0"/>
+              </a:rPr>
+              <a:t> 22</a:t>
+            </a:r>
+          </a:p>
+          <a:p>
+            <a:pPr marL="0" indent="0">
+              <a:buNone/>
+            </a:pPr>
+            <a:r>
+              <a:rPr lang="es-PE" sz="1800" dirty="0">
+                <a:solidFill>
+                  <a:srgbClr val="FFC000"/>
+                </a:solidFill>
+                <a:latin typeface="Lucida Console" panose="020B0609040504020204" pitchFamily="49" charset="0"/>
+              </a:rPr>
+              <a:t>} </a:t>
+            </a:r>
+            <a:r>
+              <a:rPr lang="es-PE" sz="1800" dirty="0" err="1">
+                <a:solidFill>
+                  <a:srgbClr val="FFC000"/>
+                </a:solidFill>
+                <a:latin typeface="Lucida Console" panose="020B0609040504020204" pitchFamily="49" charset="0"/>
+              </a:rPr>
+              <a:t>else</a:t>
+            </a:r>
+            <a:r>
+              <a:rPr lang="es-PE" sz="1800" dirty="0">
+                <a:solidFill>
+                  <a:srgbClr val="FFC000"/>
+                </a:solidFill>
+                <a:latin typeface="Lucida Console" panose="020B0609040504020204" pitchFamily="49" charset="0"/>
+              </a:rPr>
+              <a:t> {</a:t>
+            </a:r>
+          </a:p>
+          <a:p>
+            <a:pPr marL="0" indent="0">
+              <a:buNone/>
+            </a:pPr>
+            <a:r>
+              <a:rPr lang="es-ES" sz="1800" dirty="0">
+                <a:solidFill>
+                  <a:srgbClr val="FFC000"/>
+                </a:solidFill>
+                <a:latin typeface="Lucida Console" panose="020B0609040504020204" pitchFamily="49" charset="0"/>
+              </a:rPr>
+              <a:t>    Write-Output "La regla en el Firewall '</a:t>
+            </a:r>
+            <a:r>
+              <a:rPr lang="es-ES" sz="1800" dirty="0" err="1">
+                <a:solidFill>
+                  <a:srgbClr val="FFC000"/>
+                </a:solidFill>
+                <a:latin typeface="Lucida Console" panose="020B0609040504020204" pitchFamily="49" charset="0"/>
+              </a:rPr>
+              <a:t>OpenSSH</a:t>
+            </a:r>
+            <a:r>
+              <a:rPr lang="es-ES" sz="1800" dirty="0">
+                <a:solidFill>
+                  <a:srgbClr val="FFC000"/>
+                </a:solidFill>
+                <a:latin typeface="Lucida Console" panose="020B0609040504020204" pitchFamily="49" charset="0"/>
+              </a:rPr>
+              <a:t>-Server-In-TCP' ha sido creado con </a:t>
+            </a:r>
+            <a:r>
+              <a:rPr lang="es-ES" sz="1800" dirty="0" err="1">
+                <a:solidFill>
+                  <a:srgbClr val="FFC000"/>
+                </a:solidFill>
+                <a:latin typeface="Lucida Console" panose="020B0609040504020204" pitchFamily="49" charset="0"/>
+              </a:rPr>
+              <a:t>exito</a:t>
+            </a:r>
+            <a:r>
+              <a:rPr lang="es-ES" sz="1800" dirty="0">
+                <a:solidFill>
+                  <a:srgbClr val="FFC000"/>
+                </a:solidFill>
+                <a:latin typeface="Lucida Console" panose="020B0609040504020204" pitchFamily="49" charset="0"/>
+              </a:rPr>
+              <a:t>.“</a:t>
+            </a:r>
+          </a:p>
+          <a:p>
+            <a:pPr marL="0" indent="0">
+              <a:buNone/>
+            </a:pPr>
+            <a:r>
+              <a:rPr lang="es-ES" sz="1800" dirty="0">
+                <a:solidFill>
+                  <a:srgbClr val="FFC000"/>
+                </a:solidFill>
+                <a:latin typeface="Lucida Console" panose="020B0609040504020204" pitchFamily="49" charset="0"/>
+              </a:rPr>
+              <a:t>}</a:t>
+            </a:r>
+          </a:p>
+          <a:p>
+            <a:r>
+              <a:rPr lang="es-PE" sz="1800" dirty="0">
+                <a:solidFill>
+                  <a:prstClr val="black"/>
+                </a:solidFill>
+                <a:latin typeface="Lucida Console" panose="020B0609040504020204" pitchFamily="49" charset="0"/>
+              </a:rPr>
+              <a:t>} </a:t>
+            </a:r>
+          </a:p>
+          <a:p>
+            <a:endParaRPr lang="es-PE" dirty="0"/>
+          </a:p>
+        </p:txBody>
+      </p:sp>
+    </p:spTree>
+    <p:extLst>
+      <p:ext uri="{BB962C8B-B14F-4D97-AF65-F5344CB8AC3E}">
+        <p14:creationId xmlns:p14="http://schemas.microsoft.com/office/powerpoint/2010/main" val="1534895796"/>
+      </p:ext>
+    </p:extLst>
+  </p:cSld>
+  <p:clrMapOvr>
+    <a:masterClrMapping/>
+  </p:clrMapOvr>
+</p:sld>
+</file>
+
+<file path=ppt/slides/slide82.xml><?xml version="1.0" encoding="utf-8"?>
+<p:sld xmlns:a="http://schemas.openxmlformats.org/drawingml/2006/main" xmlns:r="http://schemas.openxmlformats.org/officeDocument/2006/relationships" xmlns:p="http://schemas.openxmlformats.org/presentationml/2006/main">
+  <p:cSld>
+    <p:spTree>
+      <p:nvGrpSpPr>
+        <p:cNvPr id="1" name=""/>
+        <p:cNvGrpSpPr/>
+        <p:nvPr/>
+      </p:nvGrpSpPr>
+      <p:grpSpPr>
+        <a:xfrm>
+          <a:off x="0" y="0"/>
+          <a:ext cx="0" cy="0"/>
+          <a:chOff x="0" y="0"/>
+          <a:chExt cx="0" cy="0"/>
+        </a:xfrm>
+      </p:grpSpPr>
+      <p:sp>
+        <p:nvSpPr>
+          <p:cNvPr id="2" name="Título 1">
+            <a:extLst>
+              <a:ext uri="{FF2B5EF4-FFF2-40B4-BE49-F238E27FC236}">
+                <a16:creationId xmlns:a16="http://schemas.microsoft.com/office/drawing/2014/main" id="{CEF48F00-E1F6-7AC6-DDC6-8216FF22ACB0}"/>
+              </a:ext>
+            </a:extLst>
+          </p:cNvPr>
+          <p:cNvSpPr>
+            <a:spLocks noGrp="1"/>
+          </p:cNvSpPr>
+          <p:nvPr>
+            <p:ph type="title"/>
+          </p:nvPr>
+        </p:nvSpPr>
+        <p:spPr/>
+        <p:txBody>
+          <a:bodyPr/>
+          <a:lstStyle/>
+          <a:p>
+            <a:r>
+              <a:rPr lang="es-ES" dirty="0"/>
+              <a:t>Iniciar y Detener el SSH Server</a:t>
+            </a:r>
+            <a:endParaRPr lang="es-PE" dirty="0"/>
+          </a:p>
+        </p:txBody>
+      </p:sp>
+      <p:sp>
+        <p:nvSpPr>
+          <p:cNvPr id="3" name="Marcador de contenido 2">
+            <a:extLst>
+              <a:ext uri="{FF2B5EF4-FFF2-40B4-BE49-F238E27FC236}">
+                <a16:creationId xmlns:a16="http://schemas.microsoft.com/office/drawing/2014/main" id="{7BE72B65-9B6D-077B-0D00-67E358BA64DA}"/>
+              </a:ext>
+            </a:extLst>
+          </p:cNvPr>
+          <p:cNvSpPr>
+            <a:spLocks noGrp="1"/>
+          </p:cNvSpPr>
+          <p:nvPr>
+            <p:ph idx="1"/>
+          </p:nvPr>
+        </p:nvSpPr>
+        <p:spPr/>
+        <p:txBody>
+          <a:bodyPr/>
+          <a:lstStyle/>
+          <a:p>
+            <a:pPr marL="0" indent="0">
+              <a:buNone/>
+            </a:pPr>
+            <a:r>
+              <a:rPr lang="nl-NL" dirty="0">
+                <a:solidFill>
+                  <a:srgbClr val="92D050"/>
+                </a:solidFill>
+              </a:rPr>
+              <a:t>net stop sshd</a:t>
+            </a:r>
+          </a:p>
+          <a:p>
+            <a:pPr marL="0" indent="0">
+              <a:buNone/>
+            </a:pPr>
+            <a:r>
+              <a:rPr lang="nl-NL" dirty="0">
+                <a:solidFill>
+                  <a:srgbClr val="92D050"/>
+                </a:solidFill>
+              </a:rPr>
+              <a:t>net start sshd</a:t>
+            </a:r>
+            <a:endParaRPr lang="es-PE" dirty="0">
+              <a:solidFill>
+                <a:srgbClr val="92D050"/>
+              </a:solidFill>
+            </a:endParaRPr>
+          </a:p>
+        </p:txBody>
+      </p:sp>
+    </p:spTree>
+    <p:extLst>
+      <p:ext uri="{BB962C8B-B14F-4D97-AF65-F5344CB8AC3E}">
+        <p14:creationId xmlns:p14="http://schemas.microsoft.com/office/powerpoint/2010/main" val="1270098066"/>
+      </p:ext>
+    </p:extLst>
+  </p:cSld>
+  <p:clrMapOvr>
+    <a:masterClrMapping/>
+  </p:clrMapOvr>
+</p:sld>
+</file>
+
+<file path=ppt/slides/slide83.xml><?xml version="1.0" encoding="utf-8"?>
+<p:sld xmlns:a="http://schemas.openxmlformats.org/drawingml/2006/main" xmlns:r="http://schemas.openxmlformats.org/officeDocument/2006/relationships" xmlns:p="http://schemas.openxmlformats.org/presentationml/2006/main">
+  <p:cSld>
+    <p:spTree>
+      <p:nvGrpSpPr>
+        <p:cNvPr id="1" name=""/>
+        <p:cNvGrpSpPr/>
+        <p:nvPr/>
+      </p:nvGrpSpPr>
+      <p:grpSpPr>
+        <a:xfrm>
+          <a:off x="0" y="0"/>
+          <a:ext cx="0" cy="0"/>
+          <a:chOff x="0" y="0"/>
+          <a:chExt cx="0" cy="0"/>
+        </a:xfrm>
+      </p:grpSpPr>
+      <p:sp>
+        <p:nvSpPr>
+          <p:cNvPr id="2" name="Título 1">
+            <a:extLst>
+              <a:ext uri="{FF2B5EF4-FFF2-40B4-BE49-F238E27FC236}">
+                <a16:creationId xmlns:a16="http://schemas.microsoft.com/office/drawing/2014/main" id="{338C3AB0-446F-E225-8622-338DCD24451B}"/>
+              </a:ext>
+            </a:extLst>
+          </p:cNvPr>
+          <p:cNvSpPr>
+            <a:spLocks noGrp="1"/>
+          </p:cNvSpPr>
+          <p:nvPr>
+            <p:ph type="title"/>
+          </p:nvPr>
+        </p:nvSpPr>
+        <p:spPr/>
+        <p:txBody>
+          <a:bodyPr/>
+          <a:lstStyle/>
+          <a:p>
+            <a:r>
+              <a:rPr lang="es-PE" dirty="0"/>
+              <a:t>Configurar el SSH Server</a:t>
+            </a:r>
+          </a:p>
+        </p:txBody>
+      </p:sp>
+      <p:sp>
+        <p:nvSpPr>
+          <p:cNvPr id="3" name="Marcador de contenido 2">
+            <a:extLst>
+              <a:ext uri="{FF2B5EF4-FFF2-40B4-BE49-F238E27FC236}">
+                <a16:creationId xmlns:a16="http://schemas.microsoft.com/office/drawing/2014/main" id="{3EC1722D-9417-031F-2805-F237235A24BA}"/>
+              </a:ext>
+            </a:extLst>
+          </p:cNvPr>
+          <p:cNvSpPr>
+            <a:spLocks noGrp="1"/>
+          </p:cNvSpPr>
+          <p:nvPr>
+            <p:ph idx="1"/>
+          </p:nvPr>
+        </p:nvSpPr>
+        <p:spPr/>
+        <p:txBody>
+          <a:bodyPr/>
+          <a:lstStyle/>
+          <a:p>
+            <a:pPr marL="0" indent="0">
+              <a:buNone/>
+            </a:pPr>
+            <a:r>
+              <a:rPr lang="en-US" dirty="0">
+                <a:solidFill>
+                  <a:srgbClr val="FFC000"/>
+                </a:solidFill>
+              </a:rPr>
+              <a:t>start-process </a:t>
+            </a:r>
+            <a:r>
+              <a:rPr lang="en-US" dirty="0">
+                <a:solidFill>
+                  <a:srgbClr val="92D050"/>
+                </a:solidFill>
+              </a:rPr>
+              <a:t>notepad</a:t>
+            </a:r>
+            <a:r>
+              <a:rPr lang="en-US" dirty="0">
+                <a:solidFill>
+                  <a:srgbClr val="FFC000"/>
+                </a:solidFill>
+              </a:rPr>
+              <a:t> </a:t>
+            </a:r>
+            <a:r>
+              <a:rPr lang="en-US" dirty="0">
+                <a:solidFill>
+                  <a:srgbClr val="00B0F0"/>
+                </a:solidFill>
+              </a:rPr>
+              <a:t>C:\Programdata\ssh\sshd_config</a:t>
+            </a:r>
+          </a:p>
+          <a:p>
+            <a:pPr marL="0" indent="0">
+              <a:buNone/>
+            </a:pPr>
+            <a:endParaRPr lang="en-US" dirty="0">
+              <a:solidFill>
+                <a:srgbClr val="00B0F0"/>
+              </a:solidFill>
+            </a:endParaRPr>
+          </a:p>
+          <a:p>
+            <a:r>
+              <a:rPr lang="es-PE" dirty="0"/>
+              <a:t>Configurar el puerto y dirección</a:t>
+            </a:r>
+          </a:p>
+          <a:p>
+            <a:r>
+              <a:rPr lang="es-PE" dirty="0"/>
+              <a:t>Permitir  a los usuarios autenticarse con su clave o </a:t>
+            </a:r>
+            <a:r>
+              <a:rPr lang="es-PE" dirty="0" err="1"/>
+              <a:t>ssh</a:t>
+            </a:r>
+            <a:r>
+              <a:rPr lang="es-PE" dirty="0"/>
+              <a:t> </a:t>
+            </a:r>
+            <a:r>
+              <a:rPr lang="es-PE" dirty="0" err="1"/>
+              <a:t>key</a:t>
+            </a:r>
+            <a:endParaRPr lang="es-PE" dirty="0"/>
+          </a:p>
+        </p:txBody>
+      </p:sp>
+    </p:spTree>
+    <p:extLst>
+      <p:ext uri="{BB962C8B-B14F-4D97-AF65-F5344CB8AC3E}">
+        <p14:creationId xmlns:p14="http://schemas.microsoft.com/office/powerpoint/2010/main" val="919749649"/>
+      </p:ext>
+    </p:extLst>
+  </p:cSld>
+  <p:clrMapOvr>
+    <a:masterClrMapping/>
+  </p:clrMapOvr>
+</p:sld>
+</file>
+
 <file path=ppt/slides/slide9.xml><?xml version="1.0" encoding="utf-8"?>
 <p:sld xmlns:a="http://schemas.openxmlformats.org/drawingml/2006/main" xmlns:r="http://schemas.openxmlformats.org/officeDocument/2006/relationships" xmlns:p="http://schemas.openxmlformats.org/presentationml/2006/main">
   <p:cSld>
@@ -19112,23 +21210,7 @@
           <a:p>
             <a:r>
               <a:rPr lang="es-ES" dirty="0"/>
-              <a:t>Ejemplo: </a:t>
-            </a:r>
-            <a:r>
-              <a:rPr lang="es-ES" dirty="0" err="1"/>
-              <a:t>cp</a:t>
-            </a:r>
-            <a:r>
-              <a:rPr lang="es-ES" dirty="0"/>
-              <a:t> –R </a:t>
-            </a:r>
-            <a:r>
-              <a:rPr lang="es-ES" dirty="0" err="1"/>
-              <a:t>source</a:t>
-            </a:r>
-            <a:r>
-              <a:rPr lang="es-ES" dirty="0"/>
-              <a:t> target</a:t>
+              <a:t>Ejemplo: Write-Host “Hola Mundo”</a:t>
             </a:r>
             <a:endParaRPr lang="es-PE" dirty="0"/>
           </a:p>
